--- a/Forschungsmethoden.pptx
+++ b/Forschungsmethoden.pptx
@@ -5,10 +5,10 @@
     <p:sldMasterId id="2147483648" r:id="rId1"/>
   </p:sldMasterIdLst>
   <p:notesMasterIdLst>
-    <p:notesMasterId r:id="rId16"/>
+    <p:notesMasterId r:id="rId19"/>
   </p:notesMasterIdLst>
   <p:handoutMasterIdLst>
-    <p:handoutMasterId r:id="rId17"/>
+    <p:handoutMasterId r:id="rId20"/>
   </p:handoutMasterIdLst>
   <p:sldIdLst>
     <p:sldId id="330" r:id="rId2"/>
@@ -23,13 +23,16 @@
     <p:sldId id="684" r:id="rId11"/>
     <p:sldId id="685" r:id="rId12"/>
     <p:sldId id="686" r:id="rId13"/>
-    <p:sldId id="655" r:id="rId14"/>
-    <p:sldId id="688" r:id="rId15"/>
+    <p:sldId id="688" r:id="rId14"/>
+    <p:sldId id="689" r:id="rId15"/>
+    <p:sldId id="690" r:id="rId16"/>
+    <p:sldId id="691" r:id="rId17"/>
+    <p:sldId id="655" r:id="rId18"/>
   </p:sldIdLst>
   <p:sldSz cx="9144000" cy="6858000" type="screen4x3"/>
   <p:notesSz cx="6797675" cy="9926638"/>
   <p:custDataLst>
-    <p:tags r:id="rId18"/>
+    <p:tags r:id="rId21"/>
   </p:custDataLst>
   <p:defaultTextStyle>
     <a:defPPr>
@@ -438,7 +441,7 @@
               <a:pPr>
                 <a:defRPr/>
               </a:pPr>
-              <a:t>‹Nr.›</a:t>
+              <a:t>‹#›</a:t>
             </a:fld>
             <a:endParaRPr lang="de-DE"/>
           </a:p>
@@ -779,7 +782,7 @@
               <a:pPr>
                 <a:defRPr/>
               </a:pPr>
-              <a:t>‹Nr.›</a:t>
+              <a:t>‹#›</a:t>
             </a:fld>
             <a:endParaRPr lang="de-DE"/>
           </a:p>
@@ -1589,6 +1592,613 @@
 </p:notes>
 </file>
 
+<file path=ppt/notesSlides/notesSlide6.xml><?xml version="1.0" encoding="utf-8"?>
+<p:notes xmlns:a="http://schemas.openxmlformats.org/drawingml/2006/main" xmlns:r="http://schemas.openxmlformats.org/officeDocument/2006/relationships" xmlns:p="http://schemas.openxmlformats.org/presentationml/2006/main">
+  <p:cSld>
+    <p:spTree>
+      <p:nvGrpSpPr>
+        <p:cNvPr id="1" name="">
+          <a:extLst>
+            <a:ext uri="{FF2B5EF4-FFF2-40B4-BE49-F238E27FC236}">
+              <a16:creationId xmlns:a16="http://schemas.microsoft.com/office/drawing/2014/main" id="{117550A4-0691-599E-29DF-022937BC2B73}"/>
+            </a:ext>
+          </a:extLst>
+        </p:cNvPr>
+        <p:cNvGrpSpPr/>
+        <p:nvPr/>
+      </p:nvGrpSpPr>
+      <p:grpSpPr>
+        <a:xfrm>
+          <a:off x="0" y="0"/>
+          <a:ext cx="0" cy="0"/>
+          <a:chOff x="0" y="0"/>
+          <a:chExt cx="0" cy="0"/>
+        </a:xfrm>
+      </p:grpSpPr>
+      <p:sp>
+        <p:nvSpPr>
+          <p:cNvPr id="2" name="Folienbildplatzhalter 1">
+            <a:extLst>
+              <a:ext uri="{FF2B5EF4-FFF2-40B4-BE49-F238E27FC236}">
+                <a16:creationId xmlns:a16="http://schemas.microsoft.com/office/drawing/2014/main" id="{A02EE9FB-D561-976F-CA58-E3DB17AB5FCE}"/>
+              </a:ext>
+            </a:extLst>
+          </p:cNvPr>
+          <p:cNvSpPr>
+            <a:spLocks noGrp="1" noRot="1" noChangeAspect="1"/>
+          </p:cNvSpPr>
+          <p:nvPr>
+            <p:ph type="sldImg"/>
+          </p:nvPr>
+        </p:nvSpPr>
+        <p:spPr/>
+      </p:sp>
+      <p:sp>
+        <p:nvSpPr>
+          <p:cNvPr id="3" name="Notizenplatzhalter 2">
+            <a:extLst>
+              <a:ext uri="{FF2B5EF4-FFF2-40B4-BE49-F238E27FC236}">
+                <a16:creationId xmlns:a16="http://schemas.microsoft.com/office/drawing/2014/main" id="{9ABA6EFA-9B71-FB9B-078B-7D89F842F4C0}"/>
+              </a:ext>
+            </a:extLst>
+          </p:cNvPr>
+          <p:cNvSpPr>
+            <a:spLocks noGrp="1"/>
+          </p:cNvSpPr>
+          <p:nvPr>
+            <p:ph type="body" idx="1"/>
+          </p:nvPr>
+        </p:nvSpPr>
+        <p:spPr/>
+        <p:txBody>
+          <a:bodyPr/>
+          <a:lstStyle/>
+          <a:p>
+            <a:r>
+              <a:rPr lang="de-DE" i="1" dirty="0"/>
+              <a:t>„Nachdem wir bei Forschungsfrage 1 den kurzfristigen Lerneffekt betrachtet haben,</a:t>
+            </a:r>
+            <a:br>
+              <a:rPr lang="de-DE" i="1" dirty="0"/>
+            </a:br>
+            <a:r>
+              <a:rPr lang="de-DE" i="1" dirty="0"/>
+              <a:t>geht es bei Forschungsfrage 2 um die zentrale Frage der Nachhaltigkeit.“</a:t>
+            </a:r>
+            <a:endParaRPr lang="de-DE" dirty="0"/>
+          </a:p>
+          <a:p>
+            <a:r>
+              <a:rPr lang="de-DE" i="1" dirty="0"/>
+              <a:t>„Methodisch handelt es sich um eine Longitudinalstudie, also eine Untersuchung mit wiederholten Messungen über einen längeren Zeitraum.“</a:t>
+            </a:r>
+            <a:endParaRPr lang="de-DE" dirty="0"/>
+          </a:p>
+          <a:p>
+            <a:r>
+              <a:rPr lang="de-DE" i="1" dirty="0"/>
+              <a:t>„Die gleichen Probanden aus Forschungsfrage 1 nehmen auch am Post-Test 2 teil, der nach etwa vier bis sechs Wochen durchgeführt wird.“</a:t>
+            </a:r>
+            <a:endParaRPr lang="de-DE" dirty="0"/>
+          </a:p>
+          <a:p>
+            <a:r>
+              <a:rPr lang="de-DE" i="1" dirty="0"/>
+              <a:t>„Zwischen Post-Test 1 und Post-Test 2 findet bewusst keine weitere Schulung statt,</a:t>
+            </a:r>
+            <a:br>
+              <a:rPr lang="de-DE" i="1" dirty="0"/>
+            </a:br>
+            <a:r>
+              <a:rPr lang="de-DE" i="1" dirty="0"/>
+              <a:t>damit wir messen können, wie stabil das Gelernte tatsächlich ist.“</a:t>
+            </a:r>
+            <a:endParaRPr lang="de-DE" dirty="0"/>
+          </a:p>
+          <a:p>
+            <a:r>
+              <a:rPr lang="de-DE" i="1" dirty="0"/>
+              <a:t>„Dieses Vorgehen ist wichtig, da kurzfristige Lernerfolge nicht automatisch bedeuten, dass Wissen langfristig erhalten bleibt.“</a:t>
+            </a:r>
+            <a:endParaRPr lang="de-DE" dirty="0"/>
+          </a:p>
+          <a:p>
+            <a:endParaRPr lang="de-DE" dirty="0"/>
+          </a:p>
+        </p:txBody>
+      </p:sp>
+      <p:sp>
+        <p:nvSpPr>
+          <p:cNvPr id="4" name="Datumsplatzhalter 3">
+            <a:extLst>
+              <a:ext uri="{FF2B5EF4-FFF2-40B4-BE49-F238E27FC236}">
+                <a16:creationId xmlns:a16="http://schemas.microsoft.com/office/drawing/2014/main" id="{0301EF79-882D-6F06-130E-AABCBDF7B6C6}"/>
+              </a:ext>
+            </a:extLst>
+          </p:cNvPr>
+          <p:cNvSpPr>
+            <a:spLocks noGrp="1"/>
+          </p:cNvSpPr>
+          <p:nvPr>
+            <p:ph type="dt" idx="1"/>
+          </p:nvPr>
+        </p:nvSpPr>
+        <p:spPr/>
+        <p:txBody>
+          <a:bodyPr/>
+          <a:lstStyle/>
+          <a:p>
+            <a:pPr>
+              <a:defRPr/>
+            </a:pPr>
+            <a:fld id="{95DB1547-7EF8-48A8-8B3E-D12C3CE57FC8}" type="datetime1">
+              <a:rPr lang="de-DE" smtClean="0"/>
+              <a:t>12.01.2026</a:t>
+            </a:fld>
+            <a:endParaRPr lang="de-DE"/>
+          </a:p>
+        </p:txBody>
+      </p:sp>
+      <p:sp>
+        <p:nvSpPr>
+          <p:cNvPr id="5" name="Foliennummernplatzhalter 4">
+            <a:extLst>
+              <a:ext uri="{FF2B5EF4-FFF2-40B4-BE49-F238E27FC236}">
+                <a16:creationId xmlns:a16="http://schemas.microsoft.com/office/drawing/2014/main" id="{3A512B50-89AE-A442-2B44-A93973FF4B83}"/>
+              </a:ext>
+            </a:extLst>
+          </p:cNvPr>
+          <p:cNvSpPr>
+            <a:spLocks noGrp="1"/>
+          </p:cNvSpPr>
+          <p:nvPr>
+            <p:ph type="sldNum" sz="quarter" idx="5"/>
+          </p:nvPr>
+        </p:nvSpPr>
+        <p:spPr/>
+        <p:txBody>
+          <a:bodyPr/>
+          <a:lstStyle/>
+          <a:p>
+            <a:pPr>
+              <a:defRPr/>
+            </a:pPr>
+            <a:fld id="{BCB6D199-8F06-4346-AE65-F23F023EED68}" type="slidenum">
+              <a:rPr lang="de-DE" smtClean="0"/>
+              <a:pPr>
+                <a:defRPr/>
+              </a:pPr>
+              <a:t>14</a:t>
+            </a:fld>
+            <a:endParaRPr lang="de-DE"/>
+          </a:p>
+        </p:txBody>
+      </p:sp>
+    </p:spTree>
+    <p:extLst>
+      <p:ext uri="{BB962C8B-B14F-4D97-AF65-F5344CB8AC3E}">
+        <p14:creationId xmlns:p14="http://schemas.microsoft.com/office/powerpoint/2010/main" val="505412071"/>
+      </p:ext>
+    </p:extLst>
+  </p:cSld>
+  <p:clrMapOvr>
+    <a:masterClrMapping/>
+  </p:clrMapOvr>
+</p:notes>
+</file>
+
+<file path=ppt/notesSlides/notesSlide7.xml><?xml version="1.0" encoding="utf-8"?>
+<p:notes xmlns:a="http://schemas.openxmlformats.org/drawingml/2006/main" xmlns:r="http://schemas.openxmlformats.org/officeDocument/2006/relationships" xmlns:p="http://schemas.openxmlformats.org/presentationml/2006/main">
+  <p:cSld>
+    <p:spTree>
+      <p:nvGrpSpPr>
+        <p:cNvPr id="1" name="">
+          <a:extLst>
+            <a:ext uri="{FF2B5EF4-FFF2-40B4-BE49-F238E27FC236}">
+              <a16:creationId xmlns:a16="http://schemas.microsoft.com/office/drawing/2014/main" id="{AEC6EDA9-F1D4-62A7-4FA7-CBD37668F4B9}"/>
+            </a:ext>
+          </a:extLst>
+        </p:cNvPr>
+        <p:cNvGrpSpPr/>
+        <p:nvPr/>
+      </p:nvGrpSpPr>
+      <p:grpSpPr>
+        <a:xfrm>
+          <a:off x="0" y="0"/>
+          <a:ext cx="0" cy="0"/>
+          <a:chOff x="0" y="0"/>
+          <a:chExt cx="0" cy="0"/>
+        </a:xfrm>
+      </p:grpSpPr>
+      <p:sp>
+        <p:nvSpPr>
+          <p:cNvPr id="2" name="Folienbildplatzhalter 1">
+            <a:extLst>
+              <a:ext uri="{FF2B5EF4-FFF2-40B4-BE49-F238E27FC236}">
+                <a16:creationId xmlns:a16="http://schemas.microsoft.com/office/drawing/2014/main" id="{2138A14B-D951-C6CC-ABFC-9C2BF04B3647}"/>
+              </a:ext>
+            </a:extLst>
+          </p:cNvPr>
+          <p:cNvSpPr>
+            <a:spLocks noGrp="1" noRot="1" noChangeAspect="1"/>
+          </p:cNvSpPr>
+          <p:nvPr>
+            <p:ph type="sldImg"/>
+          </p:nvPr>
+        </p:nvSpPr>
+        <p:spPr/>
+      </p:sp>
+      <p:sp>
+        <p:nvSpPr>
+          <p:cNvPr id="3" name="Notizenplatzhalter 2">
+            <a:extLst>
+              <a:ext uri="{FF2B5EF4-FFF2-40B4-BE49-F238E27FC236}">
+                <a16:creationId xmlns:a16="http://schemas.microsoft.com/office/drawing/2014/main" id="{510360CE-347C-F716-C01B-A55B10DDC828}"/>
+              </a:ext>
+            </a:extLst>
+          </p:cNvPr>
+          <p:cNvSpPr>
+            <a:spLocks noGrp="1"/>
+          </p:cNvSpPr>
+          <p:nvPr>
+            <p:ph type="body" idx="1"/>
+          </p:nvPr>
+        </p:nvSpPr>
+        <p:spPr/>
+        <p:txBody>
+          <a:bodyPr/>
+          <a:lstStyle/>
+          <a:p>
+            <a:r>
+              <a:rPr lang="de-DE" i="1" dirty="0"/>
+              <a:t>„Für den Post-Test 2 wird ein neues Set simulierter Phishing-Mails verwendet,</a:t>
+            </a:r>
+            <a:br>
+              <a:rPr lang="de-DE" i="1" dirty="0"/>
+            </a:br>
+            <a:r>
+              <a:rPr lang="de-DE" i="1" dirty="0"/>
+              <a:t>um reine Erinnerungseffekte auszuschließen.“</a:t>
+            </a:r>
+            <a:endParaRPr lang="de-DE" dirty="0"/>
+          </a:p>
+          <a:p>
+            <a:r>
+              <a:rPr lang="de-DE" i="1" dirty="0"/>
+              <a:t>„Erhoben werden erneut die Erkennungsrate von Phishing-Mails sowie die Klickrate auf verdächtige Links.“</a:t>
+            </a:r>
+            <a:endParaRPr lang="de-DE" dirty="0"/>
+          </a:p>
+          <a:p>
+            <a:r>
+              <a:rPr lang="de-DE" i="1" dirty="0"/>
+              <a:t>„Optional kann zusätzlich die subjektive Selbstwirksamkeit erfasst werden,</a:t>
+            </a:r>
+            <a:br>
+              <a:rPr lang="de-DE" i="1" dirty="0"/>
+            </a:br>
+            <a:r>
+              <a:rPr lang="de-DE" i="1" dirty="0"/>
+              <a:t>also wie sicher sich die Teilnehmenden beim Erkennen von Phishing fühlen.“</a:t>
+            </a:r>
+            <a:endParaRPr lang="de-DE" dirty="0"/>
+          </a:p>
+          <a:p>
+            <a:r>
+              <a:rPr lang="de-DE" i="1" dirty="0"/>
+              <a:t>„Die statistische Auswertung erfolgt mithilfe einer Messwiederholungs-ANOVA,</a:t>
+            </a:r>
+            <a:br>
+              <a:rPr lang="de-DE" i="1" dirty="0"/>
+            </a:br>
+            <a:r>
+              <a:rPr lang="de-DE" i="1" dirty="0"/>
+              <a:t>die sowohl die Veränderung über die Zeit als auch Unterschiede zwischen den Lehrmethoden berücksichtigt.“</a:t>
+            </a:r>
+            <a:endParaRPr lang="de-DE" dirty="0"/>
+          </a:p>
+          <a:p>
+            <a:r>
+              <a:rPr lang="de-DE" i="1" dirty="0"/>
+              <a:t>„Ziel ist es zu analysieren, ob die interaktive Lehrmethode langfristig stabilere Lerneffekte erzielt.“</a:t>
+            </a:r>
+            <a:endParaRPr lang="de-DE" dirty="0"/>
+          </a:p>
+        </p:txBody>
+      </p:sp>
+      <p:sp>
+        <p:nvSpPr>
+          <p:cNvPr id="4" name="Datumsplatzhalter 3">
+            <a:extLst>
+              <a:ext uri="{FF2B5EF4-FFF2-40B4-BE49-F238E27FC236}">
+                <a16:creationId xmlns:a16="http://schemas.microsoft.com/office/drawing/2014/main" id="{32B65CDA-AFC7-9E65-5DE4-5F180BA36FAE}"/>
+              </a:ext>
+            </a:extLst>
+          </p:cNvPr>
+          <p:cNvSpPr>
+            <a:spLocks noGrp="1"/>
+          </p:cNvSpPr>
+          <p:nvPr>
+            <p:ph type="dt" idx="1"/>
+          </p:nvPr>
+        </p:nvSpPr>
+        <p:spPr/>
+        <p:txBody>
+          <a:bodyPr/>
+          <a:lstStyle/>
+          <a:p>
+            <a:pPr>
+              <a:defRPr/>
+            </a:pPr>
+            <a:fld id="{95DB1547-7EF8-48A8-8B3E-D12C3CE57FC8}" type="datetime1">
+              <a:rPr lang="de-DE" smtClean="0"/>
+              <a:t>12.01.2026</a:t>
+            </a:fld>
+            <a:endParaRPr lang="de-DE"/>
+          </a:p>
+        </p:txBody>
+      </p:sp>
+      <p:sp>
+        <p:nvSpPr>
+          <p:cNvPr id="5" name="Foliennummernplatzhalter 4">
+            <a:extLst>
+              <a:ext uri="{FF2B5EF4-FFF2-40B4-BE49-F238E27FC236}">
+                <a16:creationId xmlns:a16="http://schemas.microsoft.com/office/drawing/2014/main" id="{F26CE92D-5735-FBCC-D58D-C274737F1745}"/>
+              </a:ext>
+            </a:extLst>
+          </p:cNvPr>
+          <p:cNvSpPr>
+            <a:spLocks noGrp="1"/>
+          </p:cNvSpPr>
+          <p:nvPr>
+            <p:ph type="sldNum" sz="quarter" idx="5"/>
+          </p:nvPr>
+        </p:nvSpPr>
+        <p:spPr/>
+        <p:txBody>
+          <a:bodyPr/>
+          <a:lstStyle/>
+          <a:p>
+            <a:pPr>
+              <a:defRPr/>
+            </a:pPr>
+            <a:fld id="{BCB6D199-8F06-4346-AE65-F23F023EED68}" type="slidenum">
+              <a:rPr lang="de-DE" smtClean="0"/>
+              <a:pPr>
+                <a:defRPr/>
+              </a:pPr>
+              <a:t>15</a:t>
+            </a:fld>
+            <a:endParaRPr lang="de-DE"/>
+          </a:p>
+        </p:txBody>
+      </p:sp>
+    </p:spTree>
+    <p:extLst>
+      <p:ext uri="{BB962C8B-B14F-4D97-AF65-F5344CB8AC3E}">
+        <p14:creationId xmlns:p14="http://schemas.microsoft.com/office/powerpoint/2010/main" val="2525189559"/>
+      </p:ext>
+    </p:extLst>
+  </p:cSld>
+  <p:clrMapOvr>
+    <a:masterClrMapping/>
+  </p:clrMapOvr>
+</p:notes>
+</file>
+
+<file path=ppt/notesSlides/notesSlide8.xml><?xml version="1.0" encoding="utf-8"?>
+<p:notes xmlns:a="http://schemas.openxmlformats.org/drawingml/2006/main" xmlns:r="http://schemas.openxmlformats.org/officeDocument/2006/relationships" xmlns:p="http://schemas.openxmlformats.org/presentationml/2006/main">
+  <p:cSld>
+    <p:spTree>
+      <p:nvGrpSpPr>
+        <p:cNvPr id="1" name="">
+          <a:extLst>
+            <a:ext uri="{FF2B5EF4-FFF2-40B4-BE49-F238E27FC236}">
+              <a16:creationId xmlns:a16="http://schemas.microsoft.com/office/drawing/2014/main" id="{4888360C-376D-7C12-294C-B8942B353600}"/>
+            </a:ext>
+          </a:extLst>
+        </p:cNvPr>
+        <p:cNvGrpSpPr/>
+        <p:nvPr/>
+      </p:nvGrpSpPr>
+      <p:grpSpPr>
+        <a:xfrm>
+          <a:off x="0" y="0"/>
+          <a:ext cx="0" cy="0"/>
+          <a:chOff x="0" y="0"/>
+          <a:chExt cx="0" cy="0"/>
+        </a:xfrm>
+      </p:grpSpPr>
+      <p:sp>
+        <p:nvSpPr>
+          <p:cNvPr id="2" name="Folienbildplatzhalter 1">
+            <a:extLst>
+              <a:ext uri="{FF2B5EF4-FFF2-40B4-BE49-F238E27FC236}">
+                <a16:creationId xmlns:a16="http://schemas.microsoft.com/office/drawing/2014/main" id="{910BC536-5FEA-04CA-36BC-BED3B42E3870}"/>
+              </a:ext>
+            </a:extLst>
+          </p:cNvPr>
+          <p:cNvSpPr>
+            <a:spLocks noGrp="1" noRot="1" noChangeAspect="1"/>
+          </p:cNvSpPr>
+          <p:nvPr>
+            <p:ph type="sldImg"/>
+          </p:nvPr>
+        </p:nvSpPr>
+        <p:spPr/>
+      </p:sp>
+      <p:sp>
+        <p:nvSpPr>
+          <p:cNvPr id="3" name="Notizenplatzhalter 2">
+            <a:extLst>
+              <a:ext uri="{FF2B5EF4-FFF2-40B4-BE49-F238E27FC236}">
+                <a16:creationId xmlns:a16="http://schemas.microsoft.com/office/drawing/2014/main" id="{60F84897-C1FC-8597-84B4-0A8166195BAC}"/>
+              </a:ext>
+            </a:extLst>
+          </p:cNvPr>
+          <p:cNvSpPr>
+            <a:spLocks noGrp="1"/>
+          </p:cNvSpPr>
+          <p:nvPr>
+            <p:ph type="body" idx="1"/>
+          </p:nvPr>
+        </p:nvSpPr>
+        <p:spPr/>
+        <p:txBody>
+          <a:bodyPr/>
+          <a:lstStyle/>
+          <a:p>
+            <a:r>
+              <a:rPr lang="de-DE" i="1" dirty="0"/>
+              <a:t>„Zusammenfassend untersucht das Projekt nicht nur, ob Lernen stattfindet,</a:t>
+            </a:r>
+            <a:br>
+              <a:rPr lang="de-DE" i="1" dirty="0"/>
+            </a:br>
+            <a:r>
+              <a:rPr lang="de-DE" i="1" dirty="0"/>
+              <a:t>sondern ob dieses Lernen auch langfristig wirksam bleibt.“</a:t>
+            </a:r>
+            <a:endParaRPr lang="de-DE" dirty="0"/>
+          </a:p>
+          <a:p>
+            <a:r>
+              <a:rPr lang="de-DE" i="1" dirty="0"/>
+              <a:t>„Es wird erwartet, dass interaktive, simulationsbasierte Lehrmethoden</a:t>
+            </a:r>
+            <a:br>
+              <a:rPr lang="de-DE" i="1" dirty="0"/>
+            </a:br>
+            <a:r>
+              <a:rPr lang="de-DE" i="1" dirty="0"/>
+              <a:t>zu stabileren Lerneffekten führen als rein informationsbasierte Schulungen.“</a:t>
+            </a:r>
+            <a:endParaRPr lang="de-DE" dirty="0"/>
+          </a:p>
+          <a:p>
+            <a:r>
+              <a:rPr lang="de-DE" i="1" dirty="0"/>
+              <a:t>„Praktisch lassen sich daraus Empfehlungen für Unternehmen und Bildungseinrichtungen ableiten,</a:t>
+            </a:r>
+            <a:br>
+              <a:rPr lang="de-DE" i="1" dirty="0"/>
+            </a:br>
+            <a:r>
+              <a:rPr lang="de-DE" i="1" dirty="0"/>
+              <a:t>etwa zur Gestaltung nachhaltiger Awareness-Schulungen.“</a:t>
+            </a:r>
+            <a:endParaRPr lang="de-DE" dirty="0"/>
+          </a:p>
+          <a:p>
+            <a:r>
+              <a:rPr lang="de-DE" i="1" dirty="0"/>
+              <a:t>„Gleichzeitig gibt es methodische Grenzen,</a:t>
+            </a:r>
+            <a:br>
+              <a:rPr lang="de-DE" i="1" dirty="0"/>
+            </a:br>
+            <a:r>
+              <a:rPr lang="de-DE" i="1" dirty="0"/>
+              <a:t>beispielsweise die eingeschränkte Generalisierbarkeit durch die Stichprobe</a:t>
+            </a:r>
+            <a:br>
+              <a:rPr lang="de-DE" i="1" dirty="0"/>
+            </a:br>
+            <a:r>
+              <a:rPr lang="de-DE" i="1" dirty="0"/>
+              <a:t>oder die künstliche Situation durch simulierte Phishing-Mails.“</a:t>
+            </a:r>
+            <a:endParaRPr lang="de-DE" dirty="0"/>
+          </a:p>
+          <a:p>
+            <a:r>
+              <a:rPr lang="de-DE" i="1" dirty="0"/>
+              <a:t>„Diese Aspekte sollten bei einer späteren realen Umsetzung kritisch reflektiert werden.“</a:t>
+            </a:r>
+            <a:endParaRPr lang="de-DE" dirty="0"/>
+          </a:p>
+        </p:txBody>
+      </p:sp>
+      <p:sp>
+        <p:nvSpPr>
+          <p:cNvPr id="4" name="Datumsplatzhalter 3">
+            <a:extLst>
+              <a:ext uri="{FF2B5EF4-FFF2-40B4-BE49-F238E27FC236}">
+                <a16:creationId xmlns:a16="http://schemas.microsoft.com/office/drawing/2014/main" id="{36B03558-ED5E-07C6-D04F-AB434396CAF1}"/>
+              </a:ext>
+            </a:extLst>
+          </p:cNvPr>
+          <p:cNvSpPr>
+            <a:spLocks noGrp="1"/>
+          </p:cNvSpPr>
+          <p:nvPr>
+            <p:ph type="dt" idx="1"/>
+          </p:nvPr>
+        </p:nvSpPr>
+        <p:spPr/>
+        <p:txBody>
+          <a:bodyPr/>
+          <a:lstStyle/>
+          <a:p>
+            <a:pPr>
+              <a:defRPr/>
+            </a:pPr>
+            <a:fld id="{95DB1547-7EF8-48A8-8B3E-D12C3CE57FC8}" type="datetime1">
+              <a:rPr lang="de-DE" smtClean="0"/>
+              <a:t>12.01.2026</a:t>
+            </a:fld>
+            <a:endParaRPr lang="de-DE"/>
+          </a:p>
+        </p:txBody>
+      </p:sp>
+      <p:sp>
+        <p:nvSpPr>
+          <p:cNvPr id="5" name="Foliennummernplatzhalter 4">
+            <a:extLst>
+              <a:ext uri="{FF2B5EF4-FFF2-40B4-BE49-F238E27FC236}">
+                <a16:creationId xmlns:a16="http://schemas.microsoft.com/office/drawing/2014/main" id="{ED206FEA-28AE-6530-7991-54F60BE70B0C}"/>
+              </a:ext>
+            </a:extLst>
+          </p:cNvPr>
+          <p:cNvSpPr>
+            <a:spLocks noGrp="1"/>
+          </p:cNvSpPr>
+          <p:nvPr>
+            <p:ph type="sldNum" sz="quarter" idx="5"/>
+          </p:nvPr>
+        </p:nvSpPr>
+        <p:spPr/>
+        <p:txBody>
+          <a:bodyPr/>
+          <a:lstStyle/>
+          <a:p>
+            <a:pPr>
+              <a:defRPr/>
+            </a:pPr>
+            <a:fld id="{BCB6D199-8F06-4346-AE65-F23F023EED68}" type="slidenum">
+              <a:rPr lang="de-DE" smtClean="0"/>
+              <a:pPr>
+                <a:defRPr/>
+              </a:pPr>
+              <a:t>16</a:t>
+            </a:fld>
+            <a:endParaRPr lang="de-DE"/>
+          </a:p>
+        </p:txBody>
+      </p:sp>
+    </p:spTree>
+    <p:extLst>
+      <p:ext uri="{BB962C8B-B14F-4D97-AF65-F5344CB8AC3E}">
+        <p14:creationId xmlns:p14="http://schemas.microsoft.com/office/powerpoint/2010/main" val="413282668"/>
+      </p:ext>
+    </p:extLst>
+  </p:cSld>
+  <p:clrMapOvr>
+    <a:masterClrMapping/>
+  </p:clrMapOvr>
+</p:notes>
+</file>
+
 <file path=ppt/slideLayouts/slideLayout1.xml><?xml version="1.0" encoding="utf-8"?>
 <p:sldLayout xmlns:a="http://schemas.openxmlformats.org/drawingml/2006/main" xmlns:r="http://schemas.openxmlformats.org/officeDocument/2006/relationships" xmlns:p="http://schemas.openxmlformats.org/presentationml/2006/main" showMasterSp="0" preserve="1" userDrawn="1">
   <p:cSld name="Titelfolie">
@@ -1935,7 +2545,7 @@
               <a:pPr>
                 <a:defRPr/>
               </a:pPr>
-              <a:t>‹Nr.›</a:t>
+              <a:t>‹#›</a:t>
             </a:fld>
             <a:endParaRPr lang="de-DE"/>
           </a:p>
@@ -2436,7 +3046,7 @@
               <a:pPr>
                 <a:defRPr/>
               </a:pPr>
-              <a:t>‹Nr.›</a:t>
+              <a:t>‹#›</a:t>
             </a:fld>
             <a:endParaRPr lang="de-DE"/>
           </a:p>
@@ -2632,7 +3242,7 @@
               <a:pPr>
                 <a:defRPr/>
               </a:pPr>
-              <a:t>‹Nr.›</a:t>
+              <a:t>‹#›</a:t>
             </a:fld>
             <a:endParaRPr lang="de-DE"/>
           </a:p>
@@ -3247,7 +3857,7 @@
               <a:pPr>
                 <a:defRPr/>
               </a:pPr>
-              <a:t>‹Nr.›</a:t>
+              <a:t>‹#›</a:t>
             </a:fld>
             <a:endParaRPr lang="de-DE"/>
           </a:p>
@@ -3897,7 +4507,7 @@
               <a:pPr>
                 <a:defRPr/>
               </a:pPr>
-              <a:t>‹Nr.›</a:t>
+              <a:t>‹#›</a:t>
             </a:fld>
             <a:endParaRPr lang="de-DE"/>
           </a:p>
@@ -4883,7 +5493,7 @@
               <a:pPr>
                 <a:defRPr/>
               </a:pPr>
-              <a:t>‹Nr.›</a:t>
+              <a:t>‹#›</a:t>
             </a:fld>
             <a:endParaRPr lang="de-DE"/>
           </a:p>
@@ -5291,7 +5901,7 @@
               <a:pPr>
                 <a:defRPr/>
               </a:pPr>
-              <a:t>‹Nr.›</a:t>
+              <a:t>‹#›</a:t>
             </a:fld>
             <a:endParaRPr lang="de-DE"/>
           </a:p>
@@ -6288,88 +6898,6 @@
       </p:sp>
       <p:sp>
         <p:nvSpPr>
-          <p:cNvPr id="2" name="Inhaltsplatzhalter 1"/>
-          <p:cNvSpPr>
-            <a:spLocks noGrp="1"/>
-          </p:cNvSpPr>
-          <p:nvPr>
-            <p:ph sz="quarter" idx="13"/>
-          </p:nvPr>
-        </p:nvSpPr>
-        <p:spPr>
-          <a:xfrm>
-            <a:off x="559013" y="4293822"/>
-            <a:ext cx="8022566" cy="2006013"/>
-          </a:xfrm>
-        </p:spPr>
-        <p:txBody>
-          <a:bodyPr>
-            <a:noAutofit/>
-          </a:bodyPr>
-          <a:lstStyle/>
-          <a:p>
-            <a:pPr algn="ctr">
-              <a:lnSpc>
-                <a:spcPct val="120000"/>
-              </a:lnSpc>
-            </a:pPr>
-            <a:r>
-              <a:rPr lang="de-DE" sz="1800" kern="1200" dirty="0"/>
-              <a:t>Projekt: Forschungsmethoden</a:t>
-            </a:r>
-            <a:br>
-              <a:rPr lang="de-DE" sz="1800" kern="1200" dirty="0"/>
-            </a:br>
-            <a:r>
-              <a:rPr lang="de-DE" sz="1800" kern="1200" dirty="0"/>
-              <a:t>Wirtschaftsinformatik</a:t>
-            </a:r>
-            <a:endParaRPr lang="de-DE" sz="3200" dirty="0">
-              <a:cs typeface="Arial" panose="020B0604020202020204"/>
-            </a:endParaRPr>
-          </a:p>
-          <a:p>
-            <a:pPr algn="ctr">
-              <a:lnSpc>
-                <a:spcPct val="120000"/>
-              </a:lnSpc>
-            </a:pPr>
-            <a:r>
-              <a:rPr lang="de-DE" sz="1800" kern="1200" dirty="0"/>
-              <a:t>Prof</a:t>
-            </a:r>
-            <a:r>
-              <a:rPr lang="de-DE" sz="1800" kern="1200" dirty="0">
-                <a:solidFill>
-                  <a:srgbClr val="00998A"/>
-                </a:solidFill>
-                <a:ea typeface="+mn-lt"/>
-                <a:cs typeface="+mn-lt"/>
-              </a:rPr>
-              <a:t>. Dr. Jörg </a:t>
-            </a:r>
-            <a:r>
-              <a:rPr lang="de-DE" sz="1800" kern="1200" dirty="0" err="1">
-                <a:solidFill>
-                  <a:srgbClr val="00998A"/>
-                </a:solidFill>
-                <a:ea typeface="+mn-lt"/>
-                <a:cs typeface="+mn-lt"/>
-              </a:rPr>
-              <a:t>Klukas</a:t>
-            </a:r>
-            <a:r>
-              <a:rPr lang="de-DE" sz="3200" dirty="0"/>
-              <a:t> </a:t>
-            </a:r>
-            <a:endParaRPr lang="de-DE" sz="3200" dirty="0">
-              <a:cs typeface="Arial"/>
-            </a:endParaRPr>
-          </a:p>
-        </p:txBody>
-      </p:sp>
-      <p:sp>
-        <p:nvSpPr>
           <p:cNvPr id="4" name="Inhaltsplatzhalter 3"/>
           <p:cNvSpPr>
             <a:spLocks noGrp="1"/>
@@ -6704,8 +7232,8 @@
         </p:nvSpPr>
         <p:spPr bwMode="auto">
           <a:xfrm>
-            <a:off x="835684" y="3490993"/>
-            <a:ext cx="7986982" cy="400110"/>
+            <a:off x="578509" y="4192740"/>
+            <a:ext cx="7986982" cy="1138773"/>
           </a:xfrm>
           <a:prstGeom prst="rect">
             <a:avLst/>
@@ -6735,6 +7263,38 @@
                 <a:latin typeface="+mn-lt"/>
               </a:rPr>
               <a:t>Projekt: Forschungsmethoden</a:t>
+            </a:r>
+          </a:p>
+          <a:p>
+            <a:pPr marL="342900" indent="-342900" algn="ctr">
+              <a:spcBef>
+                <a:spcPct val="20000"/>
+              </a:spcBef>
+            </a:pPr>
+            <a:r>
+              <a:rPr lang="de-DE" sz="2000" b="1" dirty="0">
+                <a:solidFill>
+                  <a:schemeClr val="accent1"/>
+                </a:solidFill>
+                <a:latin typeface="+mn-lt"/>
+              </a:rPr>
+              <a:t>Prof. Dr. Jörg Klukas </a:t>
+            </a:r>
+          </a:p>
+          <a:p>
+            <a:pPr marL="342900" indent="-342900" algn="ctr">
+              <a:spcBef>
+                <a:spcPct val="20000"/>
+              </a:spcBef>
+            </a:pPr>
+            <a:r>
+              <a:rPr lang="de-DE" sz="2000" b="1" dirty="0">
+                <a:solidFill>
+                  <a:schemeClr val="accent1"/>
+                </a:solidFill>
+                <a:latin typeface="+mn-lt"/>
+              </a:rPr>
+              <a:t>Datum: 31.01.2026</a:t>
             </a:r>
           </a:p>
         </p:txBody>
@@ -6753,7 +7313,7 @@
 </file>
 
 <file path=ppt/slides/slide10.xml><?xml version="1.0" encoding="utf-8"?>
-<p:sld xmlns:a="http://schemas.openxmlformats.org/drawingml/2006/main" xmlns:r="http://schemas.openxmlformats.org/officeDocument/2006/relationships" xmlns:p="http://schemas.openxmlformats.org/presentationml/2006/main">
+<p:sld xmlns:a="http://schemas.openxmlformats.org/drawingml/2006/main" xmlns:r="http://schemas.openxmlformats.org/officeDocument/2006/relationships" xmlns:p="http://schemas.openxmlformats.org/presentationml/2006/main" show="0">
   <p:cSld>
     <p:spTree>
       <p:nvGrpSpPr>
@@ -7448,7 +8008,7 @@
 </file>
 
 <file path=ppt/slides/slide11.xml><?xml version="1.0" encoding="utf-8"?>
-<p:sld xmlns:a="http://schemas.openxmlformats.org/drawingml/2006/main" xmlns:r="http://schemas.openxmlformats.org/officeDocument/2006/relationships" xmlns:p="http://schemas.openxmlformats.org/presentationml/2006/main">
+<p:sld xmlns:a="http://schemas.openxmlformats.org/drawingml/2006/main" xmlns:r="http://schemas.openxmlformats.org/officeDocument/2006/relationships" xmlns:p="http://schemas.openxmlformats.org/presentationml/2006/main" show="0">
   <p:cSld>
     <p:spTree>
       <p:nvGrpSpPr>
@@ -8243,7 +8803,7 @@
 </file>
 
 <file path=ppt/slides/slide12.xml><?xml version="1.0" encoding="utf-8"?>
-<p:sld xmlns:a="http://schemas.openxmlformats.org/drawingml/2006/main" xmlns:r="http://schemas.openxmlformats.org/officeDocument/2006/relationships" xmlns:p="http://schemas.openxmlformats.org/presentationml/2006/main">
+<p:sld xmlns:a="http://schemas.openxmlformats.org/drawingml/2006/main" xmlns:r="http://schemas.openxmlformats.org/officeDocument/2006/relationships" xmlns:p="http://schemas.openxmlformats.org/presentationml/2006/main" show="0">
   <p:cSld>
     <p:spTree>
       <p:nvGrpSpPr>
@@ -8615,7 +9175,7 @@
         <p:cNvPr id="1" name="">
           <a:extLst>
             <a:ext uri="{FF2B5EF4-FFF2-40B4-BE49-F238E27FC236}">
-              <a16:creationId xmlns:a16="http://schemas.microsoft.com/office/drawing/2014/main" id="{0A05B25C-6734-6814-F440-5C606132714E}"/>
+              <a16:creationId xmlns:a16="http://schemas.microsoft.com/office/drawing/2014/main" id="{D9923978-7275-9B5B-6B68-BB9B16605D06}"/>
             </a:ext>
           </a:extLst>
         </p:cNvPr>
@@ -8635,7 +9195,7 @@
           <p:cNvPr id="2" name="Foliennummernplatzhalter 1">
             <a:extLst>
               <a:ext uri="{FF2B5EF4-FFF2-40B4-BE49-F238E27FC236}">
-                <a16:creationId xmlns:a16="http://schemas.microsoft.com/office/drawing/2014/main" id="{EA9B7B71-8A98-B384-C136-EDCEABBED219}"/>
+                <a16:creationId xmlns:a16="http://schemas.microsoft.com/office/drawing/2014/main" id="{3CECE7C5-C035-CA49-13C7-A3B64D244112}"/>
               </a:ext>
             </a:extLst>
           </p:cNvPr>
@@ -8667,10 +9227,229 @@
       </p:sp>
       <p:sp>
         <p:nvSpPr>
+          <p:cNvPr id="7" name="Textplatzhalter 6">
+            <a:extLst>
+              <a:ext uri="{FF2B5EF4-FFF2-40B4-BE49-F238E27FC236}">
+                <a16:creationId xmlns:a16="http://schemas.microsoft.com/office/drawing/2014/main" id="{D2D3E27E-3BDF-EAD1-D102-711BF74784C1}"/>
+              </a:ext>
+            </a:extLst>
+          </p:cNvPr>
+          <p:cNvSpPr>
+            <a:spLocks noGrp="1"/>
+          </p:cNvSpPr>
+          <p:nvPr>
+            <p:ph type="body" sz="quarter" idx="13"/>
+          </p:nvPr>
+        </p:nvSpPr>
+        <p:spPr/>
+        <p:txBody>
+          <a:bodyPr/>
+          <a:lstStyle/>
+          <a:p>
+            <a:r>
+              <a:rPr lang="en-GB" dirty="0" err="1"/>
+              <a:t>Methodik</a:t>
+            </a:r>
+            <a:r>
+              <a:rPr lang="en-GB" dirty="0"/>
+              <a:t> </a:t>
+            </a:r>
+            <a:r>
+              <a:rPr lang="en-GB" dirty="0" err="1"/>
+              <a:t>zu</a:t>
+            </a:r>
+            <a:r>
+              <a:rPr lang="en-GB" dirty="0"/>
+              <a:t> </a:t>
+            </a:r>
+            <a:r>
+              <a:rPr lang="en-GB" dirty="0" err="1"/>
+              <a:t>Forschungsfrage</a:t>
+            </a:r>
+            <a:r>
+              <a:rPr lang="en-GB" dirty="0"/>
+              <a:t> 2</a:t>
+            </a:r>
+            <a:endParaRPr lang="de-DE" dirty="0"/>
+          </a:p>
+        </p:txBody>
+      </p:sp>
+      <p:sp>
+        <p:nvSpPr>
+          <p:cNvPr id="8" name="Inhaltsplatzhalter 4">
+            <a:extLst>
+              <a:ext uri="{FF2B5EF4-FFF2-40B4-BE49-F238E27FC236}">
+                <a16:creationId xmlns:a16="http://schemas.microsoft.com/office/drawing/2014/main" id="{B00C6509-AD7A-2142-3A59-9569FAB79F7D}"/>
+              </a:ext>
+            </a:extLst>
+          </p:cNvPr>
+          <p:cNvSpPr>
+            <a:spLocks noGrp="1"/>
+          </p:cNvSpPr>
+          <p:nvPr>
+            <p:ph idx="1"/>
+          </p:nvPr>
+        </p:nvSpPr>
+        <p:spPr>
+          <a:xfrm>
+            <a:off x="0" y="2603672"/>
+            <a:ext cx="9144000" cy="1326883"/>
+          </a:xfrm>
+        </p:spPr>
+        <p:txBody>
+          <a:bodyPr/>
+          <a:lstStyle/>
+          <a:p>
+            <a:pPr algn="ctr"/>
+            <a:r>
+              <a:rPr lang="en-GB" sz="4000" dirty="0" err="1"/>
+              <a:t>Methodik</a:t>
+            </a:r>
+            <a:r>
+              <a:rPr lang="en-GB" sz="4000" dirty="0"/>
+              <a:t> </a:t>
+            </a:r>
+            <a:r>
+              <a:rPr lang="en-GB" sz="4000" dirty="0" err="1"/>
+              <a:t>zu</a:t>
+            </a:r>
+            <a:r>
+              <a:rPr lang="en-GB" sz="4000" dirty="0"/>
+              <a:t> </a:t>
+            </a:r>
+            <a:r>
+              <a:rPr lang="en-GB" sz="4000" dirty="0" err="1"/>
+              <a:t>Forschungsfrage</a:t>
+            </a:r>
+            <a:r>
+              <a:rPr lang="en-GB" sz="4000" dirty="0"/>
+              <a:t> 2 - </a:t>
+            </a:r>
+            <a:r>
+              <a:rPr lang="en-GB" sz="4000" dirty="0" err="1"/>
+              <a:t>Nachhaltigkeit</a:t>
+            </a:r>
+            <a:r>
+              <a:rPr lang="en-GB" sz="4000" dirty="0"/>
+              <a:t> der </a:t>
+            </a:r>
+            <a:r>
+              <a:rPr lang="en-GB" sz="4000" dirty="0" err="1"/>
+              <a:t>Lerneffekte</a:t>
+            </a:r>
+            <a:endParaRPr lang="de-DE" sz="4000" dirty="0"/>
+          </a:p>
+        </p:txBody>
+      </p:sp>
+      <p:sp>
+        <p:nvSpPr>
+          <p:cNvPr id="9" name="Datumsplatzhalter 3">
+            <a:extLst>
+              <a:ext uri="{FF2B5EF4-FFF2-40B4-BE49-F238E27FC236}">
+                <a16:creationId xmlns:a16="http://schemas.microsoft.com/office/drawing/2014/main" id="{66513486-D7DC-D303-D3F0-AC96C9E4F4EA}"/>
+              </a:ext>
+            </a:extLst>
+          </p:cNvPr>
+          <p:cNvSpPr>
+            <a:spLocks noGrp="1"/>
+          </p:cNvSpPr>
+          <p:nvPr>
+            <p:ph type="dt" sz="half" idx="12"/>
+          </p:nvPr>
+        </p:nvSpPr>
+        <p:spPr>
+          <a:xfrm>
+            <a:off x="543379" y="6575265"/>
+            <a:ext cx="1524000" cy="283234"/>
+          </a:xfrm>
+        </p:spPr>
+        <p:txBody>
+          <a:bodyPr/>
+          <a:lstStyle/>
+          <a:p>
+            <a:pPr>
+              <a:defRPr/>
+            </a:pPr>
+            <a:fld id="{9338910D-6BF9-4DAD-BD39-5E8F1176E68E}" type="datetime1">
+              <a:rPr lang="de-DE" smtClean="0"/>
+              <a:t>12.01.2026</a:t>
+            </a:fld>
+            <a:endParaRPr lang="de-DE" dirty="0"/>
+          </a:p>
+        </p:txBody>
+      </p:sp>
+      <p:sp>
+        <p:nvSpPr>
+          <p:cNvPr id="10" name="Ellipse 9">
+            <a:extLst>
+              <a:ext uri="{FF2B5EF4-FFF2-40B4-BE49-F238E27FC236}">
+                <a16:creationId xmlns:a16="http://schemas.microsoft.com/office/drawing/2014/main" id="{2A1276EB-A381-ACE0-680C-3F41AE2CD7AA}"/>
+              </a:ext>
+            </a:extLst>
+          </p:cNvPr>
+          <p:cNvSpPr/>
+          <p:nvPr/>
+        </p:nvSpPr>
+        <p:spPr>
+          <a:xfrm>
+            <a:off x="6854181" y="4442346"/>
+            <a:ext cx="2023468" cy="2023468"/>
+          </a:xfrm>
+          <a:prstGeom prst="ellipse">
+            <a:avLst/>
+          </a:prstGeom>
+          <a:solidFill>
+            <a:schemeClr val="accent2"/>
+          </a:solidFill>
+          <a:ln w="19050">
+            <a:solidFill>
+              <a:schemeClr val="accent1">
+                <a:lumMod val="75000"/>
+              </a:schemeClr>
+            </a:solidFill>
+          </a:ln>
+          <a:effectLst/>
+        </p:spPr>
+        <p:style>
+          <a:lnRef idx="2">
+            <a:schemeClr val="accent1">
+              <a:shade val="50000"/>
+            </a:schemeClr>
+          </a:lnRef>
+          <a:fillRef idx="1">
+            <a:schemeClr val="accent1"/>
+          </a:fillRef>
+          <a:effectRef idx="0">
+            <a:schemeClr val="accent1"/>
+          </a:effectRef>
+          <a:fontRef idx="minor">
+            <a:schemeClr val="lt1"/>
+          </a:fontRef>
+        </p:style>
+        <p:txBody>
+          <a:bodyPr rot="0" spcFirstLastPara="0" vertOverflow="overflow" horzOverflow="overflow" vert="horz" wrap="square" lIns="36000" tIns="36000" rIns="36000" bIns="36000" numCol="1" spcCol="0" rtlCol="0" fromWordArt="0" anchor="t" anchorCtr="0" forceAA="0" compatLnSpc="1">
+            <a:prstTxWarp prst="textNoShape">
+              <a:avLst/>
+            </a:prstTxWarp>
+            <a:noAutofit/>
+          </a:bodyPr>
+          <a:lstStyle/>
+          <a:p>
+            <a:pPr algn="ctr"/>
+            <a:endParaRPr lang="de-DE" sz="1800" err="1">
+              <a:solidFill>
+                <a:schemeClr val="tx1"/>
+              </a:solidFill>
+            </a:endParaRPr>
+          </a:p>
+        </p:txBody>
+      </p:sp>
+      <p:sp>
+        <p:nvSpPr>
           <p:cNvPr id="3" name="Fußzeilenplatzhalter 2">
             <a:extLst>
               <a:ext uri="{FF2B5EF4-FFF2-40B4-BE49-F238E27FC236}">
-                <a16:creationId xmlns:a16="http://schemas.microsoft.com/office/drawing/2014/main" id="{2D578570-FAE4-3D3E-793C-2542A6C8BC5F}"/>
+                <a16:creationId xmlns:a16="http://schemas.microsoft.com/office/drawing/2014/main" id="{0C2615AE-357F-4F9F-ACA8-41AE9DAAC0C3}"/>
               </a:ext>
             </a:extLst>
           </p:cNvPr>
@@ -8681,230 +9460,32 @@
             <p:ph type="ftr" sz="quarter" idx="11"/>
           </p:nvPr>
         </p:nvSpPr>
-        <p:spPr/>
+        <p:spPr>
+          <a:xfrm>
+            <a:off x="1790700" y="6571896"/>
+            <a:ext cx="5562600" cy="283234"/>
+          </a:xfrm>
+        </p:spPr>
         <p:txBody>
           <a:bodyPr/>
           <a:lstStyle/>
           <a:p>
-            <a:pPr>
-              <a:defRPr/>
-            </a:pPr>
-            <a:r>
-              <a:rPr lang="de-DE" dirty="0"/>
-              <a:t>Quellenangaben</a:t>
-            </a:r>
-          </a:p>
-        </p:txBody>
-      </p:sp>
-      <p:sp>
-        <p:nvSpPr>
-          <p:cNvPr id="7" name="Textplatzhalter 6">
-            <a:extLst>
-              <a:ext uri="{FF2B5EF4-FFF2-40B4-BE49-F238E27FC236}">
-                <a16:creationId xmlns:a16="http://schemas.microsoft.com/office/drawing/2014/main" id="{5F848428-EF5B-40E9-3E3C-C407247FB086}"/>
-              </a:ext>
-            </a:extLst>
-          </p:cNvPr>
-          <p:cNvSpPr>
-            <a:spLocks noGrp="1"/>
-          </p:cNvSpPr>
-          <p:nvPr>
-            <p:ph type="body" sz="quarter" idx="13"/>
-          </p:nvPr>
-        </p:nvSpPr>
-        <p:spPr/>
-        <p:txBody>
-          <a:bodyPr/>
-          <a:lstStyle/>
-          <a:p>
-            <a:r>
-              <a:rPr lang="de-DE" dirty="0">
-                <a:cs typeface="Arial"/>
-              </a:rPr>
-              <a:t>Quellenangaben</a:t>
-            </a:r>
-          </a:p>
-        </p:txBody>
-      </p:sp>
-      <p:sp>
-        <p:nvSpPr>
-          <p:cNvPr id="9" name="Textfeld 8">
-            <a:extLst>
-              <a:ext uri="{FF2B5EF4-FFF2-40B4-BE49-F238E27FC236}">
-                <a16:creationId xmlns:a16="http://schemas.microsoft.com/office/drawing/2014/main" id="{ACFF11EE-AD89-EE46-B196-56E9F4AB06FA}"/>
-              </a:ext>
-            </a:extLst>
-          </p:cNvPr>
-          <p:cNvSpPr txBox="1"/>
-          <p:nvPr/>
-        </p:nvSpPr>
-        <p:spPr bwMode="auto">
-          <a:xfrm>
-            <a:off x="95534" y="858883"/>
-            <a:ext cx="8932460" cy="3539430"/>
-          </a:xfrm>
-          <a:prstGeom prst="rect">
-            <a:avLst/>
-          </a:prstGeom>
-          <a:noFill/>
-          <a:ln w="12700">
-            <a:noFill/>
-          </a:ln>
-          <a:effectLst/>
-        </p:spPr>
-        <p:txBody>
-          <a:bodyPr wrap="square">
-            <a:spAutoFit/>
-          </a:bodyPr>
-          <a:lstStyle/>
-          <a:p>
-            <a:r>
-              <a:rPr lang="en-US" sz="1600" b="0" i="1" dirty="0">
-                <a:effectLst/>
-                <a:latin typeface="+mj-lt"/>
-              </a:rPr>
-              <a:t>Gilliland, S. W. (1993). </a:t>
-            </a:r>
-            <a:r>
-              <a:rPr lang="en-US" sz="1600" b="0" dirty="0">
-                <a:effectLst/>
-                <a:latin typeface="+mj-lt"/>
-              </a:rPr>
-              <a:t>The perceived fairness of selection systems: An organizational justice perspective. Academy of Management Review, 18(4), 694–734.</a:t>
-            </a:r>
-          </a:p>
-          <a:p>
-            <a:endParaRPr lang="en-US" sz="1600" i="1" dirty="0">
-              <a:latin typeface="+mj-lt"/>
-            </a:endParaRPr>
-          </a:p>
-          <a:p>
-            <a:r>
-              <a:rPr lang="en-US" sz="1600" i="1" dirty="0">
-                <a:latin typeface="+mj-lt"/>
-              </a:rPr>
-              <a:t>Bauer, T. N., Truxillo, D. M., Tucker, J. S., Weathers, V., Bertolino, M., Erdogan, B., &amp; Campion</a:t>
-            </a:r>
-            <a:r>
-              <a:rPr lang="en-US" sz="1600" dirty="0">
-                <a:latin typeface="+mj-lt"/>
-              </a:rPr>
-              <a:t>, M. A. (2006). Selection in the information age: The impact of privacy concerns and computer experience on applicant reactions. Journal of Management, 32(5), 601–621</a:t>
-            </a:r>
-          </a:p>
-          <a:p>
-            <a:endParaRPr lang="en-US" sz="1600" dirty="0">
-              <a:latin typeface="+mj-lt"/>
-            </a:endParaRPr>
-          </a:p>
-          <a:p>
-            <a:r>
-              <a:rPr lang="en-US" sz="1600" i="1" dirty="0">
-                <a:latin typeface="+mj-lt"/>
-              </a:rPr>
-              <a:t>Mirowska, A. &amp; </a:t>
-            </a:r>
-            <a:r>
-              <a:rPr lang="en-US" sz="1600" i="1" dirty="0" err="1">
-                <a:latin typeface="+mj-lt"/>
-              </a:rPr>
-              <a:t>Mesnet</a:t>
-            </a:r>
-            <a:r>
-              <a:rPr lang="en-US" sz="1600" i="1" dirty="0">
-                <a:latin typeface="+mj-lt"/>
-              </a:rPr>
-              <a:t>, L. (2022).</a:t>
-            </a:r>
-            <a:r>
-              <a:rPr lang="en-US" sz="1600" dirty="0">
-                <a:latin typeface="+mj-lt"/>
-              </a:rPr>
-              <a:t> Preferring the devil I know: Potential applicant reactions to artificial intelligence evaluation of interviews. Human Resource Management Journal, 32(4), 864–883.</a:t>
-            </a:r>
-          </a:p>
-          <a:p>
-            <a:endParaRPr lang="en-US" sz="1600" dirty="0">
-              <a:latin typeface="+mj-lt"/>
-            </a:endParaRPr>
-          </a:p>
-          <a:p>
-            <a:r>
-              <a:rPr lang="en-US" sz="1600" i="1" dirty="0" err="1">
-                <a:latin typeface="+mj-lt"/>
-              </a:rPr>
-              <a:t>Köchling</a:t>
-            </a:r>
-            <a:r>
-              <a:rPr lang="en-US" sz="1600" i="1" dirty="0">
-                <a:latin typeface="+mj-lt"/>
-              </a:rPr>
-              <a:t>, A., Wehner, M. C., &amp; </a:t>
-            </a:r>
-            <a:r>
-              <a:rPr lang="en-US" sz="1600" i="1" dirty="0" err="1">
-                <a:latin typeface="+mj-lt"/>
-              </a:rPr>
-              <a:t>Warkocz</a:t>
-            </a:r>
-            <a:r>
-              <a:rPr lang="en-US" sz="1600" i="1" dirty="0">
-                <a:latin typeface="+mj-lt"/>
-              </a:rPr>
-              <a:t>, J. (2023). </a:t>
-            </a:r>
-            <a:r>
-              <a:rPr lang="en-US" sz="1600" dirty="0">
-                <a:latin typeface="+mj-lt"/>
-              </a:rPr>
-              <a:t>Can I show my skills? Affective responses to artificial intelligence in the recruitment process. Review of Managerial Science, 17, 2109–2138. (Das </a:t>
-            </a:r>
-            <a:r>
-              <a:rPr lang="en-US" sz="1600" dirty="0" err="1">
-                <a:latin typeface="+mj-lt"/>
-              </a:rPr>
-              <a:t>ist</a:t>
-            </a:r>
-            <a:r>
-              <a:rPr lang="en-US" sz="1600" dirty="0">
-                <a:latin typeface="+mj-lt"/>
-              </a:rPr>
-              <a:t> die Studie </a:t>
-            </a:r>
-            <a:r>
-              <a:rPr lang="en-US" sz="1600" dirty="0" err="1">
-                <a:latin typeface="+mj-lt"/>
-              </a:rPr>
-              <a:t>aus</a:t>
-            </a:r>
-            <a:r>
-              <a:rPr lang="en-US" sz="1600" dirty="0">
-                <a:latin typeface="+mj-lt"/>
-              </a:rPr>
-              <a:t> </a:t>
-            </a:r>
-            <a:r>
-              <a:rPr lang="en-US" sz="1600" dirty="0" err="1">
-                <a:latin typeface="+mj-lt"/>
-              </a:rPr>
-              <a:t>Ihrer</a:t>
-            </a:r>
-            <a:r>
-              <a:rPr lang="en-US" sz="1600" dirty="0">
-                <a:latin typeface="+mj-lt"/>
-              </a:rPr>
-              <a:t> Date</a:t>
-            </a:r>
-            <a:endParaRPr lang="de-DE" sz="1600" dirty="0">
-              <a:latin typeface="+mj-lt"/>
-            </a:endParaRPr>
+            <a:r>
+              <a:rPr lang="en-GB" dirty="0" err="1"/>
+              <a:t>Forschungsfrage</a:t>
+            </a:r>
+            <a:r>
+              <a:rPr lang="en-GB" dirty="0"/>
+              <a:t> 2</a:t>
+            </a:r>
+            <a:endParaRPr lang="de-DE" dirty="0"/>
           </a:p>
         </p:txBody>
       </p:sp>
     </p:spTree>
     <p:extLst>
       <p:ext uri="{BB962C8B-B14F-4D97-AF65-F5344CB8AC3E}">
-        <p14:creationId xmlns:p14="http://schemas.microsoft.com/office/powerpoint/2010/main" val="1095175797"/>
+        <p14:creationId xmlns:p14="http://schemas.microsoft.com/office/powerpoint/2010/main" val="4257977390"/>
       </p:ext>
     </p:extLst>
   </p:cSld>
@@ -8922,7 +9503,7 @@
         <p:cNvPr id="1" name="">
           <a:extLst>
             <a:ext uri="{FF2B5EF4-FFF2-40B4-BE49-F238E27FC236}">
-              <a16:creationId xmlns:a16="http://schemas.microsoft.com/office/drawing/2014/main" id="{D9923978-7275-9B5B-6B68-BB9B16605D06}"/>
+              <a16:creationId xmlns:a16="http://schemas.microsoft.com/office/drawing/2014/main" id="{DD0A956A-470B-3D6E-0608-759D161FA1FA}"/>
             </a:ext>
           </a:extLst>
         </p:cNvPr>
@@ -8942,7 +9523,7 @@
           <p:cNvPr id="2" name="Foliennummernplatzhalter 1">
             <a:extLst>
               <a:ext uri="{FF2B5EF4-FFF2-40B4-BE49-F238E27FC236}">
-                <a16:creationId xmlns:a16="http://schemas.microsoft.com/office/drawing/2014/main" id="{3CECE7C5-C035-CA49-13C7-A3B64D244112}"/>
+                <a16:creationId xmlns:a16="http://schemas.microsoft.com/office/drawing/2014/main" id="{5CEDDA84-5FC0-D067-6AF9-4F965A637EB2}"/>
               </a:ext>
             </a:extLst>
           </p:cNvPr>
@@ -8974,10 +9555,10 @@
       </p:sp>
       <p:sp>
         <p:nvSpPr>
-          <p:cNvPr id="7" name="Textplatzhalter 6">
+          <p:cNvPr id="6" name="Textplatzhalter 5">
             <a:extLst>
               <a:ext uri="{FF2B5EF4-FFF2-40B4-BE49-F238E27FC236}">
-                <a16:creationId xmlns:a16="http://schemas.microsoft.com/office/drawing/2014/main" id="{D2D3E27E-3BDF-EAD1-D102-711BF74784C1}"/>
+                <a16:creationId xmlns:a16="http://schemas.microsoft.com/office/drawing/2014/main" id="{2EEC7F02-11F6-9AF2-020C-9ACA10213759}"/>
               </a:ext>
             </a:extLst>
           </p:cNvPr>
@@ -8995,891 +9576,30 @@
           <a:p>
             <a:r>
               <a:rPr lang="de-DE" dirty="0"/>
-              <a:t>2. Stand der Forschung &amp; Forschungslücke</a:t>
-            </a:r>
-          </a:p>
-        </p:txBody>
-      </p:sp>
-      <p:sp>
-        <p:nvSpPr>
-          <p:cNvPr id="8" name="Inhaltsplatzhalter 4">
+              <a:t>Methodik zu Forschungsfrage 2 - </a:t>
+            </a:r>
+            <a:r>
+              <a:rPr lang="en-GB" dirty="0" err="1"/>
+              <a:t>Nachhaltigkeit</a:t>
+            </a:r>
+            <a:r>
+              <a:rPr lang="en-GB" dirty="0"/>
+              <a:t> der </a:t>
+            </a:r>
+            <a:r>
+              <a:rPr lang="en-GB" dirty="0" err="1"/>
+              <a:t>Lerneffekte</a:t>
+            </a:r>
+            <a:endParaRPr lang="de-DE" dirty="0"/>
+          </a:p>
+        </p:txBody>
+      </p:sp>
+      <p:sp>
+        <p:nvSpPr>
+          <p:cNvPr id="9" name="Textfeld 8">
             <a:extLst>
               <a:ext uri="{FF2B5EF4-FFF2-40B4-BE49-F238E27FC236}">
-                <a16:creationId xmlns:a16="http://schemas.microsoft.com/office/drawing/2014/main" id="{B00C6509-AD7A-2142-3A59-9569FAB79F7D}"/>
-              </a:ext>
-            </a:extLst>
-          </p:cNvPr>
-          <p:cNvSpPr>
-            <a:spLocks noGrp="1"/>
-          </p:cNvSpPr>
-          <p:nvPr>
-            <p:ph idx="1"/>
-          </p:nvPr>
-        </p:nvSpPr>
-        <p:spPr>
-          <a:xfrm>
-            <a:off x="0" y="2603672"/>
-            <a:ext cx="9144000" cy="1326883"/>
-          </a:xfrm>
-        </p:spPr>
-        <p:txBody>
-          <a:bodyPr/>
-          <a:lstStyle/>
-          <a:p>
-            <a:pPr algn="ctr"/>
-            <a:r>
-              <a:rPr lang="de-DE" sz="4000" dirty="0"/>
-              <a:t>2. Stand der Forschung &amp; Forschungslücke</a:t>
-            </a:r>
-          </a:p>
-        </p:txBody>
-      </p:sp>
-      <p:sp>
-        <p:nvSpPr>
-          <p:cNvPr id="9" name="Datumsplatzhalter 3">
-            <a:extLst>
-              <a:ext uri="{FF2B5EF4-FFF2-40B4-BE49-F238E27FC236}">
-                <a16:creationId xmlns:a16="http://schemas.microsoft.com/office/drawing/2014/main" id="{66513486-D7DC-D303-D3F0-AC96C9E4F4EA}"/>
-              </a:ext>
-            </a:extLst>
-          </p:cNvPr>
-          <p:cNvSpPr>
-            <a:spLocks noGrp="1"/>
-          </p:cNvSpPr>
-          <p:nvPr>
-            <p:ph type="dt" sz="half" idx="12"/>
-          </p:nvPr>
-        </p:nvSpPr>
-        <p:spPr>
-          <a:xfrm>
-            <a:off x="543379" y="6575265"/>
-            <a:ext cx="1524000" cy="283234"/>
-          </a:xfrm>
-        </p:spPr>
-        <p:txBody>
-          <a:bodyPr/>
-          <a:lstStyle/>
-          <a:p>
-            <a:pPr>
-              <a:defRPr/>
-            </a:pPr>
-            <a:fld id="{9338910D-6BF9-4DAD-BD39-5E8F1176E68E}" type="datetime1">
-              <a:rPr lang="de-DE" smtClean="0"/>
-              <a:t>12.01.2026</a:t>
-            </a:fld>
-            <a:endParaRPr lang="de-DE" dirty="0"/>
-          </a:p>
-        </p:txBody>
-      </p:sp>
-      <p:sp>
-        <p:nvSpPr>
-          <p:cNvPr id="10" name="Ellipse 9">
-            <a:extLst>
-              <a:ext uri="{FF2B5EF4-FFF2-40B4-BE49-F238E27FC236}">
-                <a16:creationId xmlns:a16="http://schemas.microsoft.com/office/drawing/2014/main" id="{2A1276EB-A381-ACE0-680C-3F41AE2CD7AA}"/>
-              </a:ext>
-            </a:extLst>
-          </p:cNvPr>
-          <p:cNvSpPr/>
-          <p:nvPr/>
-        </p:nvSpPr>
-        <p:spPr>
-          <a:xfrm>
-            <a:off x="6854181" y="4442346"/>
-            <a:ext cx="2023468" cy="2023468"/>
-          </a:xfrm>
-          <a:prstGeom prst="ellipse">
-            <a:avLst/>
-          </a:prstGeom>
-          <a:solidFill>
-            <a:schemeClr val="accent2"/>
-          </a:solidFill>
-          <a:ln w="19050">
-            <a:solidFill>
-              <a:schemeClr val="accent1">
-                <a:lumMod val="75000"/>
-              </a:schemeClr>
-            </a:solidFill>
-          </a:ln>
-          <a:effectLst/>
-        </p:spPr>
-        <p:style>
-          <a:lnRef idx="2">
-            <a:schemeClr val="accent1">
-              <a:shade val="50000"/>
-            </a:schemeClr>
-          </a:lnRef>
-          <a:fillRef idx="1">
-            <a:schemeClr val="accent1"/>
-          </a:fillRef>
-          <a:effectRef idx="0">
-            <a:schemeClr val="accent1"/>
-          </a:effectRef>
-          <a:fontRef idx="minor">
-            <a:schemeClr val="lt1"/>
-          </a:fontRef>
-        </p:style>
-        <p:txBody>
-          <a:bodyPr rot="0" spcFirstLastPara="0" vertOverflow="overflow" horzOverflow="overflow" vert="horz" wrap="square" lIns="36000" tIns="36000" rIns="36000" bIns="36000" numCol="1" spcCol="0" rtlCol="0" fromWordArt="0" anchor="t" anchorCtr="0" forceAA="0" compatLnSpc="1">
-            <a:prstTxWarp prst="textNoShape">
-              <a:avLst/>
-            </a:prstTxWarp>
-            <a:noAutofit/>
-          </a:bodyPr>
-          <a:lstStyle/>
-          <a:p>
-            <a:pPr algn="ctr"/>
-            <a:endParaRPr lang="de-DE" sz="1800" err="1">
-              <a:solidFill>
-                <a:schemeClr val="tx1"/>
-              </a:solidFill>
-            </a:endParaRPr>
-          </a:p>
-        </p:txBody>
-      </p:sp>
-      <p:sp>
-        <p:nvSpPr>
-          <p:cNvPr id="3" name="Fußzeilenplatzhalter 2">
-            <a:extLst>
-              <a:ext uri="{FF2B5EF4-FFF2-40B4-BE49-F238E27FC236}">
-                <a16:creationId xmlns:a16="http://schemas.microsoft.com/office/drawing/2014/main" id="{0C2615AE-357F-4F9F-ACA8-41AE9DAAC0C3}"/>
-              </a:ext>
-            </a:extLst>
-          </p:cNvPr>
-          <p:cNvSpPr>
-            <a:spLocks noGrp="1"/>
-          </p:cNvSpPr>
-          <p:nvPr>
-            <p:ph type="ftr" sz="quarter" idx="11"/>
-          </p:nvPr>
-        </p:nvSpPr>
-        <p:spPr>
-          <a:xfrm>
-            <a:off x="1790700" y="6571896"/>
-            <a:ext cx="5562600" cy="283234"/>
-          </a:xfrm>
-        </p:spPr>
-        <p:txBody>
-          <a:bodyPr/>
-          <a:lstStyle/>
-          <a:p>
-            <a:r>
-              <a:rPr lang="de-DE" dirty="0"/>
-              <a:t>2. Stand der Forschung &amp; Forschungslücke</a:t>
-            </a:r>
-          </a:p>
-        </p:txBody>
-      </p:sp>
-    </p:spTree>
-    <p:extLst>
-      <p:ext uri="{BB962C8B-B14F-4D97-AF65-F5344CB8AC3E}">
-        <p14:creationId xmlns:p14="http://schemas.microsoft.com/office/powerpoint/2010/main" val="4257977390"/>
-      </p:ext>
-    </p:extLst>
-  </p:cSld>
-  <p:clrMapOvr>
-    <a:masterClrMapping/>
-  </p:clrMapOvr>
-</p:sld>
-</file>
-
-<file path=ppt/slides/slide2.xml><?xml version="1.0" encoding="utf-8"?>
-<p:sld xmlns:a="http://schemas.openxmlformats.org/drawingml/2006/main" xmlns:r="http://schemas.openxmlformats.org/officeDocument/2006/relationships" xmlns:p="http://schemas.openxmlformats.org/presentationml/2006/main">
-  <p:cSld>
-    <p:spTree>
-      <p:nvGrpSpPr>
-        <p:cNvPr id="1" name=""/>
-        <p:cNvGrpSpPr/>
-        <p:nvPr/>
-      </p:nvGrpSpPr>
-      <p:grpSpPr>
-        <a:xfrm>
-          <a:off x="0" y="0"/>
-          <a:ext cx="0" cy="0"/>
-          <a:chOff x="0" y="0"/>
-          <a:chExt cx="0" cy="0"/>
-        </a:xfrm>
-      </p:grpSpPr>
-      <p:sp>
-        <p:nvSpPr>
-          <p:cNvPr id="2" name="Foliennummernplatzhalter 1">
-            <a:extLst>
-              <a:ext uri="{FF2B5EF4-FFF2-40B4-BE49-F238E27FC236}">
-                <a16:creationId xmlns:a16="http://schemas.microsoft.com/office/drawing/2014/main" id="{DB701A09-45CE-42A0-A81D-5DC919EB421F}"/>
-              </a:ext>
-            </a:extLst>
-          </p:cNvPr>
-          <p:cNvSpPr>
-            <a:spLocks noGrp="1"/>
-          </p:cNvSpPr>
-          <p:nvPr>
-            <p:ph type="sldNum" sz="quarter" idx="10"/>
-          </p:nvPr>
-        </p:nvSpPr>
-        <p:spPr/>
-        <p:txBody>
-          <a:bodyPr/>
-          <a:lstStyle/>
-          <a:p>
-            <a:pPr>
-              <a:defRPr/>
-            </a:pPr>
-            <a:fld id="{2A3A57D9-08E7-4A35-820C-6C5F68307974}" type="slidenum">
-              <a:rPr lang="de-DE" smtClean="0"/>
-              <a:pPr>
-                <a:defRPr/>
-              </a:pPr>
-              <a:t>2</a:t>
-            </a:fld>
-            <a:endParaRPr lang="de-DE"/>
-          </a:p>
-        </p:txBody>
-      </p:sp>
-      <p:sp>
-        <p:nvSpPr>
-          <p:cNvPr id="4" name="Datumsplatzhalter 3">
-            <a:extLst>
-              <a:ext uri="{FF2B5EF4-FFF2-40B4-BE49-F238E27FC236}">
-                <a16:creationId xmlns:a16="http://schemas.microsoft.com/office/drawing/2014/main" id="{A236E11E-05F3-4C87-AF1F-CBCB35A3A50D}"/>
-              </a:ext>
-            </a:extLst>
-          </p:cNvPr>
-          <p:cNvSpPr>
-            <a:spLocks noGrp="1"/>
-          </p:cNvSpPr>
-          <p:nvPr>
-            <p:ph type="dt" sz="half" idx="12"/>
-          </p:nvPr>
-        </p:nvSpPr>
-        <p:spPr>
-          <a:xfrm>
-            <a:off x="543379" y="6575265"/>
-            <a:ext cx="1524000" cy="283234"/>
-          </a:xfrm>
-        </p:spPr>
-        <p:txBody>
-          <a:bodyPr/>
-          <a:lstStyle/>
-          <a:p>
-            <a:pPr>
-              <a:defRPr/>
-            </a:pPr>
-            <a:fld id="{9338910D-6BF9-4DAD-BD39-5E8F1176E68E}" type="datetime1">
-              <a:rPr lang="de-DE" smtClean="0"/>
-              <a:t>12.01.2026</a:t>
-            </a:fld>
-            <a:endParaRPr lang="de-DE" dirty="0"/>
-          </a:p>
-        </p:txBody>
-      </p:sp>
-      <p:sp>
-        <p:nvSpPr>
-          <p:cNvPr id="7" name="Textplatzhalter 6">
-            <a:extLst>
-              <a:ext uri="{FF2B5EF4-FFF2-40B4-BE49-F238E27FC236}">
-                <a16:creationId xmlns:a16="http://schemas.microsoft.com/office/drawing/2014/main" id="{5A5CFB5A-0C23-4EC1-8D94-5428FCAABBE0}"/>
-              </a:ext>
-            </a:extLst>
-          </p:cNvPr>
-          <p:cNvSpPr>
-            <a:spLocks noGrp="1"/>
-          </p:cNvSpPr>
-          <p:nvPr>
-            <p:ph type="body" sz="quarter" idx="13"/>
-          </p:nvPr>
-        </p:nvSpPr>
-        <p:spPr/>
-        <p:txBody>
-          <a:bodyPr/>
-          <a:lstStyle/>
-          <a:p>
-            <a:r>
-              <a:rPr lang="de-DE" dirty="0"/>
-              <a:t>Inhaltsverzeichnis</a:t>
-            </a:r>
-          </a:p>
-        </p:txBody>
-      </p:sp>
-      <p:sp>
-        <p:nvSpPr>
-          <p:cNvPr id="8" name="Inhaltsplatzhalter 4">
-            <a:extLst>
-              <a:ext uri="{FF2B5EF4-FFF2-40B4-BE49-F238E27FC236}">
-                <a16:creationId xmlns:a16="http://schemas.microsoft.com/office/drawing/2014/main" id="{F95CDB48-454B-5263-627C-A01B0398627D}"/>
-              </a:ext>
-            </a:extLst>
-          </p:cNvPr>
-          <p:cNvSpPr>
-            <a:spLocks noGrp="1"/>
-          </p:cNvSpPr>
-          <p:nvPr>
-            <p:ph idx="1"/>
-          </p:nvPr>
-        </p:nvSpPr>
-        <p:spPr>
-          <a:xfrm>
-            <a:off x="671045" y="1106588"/>
-            <a:ext cx="6893799" cy="5164558"/>
-          </a:xfrm>
-        </p:spPr>
-        <p:txBody>
-          <a:bodyPr/>
-          <a:lstStyle/>
-          <a:p>
-            <a:pPr marL="457200" indent="-457200">
-              <a:lnSpc>
-                <a:spcPct val="200000"/>
-              </a:lnSpc>
-              <a:buAutoNum type="arabicPeriod"/>
-            </a:pPr>
-            <a:r>
-              <a:rPr lang="de-DE" sz="2400" dirty="0">
-                <a:ea typeface="+mn-lt"/>
-                <a:cs typeface="+mn-lt"/>
-              </a:rPr>
-              <a:t>Kontext</a:t>
-            </a:r>
-            <a:r>
-              <a:rPr lang="de-DE" sz="2400" dirty="0">
-                <a:solidFill>
-                  <a:srgbClr val="00998A"/>
-                </a:solidFill>
-              </a:rPr>
-              <a:t> &amp; Praxisproblem</a:t>
-            </a:r>
-            <a:endParaRPr lang="de-DE" sz="2400" dirty="0"/>
-          </a:p>
-          <a:p>
-            <a:pPr marL="457200" indent="-457200">
-              <a:lnSpc>
-                <a:spcPct val="200000"/>
-              </a:lnSpc>
-              <a:buAutoNum type="arabicPeriod"/>
-            </a:pPr>
-            <a:r>
-              <a:rPr lang="de-DE" sz="2400" dirty="0">
-                <a:ea typeface="+mn-lt"/>
-                <a:cs typeface="+mn-lt"/>
-              </a:rPr>
-              <a:t>Stand</a:t>
-            </a:r>
-            <a:r>
-              <a:rPr lang="de-DE" sz="2400" dirty="0">
-                <a:solidFill>
-                  <a:srgbClr val="00998A"/>
-                </a:solidFill>
-                <a:cs typeface="Arial"/>
-              </a:rPr>
-              <a:t> der Forschung &amp; Forschungslücke</a:t>
-            </a:r>
-            <a:endParaRPr lang="de-DE" sz="2400" dirty="0"/>
-          </a:p>
-          <a:p>
-            <a:pPr marL="457200" indent="-457200">
-              <a:lnSpc>
-                <a:spcPct val="200000"/>
-              </a:lnSpc>
-              <a:buAutoNum type="arabicPeriod"/>
-            </a:pPr>
-            <a:r>
-              <a:rPr lang="de-DE" sz="2400" dirty="0">
-                <a:ea typeface="+mn-lt"/>
-                <a:cs typeface="+mn-lt"/>
-              </a:rPr>
-              <a:t>Zielsetzung</a:t>
-            </a:r>
-            <a:r>
-              <a:rPr lang="de-DE" sz="2400" dirty="0">
-                <a:solidFill>
-                  <a:srgbClr val="00998A"/>
-                </a:solidFill>
-                <a:cs typeface="Arial"/>
-              </a:rPr>
-              <a:t> &amp; Forschungsfragen</a:t>
-            </a:r>
-            <a:endParaRPr lang="de-DE" sz="2400" dirty="0"/>
-          </a:p>
-          <a:p>
-            <a:pPr marL="457200" indent="-457200">
-              <a:lnSpc>
-                <a:spcPct val="200000"/>
-              </a:lnSpc>
-              <a:buAutoNum type="arabicPeriod"/>
-            </a:pPr>
-            <a:r>
-              <a:rPr lang="de-DE" sz="2400" dirty="0">
-                <a:solidFill>
-                  <a:srgbClr val="00998A"/>
-                </a:solidFill>
-                <a:cs typeface="Arial" panose="020B0604020202020204"/>
-              </a:rPr>
-              <a:t>Forschungsdesign &amp; Methodik</a:t>
-            </a:r>
-          </a:p>
-          <a:p>
-            <a:pPr marL="457200" indent="-457200">
-              <a:lnSpc>
-                <a:spcPct val="200000"/>
-              </a:lnSpc>
-              <a:buAutoNum type="arabicPeriod"/>
-            </a:pPr>
-            <a:r>
-              <a:rPr lang="de-DE" sz="2400" dirty="0">
-                <a:solidFill>
-                  <a:srgbClr val="00998A"/>
-                </a:solidFill>
-                <a:cs typeface="Arial" panose="020B0604020202020204"/>
-              </a:rPr>
-              <a:t>Theorie-Praxis-Transfer</a:t>
-            </a:r>
-            <a:endParaRPr lang="de-DE" sz="2400" dirty="0">
-              <a:cs typeface="Arial" panose="020B0604020202020204"/>
-            </a:endParaRPr>
-          </a:p>
-          <a:p>
-            <a:pPr marL="457200" indent="-457200">
-              <a:lnSpc>
-                <a:spcPct val="200000"/>
-              </a:lnSpc>
-              <a:buAutoNum type="arabicPeriod"/>
-            </a:pPr>
-            <a:endParaRPr lang="de-DE" dirty="0">
-              <a:cs typeface="Arial" panose="020B0604020202020204"/>
-            </a:endParaRPr>
-          </a:p>
-        </p:txBody>
-      </p:sp>
-      <p:sp>
-        <p:nvSpPr>
-          <p:cNvPr id="11" name="Ellipse 10">
-            <a:extLst>
-              <a:ext uri="{FF2B5EF4-FFF2-40B4-BE49-F238E27FC236}">
-                <a16:creationId xmlns:a16="http://schemas.microsoft.com/office/drawing/2014/main" id="{394910CD-B1F6-554F-02B9-17ACE133B9B1}"/>
-              </a:ext>
-            </a:extLst>
-          </p:cNvPr>
-          <p:cNvSpPr/>
-          <p:nvPr/>
-        </p:nvSpPr>
-        <p:spPr>
-          <a:xfrm>
-            <a:off x="6854181" y="4442346"/>
-            <a:ext cx="2023468" cy="2023468"/>
-          </a:xfrm>
-          <a:prstGeom prst="ellipse">
-            <a:avLst/>
-          </a:prstGeom>
-          <a:solidFill>
-            <a:schemeClr val="accent2"/>
-          </a:solidFill>
-          <a:ln w="19050">
-            <a:solidFill>
-              <a:schemeClr val="accent1">
-                <a:lumMod val="75000"/>
-              </a:schemeClr>
-            </a:solidFill>
-          </a:ln>
-          <a:effectLst/>
-        </p:spPr>
-        <p:style>
-          <a:lnRef idx="2">
-            <a:schemeClr val="accent1">
-              <a:shade val="50000"/>
-            </a:schemeClr>
-          </a:lnRef>
-          <a:fillRef idx="1">
-            <a:schemeClr val="accent1"/>
-          </a:fillRef>
-          <a:effectRef idx="0">
-            <a:schemeClr val="accent1"/>
-          </a:effectRef>
-          <a:fontRef idx="minor">
-            <a:schemeClr val="lt1"/>
-          </a:fontRef>
-        </p:style>
-        <p:txBody>
-          <a:bodyPr rot="0" spcFirstLastPara="0" vertOverflow="overflow" horzOverflow="overflow" vert="horz" wrap="square" lIns="36000" tIns="36000" rIns="36000" bIns="36000" numCol="1" spcCol="0" rtlCol="0" fromWordArt="0" anchor="t" anchorCtr="0" forceAA="0" compatLnSpc="1">
-            <a:prstTxWarp prst="textNoShape">
-              <a:avLst/>
-            </a:prstTxWarp>
-            <a:noAutofit/>
-          </a:bodyPr>
-          <a:lstStyle/>
-          <a:p>
-            <a:pPr algn="ctr"/>
-            <a:endParaRPr lang="de-DE" sz="1800" err="1">
-              <a:solidFill>
-                <a:schemeClr val="tx1"/>
-              </a:solidFill>
-            </a:endParaRPr>
-          </a:p>
-        </p:txBody>
-      </p:sp>
-      <p:sp>
-        <p:nvSpPr>
-          <p:cNvPr id="5" name="Fußzeilenplatzhalter 2">
-            <a:extLst>
-              <a:ext uri="{FF2B5EF4-FFF2-40B4-BE49-F238E27FC236}">
-                <a16:creationId xmlns:a16="http://schemas.microsoft.com/office/drawing/2014/main" id="{24D6C491-A4FB-2C07-A2FB-74C79C7D1483}"/>
-              </a:ext>
-            </a:extLst>
-          </p:cNvPr>
-          <p:cNvSpPr>
-            <a:spLocks noGrp="1"/>
-          </p:cNvSpPr>
-          <p:nvPr>
-            <p:ph type="ftr" sz="quarter" idx="11"/>
-          </p:nvPr>
-        </p:nvSpPr>
-        <p:spPr>
-          <a:xfrm>
-            <a:off x="1790700" y="6571896"/>
-            <a:ext cx="5562600" cy="283234"/>
-          </a:xfrm>
-        </p:spPr>
-        <p:txBody>
-          <a:bodyPr/>
-          <a:lstStyle/>
-          <a:p>
-            <a:pPr>
-              <a:defRPr/>
-            </a:pPr>
-            <a:r>
-              <a:rPr lang="de-DE" dirty="0"/>
-              <a:t>Inhaltsverzeichnis</a:t>
-            </a:r>
-          </a:p>
-          <a:p>
-            <a:pPr>
-              <a:defRPr/>
-            </a:pPr>
-            <a:endParaRPr lang="de-DE" dirty="0"/>
-          </a:p>
-        </p:txBody>
-      </p:sp>
-    </p:spTree>
-    <p:extLst>
-      <p:ext uri="{BB962C8B-B14F-4D97-AF65-F5344CB8AC3E}">
-        <p14:creationId xmlns:p14="http://schemas.microsoft.com/office/powerpoint/2010/main" val="2766859510"/>
-      </p:ext>
-    </p:extLst>
-  </p:cSld>
-  <p:clrMapOvr>
-    <a:masterClrMapping/>
-  </p:clrMapOvr>
-</p:sld>
-</file>
-
-<file path=ppt/slides/slide3.xml><?xml version="1.0" encoding="utf-8"?>
-<p:sld xmlns:a="http://schemas.openxmlformats.org/drawingml/2006/main" xmlns:r="http://schemas.openxmlformats.org/officeDocument/2006/relationships" xmlns:p="http://schemas.openxmlformats.org/presentationml/2006/main">
-  <p:cSld>
-    <p:spTree>
-      <p:nvGrpSpPr>
-        <p:cNvPr id="1" name="">
-          <a:extLst>
-            <a:ext uri="{FF2B5EF4-FFF2-40B4-BE49-F238E27FC236}">
-              <a16:creationId xmlns:a16="http://schemas.microsoft.com/office/drawing/2014/main" id="{81D8FFD5-BE74-3B9B-8FE7-9EC69274F54B}"/>
-            </a:ext>
-          </a:extLst>
-        </p:cNvPr>
-        <p:cNvGrpSpPr/>
-        <p:nvPr/>
-      </p:nvGrpSpPr>
-      <p:grpSpPr>
-        <a:xfrm>
-          <a:off x="0" y="0"/>
-          <a:ext cx="0" cy="0"/>
-          <a:chOff x="0" y="0"/>
-          <a:chExt cx="0" cy="0"/>
-        </a:xfrm>
-      </p:grpSpPr>
-      <p:sp>
-        <p:nvSpPr>
-          <p:cNvPr id="2" name="Foliennummernplatzhalter 1">
-            <a:extLst>
-              <a:ext uri="{FF2B5EF4-FFF2-40B4-BE49-F238E27FC236}">
-                <a16:creationId xmlns:a16="http://schemas.microsoft.com/office/drawing/2014/main" id="{420DD9A1-E7D2-A59F-E815-EF91BEB37FC9}"/>
-              </a:ext>
-            </a:extLst>
-          </p:cNvPr>
-          <p:cNvSpPr>
-            <a:spLocks noGrp="1"/>
-          </p:cNvSpPr>
-          <p:nvPr>
-            <p:ph type="sldNum" sz="quarter" idx="10"/>
-          </p:nvPr>
-        </p:nvSpPr>
-        <p:spPr/>
-        <p:txBody>
-          <a:bodyPr/>
-          <a:lstStyle/>
-          <a:p>
-            <a:pPr>
-              <a:defRPr/>
-            </a:pPr>
-            <a:fld id="{2A3A57D9-08E7-4A35-820C-6C5F68307974}" type="slidenum">
-              <a:rPr lang="de-DE" smtClean="0"/>
-              <a:pPr>
-                <a:defRPr/>
-              </a:pPr>
-              <a:t>3</a:t>
-            </a:fld>
-            <a:endParaRPr lang="de-DE"/>
-          </a:p>
-        </p:txBody>
-      </p:sp>
-      <p:sp>
-        <p:nvSpPr>
-          <p:cNvPr id="7" name="Textplatzhalter 6">
-            <a:extLst>
-              <a:ext uri="{FF2B5EF4-FFF2-40B4-BE49-F238E27FC236}">
-                <a16:creationId xmlns:a16="http://schemas.microsoft.com/office/drawing/2014/main" id="{98FD0AE8-C89E-2F23-9EF7-334DABB4D4A7}"/>
-              </a:ext>
-            </a:extLst>
-          </p:cNvPr>
-          <p:cNvSpPr>
-            <a:spLocks noGrp="1"/>
-          </p:cNvSpPr>
-          <p:nvPr>
-            <p:ph type="body" sz="quarter" idx="13"/>
-          </p:nvPr>
-        </p:nvSpPr>
-        <p:spPr/>
-        <p:txBody>
-          <a:bodyPr/>
-          <a:lstStyle/>
-          <a:p>
-            <a:r>
-              <a:rPr lang="de-DE" dirty="0"/>
-              <a:t>1. Kontext &amp; Praxisproblem</a:t>
-            </a:r>
-          </a:p>
-        </p:txBody>
-      </p:sp>
-      <p:sp>
-        <p:nvSpPr>
-          <p:cNvPr id="8" name="Inhaltsplatzhalter 4">
-            <a:extLst>
-              <a:ext uri="{FF2B5EF4-FFF2-40B4-BE49-F238E27FC236}">
-                <a16:creationId xmlns:a16="http://schemas.microsoft.com/office/drawing/2014/main" id="{43B34685-2104-7026-F8C7-C5B1C374EC64}"/>
-              </a:ext>
-            </a:extLst>
-          </p:cNvPr>
-          <p:cNvSpPr>
-            <a:spLocks noGrp="1"/>
-          </p:cNvSpPr>
-          <p:nvPr>
-            <p:ph idx="1"/>
-          </p:nvPr>
-        </p:nvSpPr>
-        <p:spPr>
-          <a:xfrm>
-            <a:off x="0" y="2603672"/>
-            <a:ext cx="9144000" cy="763549"/>
-          </a:xfrm>
-        </p:spPr>
-        <p:txBody>
-          <a:bodyPr/>
-          <a:lstStyle/>
-          <a:p>
-            <a:pPr algn="ctr"/>
-            <a:r>
-              <a:rPr lang="de-DE" sz="4000" dirty="0"/>
-              <a:t>1. Kontext &amp; Praxisproblem</a:t>
-            </a:r>
-            <a:endParaRPr lang="de-DE" dirty="0">
-              <a:cs typeface="Arial"/>
-            </a:endParaRPr>
-          </a:p>
-        </p:txBody>
-      </p:sp>
-      <p:sp>
-        <p:nvSpPr>
-          <p:cNvPr id="9" name="Datumsplatzhalter 3">
-            <a:extLst>
-              <a:ext uri="{FF2B5EF4-FFF2-40B4-BE49-F238E27FC236}">
-                <a16:creationId xmlns:a16="http://schemas.microsoft.com/office/drawing/2014/main" id="{407B73B4-5C30-3232-CF69-F16080E991FF}"/>
-              </a:ext>
-            </a:extLst>
-          </p:cNvPr>
-          <p:cNvSpPr>
-            <a:spLocks noGrp="1"/>
-          </p:cNvSpPr>
-          <p:nvPr>
-            <p:ph type="dt" sz="half" idx="12"/>
-          </p:nvPr>
-        </p:nvSpPr>
-        <p:spPr>
-          <a:xfrm>
-            <a:off x="543379" y="6575265"/>
-            <a:ext cx="1524000" cy="283234"/>
-          </a:xfrm>
-        </p:spPr>
-        <p:txBody>
-          <a:bodyPr/>
-          <a:lstStyle/>
-          <a:p>
-            <a:pPr>
-              <a:defRPr/>
-            </a:pPr>
-            <a:fld id="{9338910D-6BF9-4DAD-BD39-5E8F1176E68E}" type="datetime1">
-              <a:rPr lang="de-DE" smtClean="0"/>
-              <a:t>12.01.2026</a:t>
-            </a:fld>
-            <a:endParaRPr lang="de-DE" dirty="0"/>
-          </a:p>
-        </p:txBody>
-      </p:sp>
-      <p:sp>
-        <p:nvSpPr>
-          <p:cNvPr id="10" name="Ellipse 9">
-            <a:extLst>
-              <a:ext uri="{FF2B5EF4-FFF2-40B4-BE49-F238E27FC236}">
-                <a16:creationId xmlns:a16="http://schemas.microsoft.com/office/drawing/2014/main" id="{EE3FE48A-6E22-FC71-7C48-DF7ECBE573E3}"/>
-              </a:ext>
-            </a:extLst>
-          </p:cNvPr>
-          <p:cNvSpPr/>
-          <p:nvPr/>
-        </p:nvSpPr>
-        <p:spPr>
-          <a:xfrm>
-            <a:off x="6854181" y="4442346"/>
-            <a:ext cx="2023468" cy="2023468"/>
-          </a:xfrm>
-          <a:prstGeom prst="ellipse">
-            <a:avLst/>
-          </a:prstGeom>
-          <a:solidFill>
-            <a:schemeClr val="accent2"/>
-          </a:solidFill>
-          <a:ln w="19050">
-            <a:solidFill>
-              <a:schemeClr val="accent1">
-                <a:lumMod val="75000"/>
-              </a:schemeClr>
-            </a:solidFill>
-          </a:ln>
-          <a:effectLst/>
-        </p:spPr>
-        <p:style>
-          <a:lnRef idx="2">
-            <a:schemeClr val="accent1">
-              <a:shade val="50000"/>
-            </a:schemeClr>
-          </a:lnRef>
-          <a:fillRef idx="1">
-            <a:schemeClr val="accent1"/>
-          </a:fillRef>
-          <a:effectRef idx="0">
-            <a:schemeClr val="accent1"/>
-          </a:effectRef>
-          <a:fontRef idx="minor">
-            <a:schemeClr val="lt1"/>
-          </a:fontRef>
-        </p:style>
-        <p:txBody>
-          <a:bodyPr rot="0" spcFirstLastPara="0" vertOverflow="overflow" horzOverflow="overflow" vert="horz" wrap="square" lIns="36000" tIns="36000" rIns="36000" bIns="36000" numCol="1" spcCol="0" rtlCol="0" fromWordArt="0" anchor="t" anchorCtr="0" forceAA="0" compatLnSpc="1">
-            <a:prstTxWarp prst="textNoShape">
-              <a:avLst/>
-            </a:prstTxWarp>
-            <a:noAutofit/>
-          </a:bodyPr>
-          <a:lstStyle/>
-          <a:p>
-            <a:pPr algn="ctr"/>
-            <a:endParaRPr lang="de-DE" sz="1800" err="1">
-              <a:solidFill>
-                <a:schemeClr val="tx1"/>
-              </a:solidFill>
-            </a:endParaRPr>
-          </a:p>
-        </p:txBody>
-      </p:sp>
-      <p:sp>
-        <p:nvSpPr>
-          <p:cNvPr id="15" name="Fußzeilenplatzhalter 2">
-            <a:extLst>
-              <a:ext uri="{FF2B5EF4-FFF2-40B4-BE49-F238E27FC236}">
-                <a16:creationId xmlns:a16="http://schemas.microsoft.com/office/drawing/2014/main" id="{6B93BABB-6328-5658-F040-36C3CB655955}"/>
-              </a:ext>
-            </a:extLst>
-          </p:cNvPr>
-          <p:cNvSpPr>
-            <a:spLocks noGrp="1"/>
-          </p:cNvSpPr>
-          <p:nvPr>
-            <p:ph type="ftr" sz="quarter" idx="11"/>
-          </p:nvPr>
-        </p:nvSpPr>
-        <p:spPr>
-          <a:xfrm>
-            <a:off x="1790700" y="6571896"/>
-            <a:ext cx="5562600" cy="283234"/>
-          </a:xfrm>
-        </p:spPr>
-        <p:txBody>
-          <a:bodyPr/>
-          <a:lstStyle/>
-          <a:p>
-            <a:pPr>
-              <a:defRPr/>
-            </a:pPr>
-            <a:r>
-              <a:rPr lang="de-DE" dirty="0"/>
-              <a:t>1. Kontext &amp; Praxisproblem</a:t>
-            </a:r>
-          </a:p>
-          <a:p>
-            <a:pPr>
-              <a:defRPr/>
-            </a:pPr>
-            <a:endParaRPr lang="de-DE" dirty="0"/>
-          </a:p>
-        </p:txBody>
-      </p:sp>
-    </p:spTree>
-    <p:extLst>
-      <p:ext uri="{BB962C8B-B14F-4D97-AF65-F5344CB8AC3E}">
-        <p14:creationId xmlns:p14="http://schemas.microsoft.com/office/powerpoint/2010/main" val="3179665027"/>
-      </p:ext>
-    </p:extLst>
-  </p:cSld>
-  <p:clrMapOvr>
-    <a:masterClrMapping/>
-  </p:clrMapOvr>
-</p:sld>
-</file>
-
-<file path=ppt/slides/slide4.xml><?xml version="1.0" encoding="utf-8"?>
-<p:sld xmlns:a="http://schemas.openxmlformats.org/drawingml/2006/main" xmlns:r="http://schemas.openxmlformats.org/officeDocument/2006/relationships" xmlns:p="http://schemas.openxmlformats.org/presentationml/2006/main">
-  <p:cSld>
-    <p:spTree>
-      <p:nvGrpSpPr>
-        <p:cNvPr id="1" name="">
-          <a:extLst>
-            <a:ext uri="{FF2B5EF4-FFF2-40B4-BE49-F238E27FC236}">
-              <a16:creationId xmlns:a16="http://schemas.microsoft.com/office/drawing/2014/main" id="{7A873E32-7BD4-3948-571D-4F7345029868}"/>
-            </a:ext>
-          </a:extLst>
-        </p:cNvPr>
-        <p:cNvGrpSpPr/>
-        <p:nvPr/>
-      </p:nvGrpSpPr>
-      <p:grpSpPr>
-        <a:xfrm>
-          <a:off x="0" y="0"/>
-          <a:ext cx="0" cy="0"/>
-          <a:chOff x="0" y="0"/>
-          <a:chExt cx="0" cy="0"/>
-        </a:xfrm>
-      </p:grpSpPr>
-      <p:sp>
-        <p:nvSpPr>
-          <p:cNvPr id="31" name="Textfeld 30">
-            <a:extLst>
-              <a:ext uri="{FF2B5EF4-FFF2-40B4-BE49-F238E27FC236}">
-                <a16:creationId xmlns:a16="http://schemas.microsoft.com/office/drawing/2014/main" id="{C8DBC553-FAE7-592F-CEA5-B20341B8C4FE}"/>
+                <a16:creationId xmlns:a16="http://schemas.microsoft.com/office/drawing/2014/main" id="{028A9E4D-5AC2-F00B-80A6-4A3914E336AC}"/>
               </a:ext>
             </a:extLst>
           </p:cNvPr>
@@ -9888,310 +9608,7 @@
         </p:nvSpPr>
         <p:spPr bwMode="auto">
           <a:xfrm>
-            <a:off x="194705" y="4846344"/>
-            <a:ext cx="6659475" cy="1323439"/>
-          </a:xfrm>
-          <a:prstGeom prst="rect">
-            <a:avLst/>
-          </a:prstGeom>
-          <a:noFill/>
-          <a:ln w="12700">
-            <a:noFill/>
-          </a:ln>
-          <a:effectLst/>
-        </p:spPr>
-        <p:txBody>
-          <a:bodyPr wrap="square">
-            <a:spAutoFit/>
-          </a:bodyPr>
-          <a:lstStyle/>
-          <a:p>
-            <a:r>
-              <a:rPr lang="de-DE" sz="2000" i="0" dirty="0">
-                <a:effectLst/>
-                <a:latin typeface="+mj-lt"/>
-              </a:rPr>
-              <a:t>häufig geringere Bewerbungserfahrung</a:t>
-            </a:r>
-          </a:p>
-          <a:p>
-            <a:r>
-              <a:rPr lang="de-DE" sz="2000" b="0" i="0" dirty="0">
-                <a:effectLst/>
-                <a:latin typeface="+mj-lt"/>
-              </a:rPr>
-              <a:t>     höhere Unsicherheit</a:t>
-            </a:r>
-          </a:p>
-          <a:p>
-            <a:r>
-              <a:rPr lang="de-DE" sz="2000" b="0" i="0" dirty="0">
-                <a:effectLst/>
-                <a:latin typeface="+mj-lt"/>
-              </a:rPr>
-              <a:t>     Wahrnehmungen zu Fairness</a:t>
-            </a:r>
-            <a:r>
-              <a:rPr lang="de-DE" sz="2000" dirty="0">
-                <a:latin typeface="+mj-lt"/>
-              </a:rPr>
-              <a:t> und </a:t>
-            </a:r>
-            <a:r>
-              <a:rPr lang="de-DE" sz="2000" b="0" i="0" dirty="0">
-                <a:effectLst/>
-                <a:latin typeface="+mj-lt"/>
-              </a:rPr>
-              <a:t>Transparenz</a:t>
-            </a:r>
-            <a:br>
-              <a:rPr lang="de-DE" sz="2000" b="0" i="0" dirty="0">
-                <a:effectLst/>
-                <a:latin typeface="+mj-lt"/>
-              </a:rPr>
-            </a:br>
-            <a:r>
-              <a:rPr lang="de-DE" sz="2000" b="0" i="0" dirty="0">
-                <a:effectLst/>
-                <a:latin typeface="+mj-lt"/>
-              </a:rPr>
-              <a:t>     könnten </a:t>
-            </a:r>
-            <a:r>
-              <a:rPr lang="de-DE" sz="2000" b="1" i="0" dirty="0">
-                <a:solidFill>
-                  <a:srgbClr val="007368"/>
-                </a:solidFill>
-                <a:effectLst/>
-                <a:latin typeface="+mj-lt"/>
-              </a:rPr>
-              <a:t>stärker auf Akzeptanz</a:t>
-            </a:r>
-            <a:r>
-              <a:rPr lang="de-DE" sz="2000" b="1" dirty="0">
-                <a:solidFill>
-                  <a:srgbClr val="007368"/>
-                </a:solidFill>
-                <a:latin typeface="+mj-lt"/>
-              </a:rPr>
-              <a:t> </a:t>
-            </a:r>
-            <a:r>
-              <a:rPr lang="de-DE" sz="2000" b="0" i="0" dirty="0">
-                <a:effectLst/>
-                <a:latin typeface="+mj-lt"/>
-              </a:rPr>
-              <a:t>wirken</a:t>
-            </a:r>
-          </a:p>
-        </p:txBody>
-      </p:sp>
-      <p:sp>
-        <p:nvSpPr>
-          <p:cNvPr id="28" name="Rechteck 27">
-            <a:extLst>
-              <a:ext uri="{FF2B5EF4-FFF2-40B4-BE49-F238E27FC236}">
-                <a16:creationId xmlns:a16="http://schemas.microsoft.com/office/drawing/2014/main" id="{201B9073-1507-7BC9-E414-D8C0D1F7F92E}"/>
-              </a:ext>
-            </a:extLst>
-          </p:cNvPr>
-          <p:cNvSpPr/>
-          <p:nvPr/>
-        </p:nvSpPr>
-        <p:spPr>
-          <a:xfrm>
-            <a:off x="0" y="4290902"/>
-            <a:ext cx="5472751" cy="524075"/>
-          </a:xfrm>
-          <a:prstGeom prst="rect">
-            <a:avLst/>
-          </a:prstGeom>
-          <a:solidFill>
-            <a:srgbClr val="00998B"/>
-          </a:solidFill>
-          <a:ln w="19050">
-            <a:noFill/>
-          </a:ln>
-          <a:effectLst/>
-        </p:spPr>
-        <p:style>
-          <a:lnRef idx="2">
-            <a:schemeClr val="accent1">
-              <a:shade val="50000"/>
-            </a:schemeClr>
-          </a:lnRef>
-          <a:fillRef idx="1">
-            <a:schemeClr val="accent1"/>
-          </a:fillRef>
-          <a:effectRef idx="0">
-            <a:schemeClr val="accent1"/>
-          </a:effectRef>
-          <a:fontRef idx="minor">
-            <a:schemeClr val="lt1"/>
-          </a:fontRef>
-        </p:style>
-        <p:txBody>
-          <a:bodyPr rot="0" spcFirstLastPara="0" vertOverflow="overflow" horzOverflow="overflow" vert="horz" wrap="square" lIns="36000" tIns="36000" rIns="36000" bIns="36000" numCol="1" spcCol="0" rtlCol="0" fromWordArt="0" anchor="t" anchorCtr="0" forceAA="0" compatLnSpc="1">
-            <a:prstTxWarp prst="textNoShape">
-              <a:avLst/>
-            </a:prstTxWarp>
-            <a:noAutofit/>
-          </a:bodyPr>
-          <a:lstStyle/>
-          <a:p>
-            <a:pPr algn="ctr"/>
-            <a:endParaRPr lang="de-DE" sz="1800" dirty="0" err="1">
-              <a:solidFill>
-                <a:schemeClr val="tx1"/>
-              </a:solidFill>
-            </a:endParaRPr>
-          </a:p>
-        </p:txBody>
-      </p:sp>
-      <p:sp>
-        <p:nvSpPr>
-          <p:cNvPr id="13" name="Rechteck 12">
-            <a:extLst>
-              <a:ext uri="{FF2B5EF4-FFF2-40B4-BE49-F238E27FC236}">
-                <a16:creationId xmlns:a16="http://schemas.microsoft.com/office/drawing/2014/main" id="{92F3391A-E471-5D23-AB13-47582DEB2E11}"/>
-              </a:ext>
-            </a:extLst>
-          </p:cNvPr>
-          <p:cNvSpPr/>
-          <p:nvPr/>
-        </p:nvSpPr>
-        <p:spPr>
-          <a:xfrm>
-            <a:off x="1163471" y="1335529"/>
-            <a:ext cx="6817056" cy="1179872"/>
-          </a:xfrm>
-          <a:prstGeom prst="rect">
-            <a:avLst/>
-          </a:prstGeom>
-          <a:solidFill>
-            <a:schemeClr val="accent2"/>
-          </a:solidFill>
-          <a:ln w="19050">
-            <a:solidFill>
-              <a:schemeClr val="accent1">
-                <a:lumMod val="75000"/>
-              </a:schemeClr>
-            </a:solidFill>
-          </a:ln>
-          <a:effectLst/>
-        </p:spPr>
-        <p:style>
-          <a:lnRef idx="2">
-            <a:schemeClr val="accent1">
-              <a:shade val="50000"/>
-            </a:schemeClr>
-          </a:lnRef>
-          <a:fillRef idx="1">
-            <a:schemeClr val="accent1"/>
-          </a:fillRef>
-          <a:effectRef idx="0">
-            <a:schemeClr val="accent1"/>
-          </a:effectRef>
-          <a:fontRef idx="minor">
-            <a:schemeClr val="lt1"/>
-          </a:fontRef>
-        </p:style>
-        <p:txBody>
-          <a:bodyPr rot="0" spcFirstLastPara="0" vertOverflow="overflow" horzOverflow="overflow" vert="horz" wrap="square" lIns="36000" tIns="36000" rIns="36000" bIns="36000" numCol="1" spcCol="0" rtlCol="0" fromWordArt="0" anchor="t" anchorCtr="0" forceAA="0" compatLnSpc="1">
-            <a:prstTxWarp prst="textNoShape">
-              <a:avLst/>
-            </a:prstTxWarp>
-            <a:noAutofit/>
-          </a:bodyPr>
-          <a:lstStyle/>
-          <a:p>
-            <a:pPr algn="ctr"/>
-            <a:endParaRPr lang="de-DE" sz="1800" dirty="0" err="1">
-              <a:solidFill>
-                <a:schemeClr val="tx1"/>
-              </a:solidFill>
-            </a:endParaRPr>
-          </a:p>
-        </p:txBody>
-      </p:sp>
-      <p:sp>
-        <p:nvSpPr>
-          <p:cNvPr id="2" name="Foliennummernplatzhalter 1">
-            <a:extLst>
-              <a:ext uri="{FF2B5EF4-FFF2-40B4-BE49-F238E27FC236}">
-                <a16:creationId xmlns:a16="http://schemas.microsoft.com/office/drawing/2014/main" id="{E4258465-7761-0B73-8F4E-B73FF477E095}"/>
-              </a:ext>
-            </a:extLst>
-          </p:cNvPr>
-          <p:cNvSpPr>
-            <a:spLocks noGrp="1"/>
-          </p:cNvSpPr>
-          <p:nvPr>
-            <p:ph type="sldNum" sz="quarter" idx="10"/>
-          </p:nvPr>
-        </p:nvSpPr>
-        <p:spPr/>
-        <p:txBody>
-          <a:bodyPr/>
-          <a:lstStyle/>
-          <a:p>
-            <a:pPr>
-              <a:defRPr/>
-            </a:pPr>
-            <a:fld id="{2A3A57D9-08E7-4A35-820C-6C5F68307974}" type="slidenum">
-              <a:rPr lang="de-DE" smtClean="0"/>
-              <a:pPr>
-                <a:defRPr/>
-              </a:pPr>
-              <a:t>4</a:t>
-            </a:fld>
-            <a:endParaRPr lang="de-DE"/>
-          </a:p>
-        </p:txBody>
-      </p:sp>
-      <p:sp>
-        <p:nvSpPr>
-          <p:cNvPr id="6" name="Textplatzhalter 5">
-            <a:extLst>
-              <a:ext uri="{FF2B5EF4-FFF2-40B4-BE49-F238E27FC236}">
-                <a16:creationId xmlns:a16="http://schemas.microsoft.com/office/drawing/2014/main" id="{F11F9B33-E530-6118-7DF5-2DD0ABC3DAA7}"/>
-              </a:ext>
-            </a:extLst>
-          </p:cNvPr>
-          <p:cNvSpPr>
-            <a:spLocks noGrp="1"/>
-          </p:cNvSpPr>
-          <p:nvPr>
-            <p:ph type="body" sz="quarter" idx="13"/>
-          </p:nvPr>
-        </p:nvSpPr>
-        <p:spPr/>
-        <p:txBody>
-          <a:bodyPr/>
-          <a:lstStyle/>
-          <a:p>
-            <a:r>
-              <a:rPr lang="de-DE" dirty="0"/>
-              <a:t>Kontext</a:t>
-            </a:r>
-          </a:p>
-        </p:txBody>
-      </p:sp>
-      <p:sp>
-        <p:nvSpPr>
-          <p:cNvPr id="9" name="Textfeld 8">
-            <a:extLst>
-              <a:ext uri="{FF2B5EF4-FFF2-40B4-BE49-F238E27FC236}">
-                <a16:creationId xmlns:a16="http://schemas.microsoft.com/office/drawing/2014/main" id="{89729269-0B05-7C6A-ABF7-8FE6A2C55306}"/>
-              </a:ext>
-            </a:extLst>
-          </p:cNvPr>
-          <p:cNvSpPr txBox="1"/>
-          <p:nvPr/>
-        </p:nvSpPr>
-        <p:spPr bwMode="auto">
-          <a:xfrm>
-            <a:off x="6291943" y="3325505"/>
+            <a:off x="6291943" y="2895600"/>
             <a:ext cx="0" cy="0"/>
           </a:xfrm>
           <a:prstGeom prst="rect">
@@ -10250,7 +9667,7 @@
           <p:cNvPr id="3" name="Ellipse 2">
             <a:extLst>
               <a:ext uri="{FF2B5EF4-FFF2-40B4-BE49-F238E27FC236}">
-                <a16:creationId xmlns:a16="http://schemas.microsoft.com/office/drawing/2014/main" id="{48F1212A-2047-00E7-CFD3-5447763F2950}"/>
+                <a16:creationId xmlns:a16="http://schemas.microsoft.com/office/drawing/2014/main" id="{D582371C-1FE0-0BC5-ACBF-56E17EE47A72}"/>
               </a:ext>
             </a:extLst>
           </p:cNvPr>
@@ -10316,6 +9733,2467 @@
           <p:cNvPr id="5" name="Datumsplatzhalter 3">
             <a:extLst>
               <a:ext uri="{FF2B5EF4-FFF2-40B4-BE49-F238E27FC236}">
+                <a16:creationId xmlns:a16="http://schemas.microsoft.com/office/drawing/2014/main" id="{16115B3B-5D09-76B7-3026-2A3014E16F68}"/>
+              </a:ext>
+            </a:extLst>
+          </p:cNvPr>
+          <p:cNvSpPr>
+            <a:spLocks noGrp="1"/>
+          </p:cNvSpPr>
+          <p:nvPr>
+            <p:ph type="dt" sz="half" idx="12"/>
+          </p:nvPr>
+        </p:nvSpPr>
+        <p:spPr>
+          <a:xfrm>
+            <a:off x="543379" y="6575265"/>
+            <a:ext cx="1524000" cy="283234"/>
+          </a:xfrm>
+        </p:spPr>
+        <p:txBody>
+          <a:bodyPr/>
+          <a:lstStyle/>
+          <a:p>
+            <a:pPr>
+              <a:defRPr/>
+            </a:pPr>
+            <a:r>
+              <a:rPr lang="de-DE" dirty="0"/>
+              <a:t>31.01.2026</a:t>
+            </a:r>
+          </a:p>
+        </p:txBody>
+      </p:sp>
+      <p:sp>
+        <p:nvSpPr>
+          <p:cNvPr id="4" name="Fußzeilenplatzhalter 2">
+            <a:extLst>
+              <a:ext uri="{FF2B5EF4-FFF2-40B4-BE49-F238E27FC236}">
+                <a16:creationId xmlns:a16="http://schemas.microsoft.com/office/drawing/2014/main" id="{AE95F4BC-0879-83F4-FD5D-41551E1AA935}"/>
+              </a:ext>
+            </a:extLst>
+          </p:cNvPr>
+          <p:cNvSpPr>
+            <a:spLocks noGrp="1"/>
+          </p:cNvSpPr>
+          <p:nvPr>
+            <p:ph type="ftr" sz="quarter" idx="11"/>
+          </p:nvPr>
+        </p:nvSpPr>
+        <p:spPr>
+          <a:xfrm>
+            <a:off x="1790700" y="6571896"/>
+            <a:ext cx="5562600" cy="283234"/>
+          </a:xfrm>
+        </p:spPr>
+        <p:txBody>
+          <a:bodyPr/>
+          <a:lstStyle/>
+          <a:p>
+            <a:r>
+              <a:rPr lang="en-GB" dirty="0" err="1"/>
+              <a:t>Forschungsfrage</a:t>
+            </a:r>
+            <a:r>
+              <a:rPr lang="en-GB" dirty="0"/>
+              <a:t> 2</a:t>
+            </a:r>
+            <a:endParaRPr lang="de-DE" dirty="0"/>
+          </a:p>
+        </p:txBody>
+      </p:sp>
+      <p:sp>
+        <p:nvSpPr>
+          <p:cNvPr id="10" name="Textfeld 9">
+            <a:extLst>
+              <a:ext uri="{FF2B5EF4-FFF2-40B4-BE49-F238E27FC236}">
+                <a16:creationId xmlns:a16="http://schemas.microsoft.com/office/drawing/2014/main" id="{B0522E8A-A49C-36E9-7996-7C2C899470EF}"/>
+              </a:ext>
+            </a:extLst>
+          </p:cNvPr>
+          <p:cNvSpPr txBox="1"/>
+          <p:nvPr/>
+        </p:nvSpPr>
+        <p:spPr bwMode="auto">
+          <a:xfrm>
+            <a:off x="266351" y="1015075"/>
+            <a:ext cx="8611298" cy="1938992"/>
+          </a:xfrm>
+          <a:prstGeom prst="rect">
+            <a:avLst/>
+          </a:prstGeom>
+          <a:noFill/>
+          <a:ln w="12700">
+            <a:noFill/>
+          </a:ln>
+          <a:effectLst/>
+        </p:spPr>
+        <p:txBody>
+          <a:bodyPr wrap="square">
+            <a:spAutoFit/>
+          </a:bodyPr>
+          <a:lstStyle/>
+          <a:p>
+            <a:pPr marL="342900" indent="-342900">
+              <a:buFont typeface="Arial" panose="020B0604020202020204" pitchFamily="34" charset="0"/>
+              <a:buChar char="•"/>
+            </a:pPr>
+            <a:r>
+              <a:rPr lang="de-DE" sz="2000" dirty="0"/>
+              <a:t>Forschungsfrage 2: Nachhaltigkeit der Lerneffekte</a:t>
+            </a:r>
+          </a:p>
+          <a:p>
+            <a:pPr marL="342900" indent="-342900">
+              <a:buFont typeface="Arial" panose="020B0604020202020204" pitchFamily="34" charset="0"/>
+              <a:buChar char="•"/>
+            </a:pPr>
+            <a:r>
+              <a:rPr lang="de-DE" sz="2000" dirty="0"/>
+              <a:t>Longitudinales Forschungsdesign</a:t>
+            </a:r>
+          </a:p>
+          <a:p>
+            <a:pPr marL="342900" indent="-342900">
+              <a:buFont typeface="Arial" panose="020B0604020202020204" pitchFamily="34" charset="0"/>
+              <a:buChar char="•"/>
+            </a:pPr>
+            <a:r>
+              <a:rPr lang="de-DE" sz="2000" dirty="0"/>
+              <a:t>Wiederholte Messung über die Zeit </a:t>
+            </a:r>
+          </a:p>
+          <a:p>
+            <a:pPr marL="342900" indent="-342900">
+              <a:buFont typeface="Arial" panose="020B0604020202020204" pitchFamily="34" charset="0"/>
+              <a:buChar char="•"/>
+            </a:pPr>
+            <a:r>
+              <a:rPr lang="de-DE" sz="2000" dirty="0"/>
+              <a:t>Post-Test 2 nach X Wochen (z. B. 4–6)  </a:t>
+            </a:r>
+          </a:p>
+          <a:p>
+            <a:pPr marL="342900" indent="-342900">
+              <a:buFont typeface="Arial" panose="020B0604020202020204" pitchFamily="34" charset="0"/>
+              <a:buChar char="•"/>
+            </a:pPr>
+            <a:r>
+              <a:rPr lang="de-DE" sz="2000" dirty="0"/>
+              <a:t>Gleiche Stichprobe wie in FF1</a:t>
+            </a:r>
+          </a:p>
+          <a:p>
+            <a:pPr marL="342900" indent="-342900">
+              <a:buFont typeface="Arial" panose="020B0604020202020204" pitchFamily="34" charset="0"/>
+              <a:buChar char="•"/>
+            </a:pPr>
+            <a:r>
+              <a:rPr lang="de-DE" sz="2000" dirty="0"/>
+              <a:t>Keine weitere Intervention</a:t>
+            </a:r>
+          </a:p>
+        </p:txBody>
+      </p:sp>
+    </p:spTree>
+    <p:extLst>
+      <p:ext uri="{BB962C8B-B14F-4D97-AF65-F5344CB8AC3E}">
+        <p14:creationId xmlns:p14="http://schemas.microsoft.com/office/powerpoint/2010/main" val="2892796372"/>
+      </p:ext>
+    </p:extLst>
+  </p:cSld>
+  <p:clrMapOvr>
+    <a:masterClrMapping/>
+  </p:clrMapOvr>
+</p:sld>
+</file>
+
+<file path=ppt/slides/slide15.xml><?xml version="1.0" encoding="utf-8"?>
+<p:sld xmlns:a="http://schemas.openxmlformats.org/drawingml/2006/main" xmlns:r="http://schemas.openxmlformats.org/officeDocument/2006/relationships" xmlns:p="http://schemas.openxmlformats.org/presentationml/2006/main">
+  <p:cSld>
+    <p:spTree>
+      <p:nvGrpSpPr>
+        <p:cNvPr id="1" name="">
+          <a:extLst>
+            <a:ext uri="{FF2B5EF4-FFF2-40B4-BE49-F238E27FC236}">
+              <a16:creationId xmlns:a16="http://schemas.microsoft.com/office/drawing/2014/main" id="{1ECD3BCD-7127-A9FD-1073-737769ADA4DA}"/>
+            </a:ext>
+          </a:extLst>
+        </p:cNvPr>
+        <p:cNvGrpSpPr/>
+        <p:nvPr/>
+      </p:nvGrpSpPr>
+      <p:grpSpPr>
+        <a:xfrm>
+          <a:off x="0" y="0"/>
+          <a:ext cx="0" cy="0"/>
+          <a:chOff x="0" y="0"/>
+          <a:chExt cx="0" cy="0"/>
+        </a:xfrm>
+      </p:grpSpPr>
+      <p:sp>
+        <p:nvSpPr>
+          <p:cNvPr id="2" name="Foliennummernplatzhalter 1">
+            <a:extLst>
+              <a:ext uri="{FF2B5EF4-FFF2-40B4-BE49-F238E27FC236}">
+                <a16:creationId xmlns:a16="http://schemas.microsoft.com/office/drawing/2014/main" id="{92BFBE16-7368-8D90-FFA6-82B5F5F3322D}"/>
+              </a:ext>
+            </a:extLst>
+          </p:cNvPr>
+          <p:cNvSpPr>
+            <a:spLocks noGrp="1"/>
+          </p:cNvSpPr>
+          <p:nvPr>
+            <p:ph type="sldNum" sz="quarter" idx="10"/>
+          </p:nvPr>
+        </p:nvSpPr>
+        <p:spPr/>
+        <p:txBody>
+          <a:bodyPr/>
+          <a:lstStyle/>
+          <a:p>
+            <a:pPr>
+              <a:defRPr/>
+            </a:pPr>
+            <a:fld id="{2A3A57D9-08E7-4A35-820C-6C5F68307974}" type="slidenum">
+              <a:rPr lang="de-DE" smtClean="0"/>
+              <a:pPr>
+                <a:defRPr/>
+              </a:pPr>
+              <a:t>15</a:t>
+            </a:fld>
+            <a:endParaRPr lang="de-DE"/>
+          </a:p>
+        </p:txBody>
+      </p:sp>
+      <p:sp>
+        <p:nvSpPr>
+          <p:cNvPr id="6" name="Textplatzhalter 5">
+            <a:extLst>
+              <a:ext uri="{FF2B5EF4-FFF2-40B4-BE49-F238E27FC236}">
+                <a16:creationId xmlns:a16="http://schemas.microsoft.com/office/drawing/2014/main" id="{0E458F55-1C5E-0D55-1241-EDEF2F77367A}"/>
+              </a:ext>
+            </a:extLst>
+          </p:cNvPr>
+          <p:cNvSpPr>
+            <a:spLocks noGrp="1"/>
+          </p:cNvSpPr>
+          <p:nvPr>
+            <p:ph type="body" sz="quarter" idx="13"/>
+          </p:nvPr>
+        </p:nvSpPr>
+        <p:spPr/>
+        <p:txBody>
+          <a:bodyPr/>
+          <a:lstStyle/>
+          <a:p>
+            <a:r>
+              <a:rPr lang="en-GB" dirty="0" err="1"/>
+              <a:t>Umsetzung</a:t>
+            </a:r>
+            <a:r>
+              <a:rPr lang="en-GB" dirty="0"/>
+              <a:t> &amp; </a:t>
+            </a:r>
+            <a:r>
+              <a:rPr lang="en-GB" dirty="0" err="1"/>
+              <a:t>Datenauswertung</a:t>
+            </a:r>
+            <a:endParaRPr lang="de-DE" dirty="0"/>
+          </a:p>
+        </p:txBody>
+      </p:sp>
+      <p:sp>
+        <p:nvSpPr>
+          <p:cNvPr id="9" name="Textfeld 8">
+            <a:extLst>
+              <a:ext uri="{FF2B5EF4-FFF2-40B4-BE49-F238E27FC236}">
+                <a16:creationId xmlns:a16="http://schemas.microsoft.com/office/drawing/2014/main" id="{61A79A88-3B9A-DC53-3D10-24828F6B406C}"/>
+              </a:ext>
+            </a:extLst>
+          </p:cNvPr>
+          <p:cNvSpPr txBox="1"/>
+          <p:nvPr/>
+        </p:nvSpPr>
+        <p:spPr bwMode="auto">
+          <a:xfrm>
+            <a:off x="6291943" y="2895600"/>
+            <a:ext cx="0" cy="0"/>
+          </a:xfrm>
+          <a:prstGeom prst="rect">
+            <a:avLst/>
+          </a:prstGeom>
+          <a:noFill/>
+          <a:ln w="12700">
+            <a:noFill/>
+          </a:ln>
+          <a:effectLst/>
+        </p:spPr>
+        <p:txBody>
+          <a:bodyPr vert="horz" wrap="none" lIns="36000" tIns="36000" rIns="36000" bIns="36000" numCol="1" rtlCol="0" anchor="t" anchorCtr="0" compatLnSpc="1">
+            <a:prstTxWarp prst="textNoShape">
+              <a:avLst/>
+            </a:prstTxWarp>
+            <a:noAutofit/>
+          </a:bodyPr>
+          <a:lstStyle/>
+          <a:p>
+            <a:pPr marL="0" marR="0" indent="0" defTabSz="914400" rtl="0" eaLnBrk="1" fontAlgn="base" latinLnBrk="0" hangingPunct="1">
+              <a:lnSpc>
+                <a:spcPct val="100000"/>
+              </a:lnSpc>
+              <a:spcBef>
+                <a:spcPts val="0"/>
+              </a:spcBef>
+              <a:spcAft>
+                <a:spcPts val="600"/>
+              </a:spcAft>
+              <a:buClr>
+                <a:srgbClr val="23A092"/>
+              </a:buClr>
+              <a:buSzPct val="80000"/>
+              <a:buFont typeface="Wingdings" pitchFamily="2" charset="2"/>
+              <a:buNone/>
+              <a:tabLst/>
+            </a:pPr>
+            <a:endParaRPr kumimoji="0" lang="de-DE" sz="1400" b="0" i="0" u="none" strike="noStrike" kern="0" cap="none" spc="0" normalizeH="0" baseline="0" noProof="0" err="1">
+              <a:ln>
+                <a:noFill/>
+              </a:ln>
+              <a:solidFill>
+                <a:schemeClr val="tx1"/>
+              </a:solidFill>
+              <a:effectLst/>
+              <a:uLnTx/>
+              <a:uFillTx/>
+              <a:latin typeface="+mn-lt"/>
+            </a:endParaRPr>
+          </a:p>
+        </p:txBody>
+      </p:sp>
+      <p:sp>
+        <p:nvSpPr>
+          <p:cNvPr id="5" name="Datumsplatzhalter 3">
+            <a:extLst>
+              <a:ext uri="{FF2B5EF4-FFF2-40B4-BE49-F238E27FC236}">
+                <a16:creationId xmlns:a16="http://schemas.microsoft.com/office/drawing/2014/main" id="{B800FDD4-B403-A3E2-D0D5-FFCA3B25CF0C}"/>
+              </a:ext>
+            </a:extLst>
+          </p:cNvPr>
+          <p:cNvSpPr>
+            <a:spLocks noGrp="1"/>
+          </p:cNvSpPr>
+          <p:nvPr>
+            <p:ph type="dt" sz="half" idx="12"/>
+          </p:nvPr>
+        </p:nvSpPr>
+        <p:spPr>
+          <a:xfrm>
+            <a:off x="543379" y="6575265"/>
+            <a:ext cx="1524000" cy="283234"/>
+          </a:xfrm>
+        </p:spPr>
+        <p:txBody>
+          <a:bodyPr/>
+          <a:lstStyle/>
+          <a:p>
+            <a:pPr>
+              <a:defRPr/>
+            </a:pPr>
+            <a:r>
+              <a:rPr lang="de-DE" dirty="0"/>
+              <a:t>31.01.2026</a:t>
+            </a:r>
+          </a:p>
+        </p:txBody>
+      </p:sp>
+      <p:sp>
+        <p:nvSpPr>
+          <p:cNvPr id="4" name="Fußzeilenplatzhalter 2">
+            <a:extLst>
+              <a:ext uri="{FF2B5EF4-FFF2-40B4-BE49-F238E27FC236}">
+                <a16:creationId xmlns:a16="http://schemas.microsoft.com/office/drawing/2014/main" id="{382C9F93-3D69-EBF3-1256-A4D6F9090C9C}"/>
+              </a:ext>
+            </a:extLst>
+          </p:cNvPr>
+          <p:cNvSpPr>
+            <a:spLocks noGrp="1"/>
+          </p:cNvSpPr>
+          <p:nvPr>
+            <p:ph type="ftr" sz="quarter" idx="11"/>
+          </p:nvPr>
+        </p:nvSpPr>
+        <p:spPr>
+          <a:xfrm>
+            <a:off x="1790700" y="6571896"/>
+            <a:ext cx="5562600" cy="283234"/>
+          </a:xfrm>
+        </p:spPr>
+        <p:txBody>
+          <a:bodyPr/>
+          <a:lstStyle/>
+          <a:p>
+            <a:r>
+              <a:rPr lang="en-GB" dirty="0" err="1"/>
+              <a:t>Forschungsfrage</a:t>
+            </a:r>
+            <a:r>
+              <a:rPr lang="en-GB" dirty="0"/>
+              <a:t> 2</a:t>
+            </a:r>
+            <a:endParaRPr lang="de-DE" dirty="0"/>
+          </a:p>
+        </p:txBody>
+      </p:sp>
+      <p:sp>
+        <p:nvSpPr>
+          <p:cNvPr id="10" name="Textfeld 9">
+            <a:extLst>
+              <a:ext uri="{FF2B5EF4-FFF2-40B4-BE49-F238E27FC236}">
+                <a16:creationId xmlns:a16="http://schemas.microsoft.com/office/drawing/2014/main" id="{4BB49553-4FA2-C950-D1A0-87D5544BDF63}"/>
+              </a:ext>
+            </a:extLst>
+          </p:cNvPr>
+          <p:cNvSpPr txBox="1"/>
+          <p:nvPr/>
+        </p:nvSpPr>
+        <p:spPr bwMode="auto">
+          <a:xfrm>
+            <a:off x="266351" y="1015075"/>
+            <a:ext cx="8611298" cy="2246769"/>
+          </a:xfrm>
+          <a:prstGeom prst="rect">
+            <a:avLst/>
+          </a:prstGeom>
+          <a:noFill/>
+          <a:ln w="12700">
+            <a:noFill/>
+          </a:ln>
+          <a:effectLst/>
+        </p:spPr>
+        <p:txBody>
+          <a:bodyPr wrap="square">
+            <a:spAutoFit/>
+          </a:bodyPr>
+          <a:lstStyle/>
+          <a:p>
+            <a:pPr marL="342900" indent="-342900">
+              <a:buFont typeface="Arial" panose="020B0604020202020204" pitchFamily="34" charset="0"/>
+              <a:buChar char="•"/>
+            </a:pPr>
+            <a:r>
+              <a:rPr lang="de-DE" sz="2000" dirty="0"/>
+              <a:t>Neues Set simulierter Phishing-E-Mails</a:t>
+            </a:r>
+          </a:p>
+          <a:p>
+            <a:pPr marL="342900" indent="-342900">
+              <a:buFont typeface="Arial" panose="020B0604020202020204" pitchFamily="34" charset="0"/>
+              <a:buChar char="•"/>
+            </a:pPr>
+            <a:r>
+              <a:rPr lang="de-DE" sz="2000" dirty="0"/>
+              <a:t>Vermeidung von Wiedererkennungseffekten</a:t>
+            </a:r>
+          </a:p>
+          <a:p>
+            <a:pPr marL="342900" indent="-342900">
+              <a:buFont typeface="Arial" panose="020B0604020202020204" pitchFamily="34" charset="0"/>
+              <a:buChar char="•"/>
+            </a:pPr>
+            <a:r>
+              <a:rPr lang="de-DE" sz="2000" dirty="0"/>
+              <a:t>Messgrößen:  </a:t>
+            </a:r>
+          </a:p>
+          <a:p>
+            <a:pPr marL="800100" lvl="1" indent="-342900">
+              <a:buFont typeface="Arial" panose="020B0604020202020204" pitchFamily="34" charset="0"/>
+              <a:buChar char="•"/>
+            </a:pPr>
+            <a:r>
+              <a:rPr lang="de-DE" sz="2000" dirty="0"/>
+              <a:t>Erkennungsrate</a:t>
+            </a:r>
+          </a:p>
+          <a:p>
+            <a:pPr marL="800100" lvl="1" indent="-342900">
+              <a:buFont typeface="Arial" panose="020B0604020202020204" pitchFamily="34" charset="0"/>
+              <a:buChar char="•"/>
+            </a:pPr>
+            <a:r>
+              <a:rPr lang="de-DE" sz="2000" dirty="0"/>
+              <a:t>Klickrate</a:t>
+            </a:r>
+          </a:p>
+          <a:p>
+            <a:pPr marL="342900" indent="-342900">
+              <a:buFont typeface="Arial" panose="020B0604020202020204" pitchFamily="34" charset="0"/>
+              <a:buChar char="•"/>
+            </a:pPr>
+            <a:r>
+              <a:rPr lang="de-DE" sz="2000" dirty="0"/>
+              <a:t>Optional: Selbstwirksamkeit</a:t>
+            </a:r>
+          </a:p>
+          <a:p>
+            <a:pPr marL="342900" indent="-342900">
+              <a:buFont typeface="Arial" panose="020B0604020202020204" pitchFamily="34" charset="0"/>
+              <a:buChar char="•"/>
+            </a:pPr>
+            <a:r>
+              <a:rPr lang="de-DE" sz="2000" dirty="0"/>
+              <a:t>Statistische Auswertung: Mixed ANOVA</a:t>
+            </a:r>
+          </a:p>
+        </p:txBody>
+      </p:sp>
+      <p:pic>
+        <p:nvPicPr>
+          <p:cNvPr id="2052" name="Picture 4" descr="What is phishing | Attack techniques &amp; scam examples | Imperva">
+            <a:extLst>
+              <a:ext uri="{FF2B5EF4-FFF2-40B4-BE49-F238E27FC236}">
+                <a16:creationId xmlns:a16="http://schemas.microsoft.com/office/drawing/2014/main" id="{485857A7-5372-9B3F-491D-947AAD7BEF68}"/>
+              </a:ext>
+            </a:extLst>
+          </p:cNvPr>
+          <p:cNvPicPr>
+            <a:picLocks noChangeAspect="1" noChangeArrowheads="1"/>
+          </p:cNvPicPr>
+          <p:nvPr/>
+        </p:nvPicPr>
+        <p:blipFill>
+          <a:blip r:embed="rId3" cstate="print">
+            <a:extLst>
+              <a:ext uri="{28A0092B-C50C-407E-A947-70E740481C1C}">
+                <a14:useLocalDpi xmlns:a14="http://schemas.microsoft.com/office/drawing/2010/main" val="0"/>
+              </a:ext>
+            </a:extLst>
+          </a:blip>
+          <a:srcRect/>
+          <a:stretch>
+            <a:fillRect/>
+          </a:stretch>
+        </p:blipFill>
+        <p:spPr bwMode="auto">
+          <a:xfrm>
+            <a:off x="5803941" y="1108405"/>
+            <a:ext cx="3098718" cy="2155123"/>
+          </a:xfrm>
+          <a:prstGeom prst="rect">
+            <a:avLst/>
+          </a:prstGeom>
+          <a:noFill/>
+          <a:extLst>
+            <a:ext uri="{909E8E84-426E-40DD-AFC4-6F175D3DCCD1}">
+              <a14:hiddenFill xmlns:a14="http://schemas.microsoft.com/office/drawing/2010/main">
+                <a:solidFill>
+                  <a:srgbClr val="FFFFFF"/>
+                </a:solidFill>
+              </a14:hiddenFill>
+            </a:ext>
+          </a:extLst>
+        </p:spPr>
+      </p:pic>
+      <p:pic>
+        <p:nvPicPr>
+          <p:cNvPr id="2055" name="Picture 7" descr="Train Your Office 365 Users Against Phishing Attacks using ...">
+            <a:extLst>
+              <a:ext uri="{FF2B5EF4-FFF2-40B4-BE49-F238E27FC236}">
+                <a16:creationId xmlns:a16="http://schemas.microsoft.com/office/drawing/2014/main" id="{7D084893-ADA1-FBEF-CBC8-C9189752FE1B}"/>
+              </a:ext>
+            </a:extLst>
+          </p:cNvPr>
+          <p:cNvPicPr>
+            <a:picLocks noChangeAspect="1" noChangeArrowheads="1"/>
+          </p:cNvPicPr>
+          <p:nvPr/>
+        </p:nvPicPr>
+        <p:blipFill>
+          <a:blip r:embed="rId4" cstate="print">
+            <a:extLst>
+              <a:ext uri="{28A0092B-C50C-407E-A947-70E740481C1C}">
+                <a14:useLocalDpi xmlns:a14="http://schemas.microsoft.com/office/drawing/2010/main" val="0"/>
+              </a:ext>
+            </a:extLst>
+          </a:blip>
+          <a:srcRect/>
+          <a:stretch>
+            <a:fillRect/>
+          </a:stretch>
+        </p:blipFill>
+        <p:spPr bwMode="auto">
+          <a:xfrm>
+            <a:off x="5986715" y="3792643"/>
+            <a:ext cx="3098718" cy="2246769"/>
+          </a:xfrm>
+          <a:prstGeom prst="rect">
+            <a:avLst/>
+          </a:prstGeom>
+          <a:noFill/>
+          <a:extLst>
+            <a:ext uri="{909E8E84-426E-40DD-AFC4-6F175D3DCCD1}">
+              <a14:hiddenFill xmlns:a14="http://schemas.microsoft.com/office/drawing/2010/main">
+                <a:solidFill>
+                  <a:srgbClr val="FFFFFF"/>
+                </a:solidFill>
+              </a14:hiddenFill>
+            </a:ext>
+          </a:extLst>
+        </p:spPr>
+      </p:pic>
+    </p:spTree>
+    <p:extLst>
+      <p:ext uri="{BB962C8B-B14F-4D97-AF65-F5344CB8AC3E}">
+        <p14:creationId xmlns:p14="http://schemas.microsoft.com/office/powerpoint/2010/main" val="3503942070"/>
+      </p:ext>
+    </p:extLst>
+  </p:cSld>
+  <p:clrMapOvr>
+    <a:masterClrMapping/>
+  </p:clrMapOvr>
+</p:sld>
+</file>
+
+<file path=ppt/slides/slide16.xml><?xml version="1.0" encoding="utf-8"?>
+<p:sld xmlns:a="http://schemas.openxmlformats.org/drawingml/2006/main" xmlns:r="http://schemas.openxmlformats.org/officeDocument/2006/relationships" xmlns:p="http://schemas.openxmlformats.org/presentationml/2006/main">
+  <p:cSld>
+    <p:spTree>
+      <p:nvGrpSpPr>
+        <p:cNvPr id="1" name="">
+          <a:extLst>
+            <a:ext uri="{FF2B5EF4-FFF2-40B4-BE49-F238E27FC236}">
+              <a16:creationId xmlns:a16="http://schemas.microsoft.com/office/drawing/2014/main" id="{30F19111-FDE5-7AD1-39A4-BFF1698A1A49}"/>
+            </a:ext>
+          </a:extLst>
+        </p:cNvPr>
+        <p:cNvGrpSpPr/>
+        <p:nvPr/>
+      </p:nvGrpSpPr>
+      <p:grpSpPr>
+        <a:xfrm>
+          <a:off x="0" y="0"/>
+          <a:ext cx="0" cy="0"/>
+          <a:chOff x="0" y="0"/>
+          <a:chExt cx="0" cy="0"/>
+        </a:xfrm>
+      </p:grpSpPr>
+      <p:sp>
+        <p:nvSpPr>
+          <p:cNvPr id="2" name="Foliennummernplatzhalter 1">
+            <a:extLst>
+              <a:ext uri="{FF2B5EF4-FFF2-40B4-BE49-F238E27FC236}">
+                <a16:creationId xmlns:a16="http://schemas.microsoft.com/office/drawing/2014/main" id="{BC332D1C-06D3-6170-6874-FA087E8BA3D0}"/>
+              </a:ext>
+            </a:extLst>
+          </p:cNvPr>
+          <p:cNvSpPr>
+            <a:spLocks noGrp="1"/>
+          </p:cNvSpPr>
+          <p:nvPr>
+            <p:ph type="sldNum" sz="quarter" idx="10"/>
+          </p:nvPr>
+        </p:nvSpPr>
+        <p:spPr/>
+        <p:txBody>
+          <a:bodyPr/>
+          <a:lstStyle/>
+          <a:p>
+            <a:pPr>
+              <a:defRPr/>
+            </a:pPr>
+            <a:fld id="{2A3A57D9-08E7-4A35-820C-6C5F68307974}" type="slidenum">
+              <a:rPr lang="de-DE" smtClean="0"/>
+              <a:pPr>
+                <a:defRPr/>
+              </a:pPr>
+              <a:t>16</a:t>
+            </a:fld>
+            <a:endParaRPr lang="de-DE"/>
+          </a:p>
+        </p:txBody>
+      </p:sp>
+      <p:sp>
+        <p:nvSpPr>
+          <p:cNvPr id="6" name="Textplatzhalter 5">
+            <a:extLst>
+              <a:ext uri="{FF2B5EF4-FFF2-40B4-BE49-F238E27FC236}">
+                <a16:creationId xmlns:a16="http://schemas.microsoft.com/office/drawing/2014/main" id="{B94445E7-F081-5126-85B3-7B712A1FFF46}"/>
+              </a:ext>
+            </a:extLst>
+          </p:cNvPr>
+          <p:cNvSpPr>
+            <a:spLocks noGrp="1"/>
+          </p:cNvSpPr>
+          <p:nvPr>
+            <p:ph type="body" sz="quarter" idx="13"/>
+          </p:nvPr>
+        </p:nvSpPr>
+        <p:spPr/>
+        <p:txBody>
+          <a:bodyPr/>
+          <a:lstStyle/>
+          <a:p>
+            <a:r>
+              <a:rPr lang="en-GB" dirty="0" err="1"/>
+              <a:t>Fazit</a:t>
+            </a:r>
+            <a:r>
+              <a:rPr lang="en-GB" dirty="0"/>
+              <a:t> &amp; </a:t>
+            </a:r>
+            <a:r>
+              <a:rPr lang="en-GB" dirty="0" err="1"/>
+              <a:t>Ausblick</a:t>
+            </a:r>
+            <a:endParaRPr lang="de-DE" dirty="0"/>
+          </a:p>
+        </p:txBody>
+      </p:sp>
+      <p:sp>
+        <p:nvSpPr>
+          <p:cNvPr id="9" name="Textfeld 8">
+            <a:extLst>
+              <a:ext uri="{FF2B5EF4-FFF2-40B4-BE49-F238E27FC236}">
+                <a16:creationId xmlns:a16="http://schemas.microsoft.com/office/drawing/2014/main" id="{1731799A-0128-02A7-375B-906A5C6AA89B}"/>
+              </a:ext>
+            </a:extLst>
+          </p:cNvPr>
+          <p:cNvSpPr txBox="1"/>
+          <p:nvPr/>
+        </p:nvSpPr>
+        <p:spPr bwMode="auto">
+          <a:xfrm>
+            <a:off x="6291943" y="2895600"/>
+            <a:ext cx="0" cy="0"/>
+          </a:xfrm>
+          <a:prstGeom prst="rect">
+            <a:avLst/>
+          </a:prstGeom>
+          <a:noFill/>
+          <a:ln w="12700">
+            <a:noFill/>
+          </a:ln>
+          <a:effectLst/>
+        </p:spPr>
+        <p:txBody>
+          <a:bodyPr vert="horz" wrap="none" lIns="36000" tIns="36000" rIns="36000" bIns="36000" numCol="1" rtlCol="0" anchor="t" anchorCtr="0" compatLnSpc="1">
+            <a:prstTxWarp prst="textNoShape">
+              <a:avLst/>
+            </a:prstTxWarp>
+            <a:noAutofit/>
+          </a:bodyPr>
+          <a:lstStyle/>
+          <a:p>
+            <a:pPr marL="0" marR="0" indent="0" defTabSz="914400" rtl="0" eaLnBrk="1" fontAlgn="base" latinLnBrk="0" hangingPunct="1">
+              <a:lnSpc>
+                <a:spcPct val="100000"/>
+              </a:lnSpc>
+              <a:spcBef>
+                <a:spcPts val="0"/>
+              </a:spcBef>
+              <a:spcAft>
+                <a:spcPts val="600"/>
+              </a:spcAft>
+              <a:buClr>
+                <a:srgbClr val="23A092"/>
+              </a:buClr>
+              <a:buSzPct val="80000"/>
+              <a:buFont typeface="Wingdings" pitchFamily="2" charset="2"/>
+              <a:buNone/>
+              <a:tabLst/>
+            </a:pPr>
+            <a:endParaRPr kumimoji="0" lang="de-DE" sz="1400" b="0" i="0" u="none" strike="noStrike" kern="0" cap="none" spc="0" normalizeH="0" baseline="0" noProof="0" err="1">
+              <a:ln>
+                <a:noFill/>
+              </a:ln>
+              <a:solidFill>
+                <a:schemeClr val="tx1"/>
+              </a:solidFill>
+              <a:effectLst/>
+              <a:uLnTx/>
+              <a:uFillTx/>
+              <a:latin typeface="+mn-lt"/>
+            </a:endParaRPr>
+          </a:p>
+        </p:txBody>
+      </p:sp>
+      <p:sp>
+        <p:nvSpPr>
+          <p:cNvPr id="3" name="Ellipse 2">
+            <a:extLst>
+              <a:ext uri="{FF2B5EF4-FFF2-40B4-BE49-F238E27FC236}">
+                <a16:creationId xmlns:a16="http://schemas.microsoft.com/office/drawing/2014/main" id="{213027E6-CD16-5541-581B-8AD037CFD9EA}"/>
+              </a:ext>
+            </a:extLst>
+          </p:cNvPr>
+          <p:cNvSpPr/>
+          <p:nvPr/>
+        </p:nvSpPr>
+        <p:spPr>
+          <a:xfrm>
+            <a:off x="6854181" y="4442346"/>
+            <a:ext cx="2023468" cy="2023468"/>
+          </a:xfrm>
+          <a:prstGeom prst="ellipse">
+            <a:avLst/>
+          </a:prstGeom>
+          <a:solidFill>
+            <a:schemeClr val="accent2"/>
+          </a:solidFill>
+          <a:ln w="19050">
+            <a:solidFill>
+              <a:schemeClr val="accent1">
+                <a:lumMod val="75000"/>
+              </a:schemeClr>
+            </a:solidFill>
+          </a:ln>
+          <a:effectLst/>
+        </p:spPr>
+        <p:style>
+          <a:lnRef idx="2">
+            <a:schemeClr val="accent1">
+              <a:shade val="50000"/>
+            </a:schemeClr>
+          </a:lnRef>
+          <a:fillRef idx="1">
+            <a:schemeClr val="accent1"/>
+          </a:fillRef>
+          <a:effectRef idx="0">
+            <a:schemeClr val="accent1"/>
+          </a:effectRef>
+          <a:fontRef idx="minor">
+            <a:schemeClr val="lt1"/>
+          </a:fontRef>
+        </p:style>
+        <p:txBody>
+          <a:bodyPr rot="0" spcFirstLastPara="0" vertOverflow="overflow" horzOverflow="overflow" vert="horz" wrap="square" lIns="36000" tIns="36000" rIns="36000" bIns="36000" numCol="1" spcCol="0" rtlCol="0" fromWordArt="0" anchor="t" anchorCtr="0" forceAA="0" compatLnSpc="1">
+            <a:prstTxWarp prst="textNoShape">
+              <a:avLst/>
+            </a:prstTxWarp>
+            <a:noAutofit/>
+          </a:bodyPr>
+          <a:lstStyle/>
+          <a:p>
+            <a:pPr algn="ctr"/>
+            <a:endParaRPr lang="de-DE" sz="1800" err="1">
+              <a:solidFill>
+                <a:schemeClr val="tx1"/>
+              </a:solidFill>
+            </a:endParaRPr>
+          </a:p>
+        </p:txBody>
+      </p:sp>
+      <p:sp>
+        <p:nvSpPr>
+          <p:cNvPr id="5" name="Datumsplatzhalter 3">
+            <a:extLst>
+              <a:ext uri="{FF2B5EF4-FFF2-40B4-BE49-F238E27FC236}">
+                <a16:creationId xmlns:a16="http://schemas.microsoft.com/office/drawing/2014/main" id="{2E3F0B3D-659C-B210-C219-DE9215E4B1FB}"/>
+              </a:ext>
+            </a:extLst>
+          </p:cNvPr>
+          <p:cNvSpPr>
+            <a:spLocks noGrp="1"/>
+          </p:cNvSpPr>
+          <p:nvPr>
+            <p:ph type="dt" sz="half" idx="12"/>
+          </p:nvPr>
+        </p:nvSpPr>
+        <p:spPr>
+          <a:xfrm>
+            <a:off x="543379" y="6575265"/>
+            <a:ext cx="1524000" cy="283234"/>
+          </a:xfrm>
+        </p:spPr>
+        <p:txBody>
+          <a:bodyPr/>
+          <a:lstStyle/>
+          <a:p>
+            <a:pPr>
+              <a:defRPr/>
+            </a:pPr>
+            <a:r>
+              <a:rPr lang="de-DE" dirty="0"/>
+              <a:t>31.01.2026</a:t>
+            </a:r>
+          </a:p>
+        </p:txBody>
+      </p:sp>
+      <p:sp>
+        <p:nvSpPr>
+          <p:cNvPr id="4" name="Fußzeilenplatzhalter 2">
+            <a:extLst>
+              <a:ext uri="{FF2B5EF4-FFF2-40B4-BE49-F238E27FC236}">
+                <a16:creationId xmlns:a16="http://schemas.microsoft.com/office/drawing/2014/main" id="{0C773C88-DFD9-FAA9-BA9F-2AB692582A43}"/>
+              </a:ext>
+            </a:extLst>
+          </p:cNvPr>
+          <p:cNvSpPr>
+            <a:spLocks noGrp="1"/>
+          </p:cNvSpPr>
+          <p:nvPr>
+            <p:ph type="ftr" sz="quarter" idx="11"/>
+          </p:nvPr>
+        </p:nvSpPr>
+        <p:spPr>
+          <a:xfrm>
+            <a:off x="1790700" y="6571896"/>
+            <a:ext cx="5562600" cy="283234"/>
+          </a:xfrm>
+        </p:spPr>
+        <p:txBody>
+          <a:bodyPr/>
+          <a:lstStyle/>
+          <a:p>
+            <a:r>
+              <a:rPr lang="en-GB" dirty="0" err="1"/>
+              <a:t>Forschungsfrage</a:t>
+            </a:r>
+            <a:r>
+              <a:rPr lang="en-GB" dirty="0"/>
+              <a:t> 2</a:t>
+            </a:r>
+            <a:endParaRPr lang="de-DE" dirty="0"/>
+          </a:p>
+        </p:txBody>
+      </p:sp>
+      <p:sp>
+        <p:nvSpPr>
+          <p:cNvPr id="10" name="Textfeld 9">
+            <a:extLst>
+              <a:ext uri="{FF2B5EF4-FFF2-40B4-BE49-F238E27FC236}">
+                <a16:creationId xmlns:a16="http://schemas.microsoft.com/office/drawing/2014/main" id="{CF7EED5E-1E2F-D3FA-0A89-DAF1E9A0111D}"/>
+              </a:ext>
+            </a:extLst>
+          </p:cNvPr>
+          <p:cNvSpPr txBox="1"/>
+          <p:nvPr/>
+        </p:nvSpPr>
+        <p:spPr bwMode="auto">
+          <a:xfrm>
+            <a:off x="266351" y="1015075"/>
+            <a:ext cx="8611298" cy="1631216"/>
+          </a:xfrm>
+          <a:prstGeom prst="rect">
+            <a:avLst/>
+          </a:prstGeom>
+          <a:noFill/>
+          <a:ln w="12700">
+            <a:noFill/>
+          </a:ln>
+          <a:effectLst/>
+        </p:spPr>
+        <p:txBody>
+          <a:bodyPr wrap="square">
+            <a:spAutoFit/>
+          </a:bodyPr>
+          <a:lstStyle/>
+          <a:p>
+            <a:pPr marL="342900" indent="-342900">
+              <a:buFont typeface="Arial" panose="020B0604020202020204" pitchFamily="34" charset="0"/>
+              <a:buChar char="•"/>
+            </a:pPr>
+            <a:r>
+              <a:rPr lang="de-DE" sz="2000" dirty="0"/>
+              <a:t>Vergleich zweier Lehrmethoden</a:t>
+            </a:r>
+          </a:p>
+          <a:p>
+            <a:pPr marL="342900" indent="-342900">
+              <a:buFont typeface="Arial" panose="020B0604020202020204" pitchFamily="34" charset="0"/>
+              <a:buChar char="•"/>
+            </a:pPr>
+            <a:r>
+              <a:rPr lang="de-DE" sz="2000" dirty="0"/>
+              <a:t>Fokus auf Nachhaltigkeit des Lernens</a:t>
+            </a:r>
+          </a:p>
+          <a:p>
+            <a:pPr marL="342900" indent="-342900">
+              <a:buFont typeface="Arial" panose="020B0604020202020204" pitchFamily="34" charset="0"/>
+              <a:buChar char="•"/>
+            </a:pPr>
+            <a:r>
+              <a:rPr lang="de-DE" sz="2000" dirty="0"/>
+              <a:t>Erwartung: stabilere Effekte bei interaktiver Methode</a:t>
+            </a:r>
+          </a:p>
+          <a:p>
+            <a:pPr marL="342900" indent="-342900">
+              <a:buFont typeface="Arial" panose="020B0604020202020204" pitchFamily="34" charset="0"/>
+              <a:buChar char="•"/>
+            </a:pPr>
+            <a:r>
+              <a:rPr lang="de-DE" sz="2000" dirty="0"/>
+              <a:t>Praktischer Nutzen für Schulungskonzepte</a:t>
+            </a:r>
+          </a:p>
+          <a:p>
+            <a:pPr marL="342900" indent="-342900">
+              <a:buFont typeface="Arial" panose="020B0604020202020204" pitchFamily="34" charset="0"/>
+              <a:buChar char="•"/>
+            </a:pPr>
+            <a:r>
+              <a:rPr lang="de-DE" sz="2000" dirty="0"/>
+              <a:t>Methodische Grenzen der Studie</a:t>
+            </a:r>
+          </a:p>
+        </p:txBody>
+      </p:sp>
+    </p:spTree>
+    <p:extLst>
+      <p:ext uri="{BB962C8B-B14F-4D97-AF65-F5344CB8AC3E}">
+        <p14:creationId xmlns:p14="http://schemas.microsoft.com/office/powerpoint/2010/main" val="3388799279"/>
+      </p:ext>
+    </p:extLst>
+  </p:cSld>
+  <p:clrMapOvr>
+    <a:masterClrMapping/>
+  </p:clrMapOvr>
+</p:sld>
+</file>
+
+<file path=ppt/slides/slide17.xml><?xml version="1.0" encoding="utf-8"?>
+<p:sld xmlns:a="http://schemas.openxmlformats.org/drawingml/2006/main" xmlns:r="http://schemas.openxmlformats.org/officeDocument/2006/relationships" xmlns:p="http://schemas.openxmlformats.org/presentationml/2006/main">
+  <p:cSld>
+    <p:spTree>
+      <p:nvGrpSpPr>
+        <p:cNvPr id="1" name="">
+          <a:extLst>
+            <a:ext uri="{FF2B5EF4-FFF2-40B4-BE49-F238E27FC236}">
+              <a16:creationId xmlns:a16="http://schemas.microsoft.com/office/drawing/2014/main" id="{0A05B25C-6734-6814-F440-5C606132714E}"/>
+            </a:ext>
+          </a:extLst>
+        </p:cNvPr>
+        <p:cNvGrpSpPr/>
+        <p:nvPr/>
+      </p:nvGrpSpPr>
+      <p:grpSpPr>
+        <a:xfrm>
+          <a:off x="0" y="0"/>
+          <a:ext cx="0" cy="0"/>
+          <a:chOff x="0" y="0"/>
+          <a:chExt cx="0" cy="0"/>
+        </a:xfrm>
+      </p:grpSpPr>
+      <p:sp>
+        <p:nvSpPr>
+          <p:cNvPr id="2" name="Foliennummernplatzhalter 1">
+            <a:extLst>
+              <a:ext uri="{FF2B5EF4-FFF2-40B4-BE49-F238E27FC236}">
+                <a16:creationId xmlns:a16="http://schemas.microsoft.com/office/drawing/2014/main" id="{EA9B7B71-8A98-B384-C136-EDCEABBED219}"/>
+              </a:ext>
+            </a:extLst>
+          </p:cNvPr>
+          <p:cNvSpPr>
+            <a:spLocks noGrp="1"/>
+          </p:cNvSpPr>
+          <p:nvPr>
+            <p:ph type="sldNum" sz="quarter" idx="10"/>
+          </p:nvPr>
+        </p:nvSpPr>
+        <p:spPr/>
+        <p:txBody>
+          <a:bodyPr/>
+          <a:lstStyle/>
+          <a:p>
+            <a:pPr>
+              <a:defRPr/>
+            </a:pPr>
+            <a:fld id="{2A3A57D9-08E7-4A35-820C-6C5F68307974}" type="slidenum">
+              <a:rPr lang="de-DE" smtClean="0"/>
+              <a:pPr>
+                <a:defRPr/>
+              </a:pPr>
+              <a:t>17</a:t>
+            </a:fld>
+            <a:endParaRPr lang="de-DE"/>
+          </a:p>
+        </p:txBody>
+      </p:sp>
+      <p:sp>
+        <p:nvSpPr>
+          <p:cNvPr id="3" name="Fußzeilenplatzhalter 2">
+            <a:extLst>
+              <a:ext uri="{FF2B5EF4-FFF2-40B4-BE49-F238E27FC236}">
+                <a16:creationId xmlns:a16="http://schemas.microsoft.com/office/drawing/2014/main" id="{2D578570-FAE4-3D3E-793C-2542A6C8BC5F}"/>
+              </a:ext>
+            </a:extLst>
+          </p:cNvPr>
+          <p:cNvSpPr>
+            <a:spLocks noGrp="1"/>
+          </p:cNvSpPr>
+          <p:nvPr>
+            <p:ph type="ftr" sz="quarter" idx="11"/>
+          </p:nvPr>
+        </p:nvSpPr>
+        <p:spPr/>
+        <p:txBody>
+          <a:bodyPr/>
+          <a:lstStyle/>
+          <a:p>
+            <a:pPr>
+              <a:defRPr/>
+            </a:pPr>
+            <a:r>
+              <a:rPr lang="de-DE" dirty="0"/>
+              <a:t>Quellenangaben</a:t>
+            </a:r>
+          </a:p>
+        </p:txBody>
+      </p:sp>
+      <p:sp>
+        <p:nvSpPr>
+          <p:cNvPr id="7" name="Textplatzhalter 6">
+            <a:extLst>
+              <a:ext uri="{FF2B5EF4-FFF2-40B4-BE49-F238E27FC236}">
+                <a16:creationId xmlns:a16="http://schemas.microsoft.com/office/drawing/2014/main" id="{5F848428-EF5B-40E9-3E3C-C407247FB086}"/>
+              </a:ext>
+            </a:extLst>
+          </p:cNvPr>
+          <p:cNvSpPr>
+            <a:spLocks noGrp="1"/>
+          </p:cNvSpPr>
+          <p:nvPr>
+            <p:ph type="body" sz="quarter" idx="13"/>
+          </p:nvPr>
+        </p:nvSpPr>
+        <p:spPr/>
+        <p:txBody>
+          <a:bodyPr/>
+          <a:lstStyle/>
+          <a:p>
+            <a:r>
+              <a:rPr lang="de-DE" dirty="0">
+                <a:cs typeface="Arial"/>
+              </a:rPr>
+              <a:t>Quellenangaben</a:t>
+            </a:r>
+          </a:p>
+        </p:txBody>
+      </p:sp>
+      <p:sp>
+        <p:nvSpPr>
+          <p:cNvPr id="9" name="Textfeld 8">
+            <a:extLst>
+              <a:ext uri="{FF2B5EF4-FFF2-40B4-BE49-F238E27FC236}">
+                <a16:creationId xmlns:a16="http://schemas.microsoft.com/office/drawing/2014/main" id="{ACFF11EE-AD89-EE46-B196-56E9F4AB06FA}"/>
+              </a:ext>
+            </a:extLst>
+          </p:cNvPr>
+          <p:cNvSpPr txBox="1"/>
+          <p:nvPr/>
+        </p:nvSpPr>
+        <p:spPr bwMode="auto">
+          <a:xfrm>
+            <a:off x="95534" y="858883"/>
+            <a:ext cx="8932460" cy="3539430"/>
+          </a:xfrm>
+          <a:prstGeom prst="rect">
+            <a:avLst/>
+          </a:prstGeom>
+          <a:noFill/>
+          <a:ln w="12700">
+            <a:noFill/>
+          </a:ln>
+          <a:effectLst/>
+        </p:spPr>
+        <p:txBody>
+          <a:bodyPr wrap="square">
+            <a:spAutoFit/>
+          </a:bodyPr>
+          <a:lstStyle/>
+          <a:p>
+            <a:r>
+              <a:rPr lang="en-US" sz="1600" b="0" i="1" dirty="0">
+                <a:effectLst/>
+                <a:latin typeface="+mj-lt"/>
+              </a:rPr>
+              <a:t>Gilliland, S. W. (1993). </a:t>
+            </a:r>
+            <a:r>
+              <a:rPr lang="en-US" sz="1600" b="0" dirty="0">
+                <a:effectLst/>
+                <a:latin typeface="+mj-lt"/>
+              </a:rPr>
+              <a:t>The perceived fairness of selection systems: An organizational justice perspective. Academy of Management Review, 18(4), 694–734.</a:t>
+            </a:r>
+          </a:p>
+          <a:p>
+            <a:endParaRPr lang="en-US" sz="1600" i="1" dirty="0">
+              <a:latin typeface="+mj-lt"/>
+            </a:endParaRPr>
+          </a:p>
+          <a:p>
+            <a:r>
+              <a:rPr lang="en-US" sz="1600" i="1" dirty="0">
+                <a:latin typeface="+mj-lt"/>
+              </a:rPr>
+              <a:t>Bauer, T. N., Truxillo, D. M., Tucker, J. S., Weathers, V., Bertolino, M., Erdogan, B., &amp; Campion</a:t>
+            </a:r>
+            <a:r>
+              <a:rPr lang="en-US" sz="1600" dirty="0">
+                <a:latin typeface="+mj-lt"/>
+              </a:rPr>
+              <a:t>, M. A. (2006). Selection in the information age: The impact of privacy concerns and computer experience on applicant reactions. Journal of Management, 32(5), 601–621</a:t>
+            </a:r>
+          </a:p>
+          <a:p>
+            <a:endParaRPr lang="en-US" sz="1600" dirty="0">
+              <a:latin typeface="+mj-lt"/>
+            </a:endParaRPr>
+          </a:p>
+          <a:p>
+            <a:r>
+              <a:rPr lang="en-US" sz="1600" i="1" dirty="0">
+                <a:latin typeface="+mj-lt"/>
+              </a:rPr>
+              <a:t>Mirowska, A. &amp; </a:t>
+            </a:r>
+            <a:r>
+              <a:rPr lang="en-US" sz="1600" i="1" dirty="0" err="1">
+                <a:latin typeface="+mj-lt"/>
+              </a:rPr>
+              <a:t>Mesnet</a:t>
+            </a:r>
+            <a:r>
+              <a:rPr lang="en-US" sz="1600" i="1" dirty="0">
+                <a:latin typeface="+mj-lt"/>
+              </a:rPr>
+              <a:t>, L. (2022).</a:t>
+            </a:r>
+            <a:r>
+              <a:rPr lang="en-US" sz="1600" dirty="0">
+                <a:latin typeface="+mj-lt"/>
+              </a:rPr>
+              <a:t> Preferring the devil I know: Potential applicant reactions to artificial intelligence evaluation of interviews. Human Resource Management Journal, 32(4), 864–883.</a:t>
+            </a:r>
+          </a:p>
+          <a:p>
+            <a:endParaRPr lang="en-US" sz="1600" dirty="0">
+              <a:latin typeface="+mj-lt"/>
+            </a:endParaRPr>
+          </a:p>
+          <a:p>
+            <a:r>
+              <a:rPr lang="en-US" sz="1600" i="1" dirty="0" err="1">
+                <a:latin typeface="+mj-lt"/>
+              </a:rPr>
+              <a:t>Köchling</a:t>
+            </a:r>
+            <a:r>
+              <a:rPr lang="en-US" sz="1600" i="1" dirty="0">
+                <a:latin typeface="+mj-lt"/>
+              </a:rPr>
+              <a:t>, A., Wehner, M. C., &amp; </a:t>
+            </a:r>
+            <a:r>
+              <a:rPr lang="en-US" sz="1600" i="1" dirty="0" err="1">
+                <a:latin typeface="+mj-lt"/>
+              </a:rPr>
+              <a:t>Warkocz</a:t>
+            </a:r>
+            <a:r>
+              <a:rPr lang="en-US" sz="1600" i="1" dirty="0">
+                <a:latin typeface="+mj-lt"/>
+              </a:rPr>
+              <a:t>, J. (2023). </a:t>
+            </a:r>
+            <a:r>
+              <a:rPr lang="en-US" sz="1600" dirty="0">
+                <a:latin typeface="+mj-lt"/>
+              </a:rPr>
+              <a:t>Can I show my skills? Affective responses to artificial intelligence in the recruitment process. Review of Managerial Science, 17, 2109–2138. (Das </a:t>
+            </a:r>
+            <a:r>
+              <a:rPr lang="en-US" sz="1600" dirty="0" err="1">
+                <a:latin typeface="+mj-lt"/>
+              </a:rPr>
+              <a:t>ist</a:t>
+            </a:r>
+            <a:r>
+              <a:rPr lang="en-US" sz="1600" dirty="0">
+                <a:latin typeface="+mj-lt"/>
+              </a:rPr>
+              <a:t> die Studie </a:t>
+            </a:r>
+            <a:r>
+              <a:rPr lang="en-US" sz="1600" dirty="0" err="1">
+                <a:latin typeface="+mj-lt"/>
+              </a:rPr>
+              <a:t>aus</a:t>
+            </a:r>
+            <a:r>
+              <a:rPr lang="en-US" sz="1600" dirty="0">
+                <a:latin typeface="+mj-lt"/>
+              </a:rPr>
+              <a:t> </a:t>
+            </a:r>
+            <a:r>
+              <a:rPr lang="en-US" sz="1600" dirty="0" err="1">
+                <a:latin typeface="+mj-lt"/>
+              </a:rPr>
+              <a:t>Ihrer</a:t>
+            </a:r>
+            <a:r>
+              <a:rPr lang="en-US" sz="1600" dirty="0">
+                <a:latin typeface="+mj-lt"/>
+              </a:rPr>
+              <a:t> Date</a:t>
+            </a:r>
+            <a:endParaRPr lang="de-DE" sz="1600" dirty="0">
+              <a:latin typeface="+mj-lt"/>
+            </a:endParaRPr>
+          </a:p>
+        </p:txBody>
+      </p:sp>
+    </p:spTree>
+    <p:extLst>
+      <p:ext uri="{BB962C8B-B14F-4D97-AF65-F5344CB8AC3E}">
+        <p14:creationId xmlns:p14="http://schemas.microsoft.com/office/powerpoint/2010/main" val="1095175797"/>
+      </p:ext>
+    </p:extLst>
+  </p:cSld>
+  <p:clrMapOvr>
+    <a:masterClrMapping/>
+  </p:clrMapOvr>
+</p:sld>
+</file>
+
+<file path=ppt/slides/slide2.xml><?xml version="1.0" encoding="utf-8"?>
+<p:sld xmlns:a="http://schemas.openxmlformats.org/drawingml/2006/main" xmlns:r="http://schemas.openxmlformats.org/officeDocument/2006/relationships" xmlns:p="http://schemas.openxmlformats.org/presentationml/2006/main" show="0">
+  <p:cSld>
+    <p:spTree>
+      <p:nvGrpSpPr>
+        <p:cNvPr id="1" name=""/>
+        <p:cNvGrpSpPr/>
+        <p:nvPr/>
+      </p:nvGrpSpPr>
+      <p:grpSpPr>
+        <a:xfrm>
+          <a:off x="0" y="0"/>
+          <a:ext cx="0" cy="0"/>
+          <a:chOff x="0" y="0"/>
+          <a:chExt cx="0" cy="0"/>
+        </a:xfrm>
+      </p:grpSpPr>
+      <p:sp>
+        <p:nvSpPr>
+          <p:cNvPr id="2" name="Foliennummernplatzhalter 1">
+            <a:extLst>
+              <a:ext uri="{FF2B5EF4-FFF2-40B4-BE49-F238E27FC236}">
+                <a16:creationId xmlns:a16="http://schemas.microsoft.com/office/drawing/2014/main" id="{DB701A09-45CE-42A0-A81D-5DC919EB421F}"/>
+              </a:ext>
+            </a:extLst>
+          </p:cNvPr>
+          <p:cNvSpPr>
+            <a:spLocks noGrp="1"/>
+          </p:cNvSpPr>
+          <p:nvPr>
+            <p:ph type="sldNum" sz="quarter" idx="10"/>
+          </p:nvPr>
+        </p:nvSpPr>
+        <p:spPr/>
+        <p:txBody>
+          <a:bodyPr/>
+          <a:lstStyle/>
+          <a:p>
+            <a:pPr>
+              <a:defRPr/>
+            </a:pPr>
+            <a:fld id="{2A3A57D9-08E7-4A35-820C-6C5F68307974}" type="slidenum">
+              <a:rPr lang="de-DE" smtClean="0"/>
+              <a:pPr>
+                <a:defRPr/>
+              </a:pPr>
+              <a:t>2</a:t>
+            </a:fld>
+            <a:endParaRPr lang="de-DE"/>
+          </a:p>
+        </p:txBody>
+      </p:sp>
+      <p:sp>
+        <p:nvSpPr>
+          <p:cNvPr id="4" name="Datumsplatzhalter 3">
+            <a:extLst>
+              <a:ext uri="{FF2B5EF4-FFF2-40B4-BE49-F238E27FC236}">
+                <a16:creationId xmlns:a16="http://schemas.microsoft.com/office/drawing/2014/main" id="{A236E11E-05F3-4C87-AF1F-CBCB35A3A50D}"/>
+              </a:ext>
+            </a:extLst>
+          </p:cNvPr>
+          <p:cNvSpPr>
+            <a:spLocks noGrp="1"/>
+          </p:cNvSpPr>
+          <p:nvPr>
+            <p:ph type="dt" sz="half" idx="12"/>
+          </p:nvPr>
+        </p:nvSpPr>
+        <p:spPr>
+          <a:xfrm>
+            <a:off x="543379" y="6575265"/>
+            <a:ext cx="1524000" cy="283234"/>
+          </a:xfrm>
+        </p:spPr>
+        <p:txBody>
+          <a:bodyPr/>
+          <a:lstStyle/>
+          <a:p>
+            <a:pPr>
+              <a:defRPr/>
+            </a:pPr>
+            <a:fld id="{9338910D-6BF9-4DAD-BD39-5E8F1176E68E}" type="datetime1">
+              <a:rPr lang="de-DE" smtClean="0"/>
+              <a:t>12.01.2026</a:t>
+            </a:fld>
+            <a:endParaRPr lang="de-DE" dirty="0"/>
+          </a:p>
+        </p:txBody>
+      </p:sp>
+      <p:sp>
+        <p:nvSpPr>
+          <p:cNvPr id="7" name="Textplatzhalter 6">
+            <a:extLst>
+              <a:ext uri="{FF2B5EF4-FFF2-40B4-BE49-F238E27FC236}">
+                <a16:creationId xmlns:a16="http://schemas.microsoft.com/office/drawing/2014/main" id="{5A5CFB5A-0C23-4EC1-8D94-5428FCAABBE0}"/>
+              </a:ext>
+            </a:extLst>
+          </p:cNvPr>
+          <p:cNvSpPr>
+            <a:spLocks noGrp="1"/>
+          </p:cNvSpPr>
+          <p:nvPr>
+            <p:ph type="body" sz="quarter" idx="13"/>
+          </p:nvPr>
+        </p:nvSpPr>
+        <p:spPr/>
+        <p:txBody>
+          <a:bodyPr/>
+          <a:lstStyle/>
+          <a:p>
+            <a:r>
+              <a:rPr lang="de-DE" dirty="0"/>
+              <a:t>Inhaltsverzeichnis</a:t>
+            </a:r>
+          </a:p>
+        </p:txBody>
+      </p:sp>
+      <p:sp>
+        <p:nvSpPr>
+          <p:cNvPr id="8" name="Inhaltsplatzhalter 4">
+            <a:extLst>
+              <a:ext uri="{FF2B5EF4-FFF2-40B4-BE49-F238E27FC236}">
+                <a16:creationId xmlns:a16="http://schemas.microsoft.com/office/drawing/2014/main" id="{F95CDB48-454B-5263-627C-A01B0398627D}"/>
+              </a:ext>
+            </a:extLst>
+          </p:cNvPr>
+          <p:cNvSpPr>
+            <a:spLocks noGrp="1"/>
+          </p:cNvSpPr>
+          <p:nvPr>
+            <p:ph idx="1"/>
+          </p:nvPr>
+        </p:nvSpPr>
+        <p:spPr>
+          <a:xfrm>
+            <a:off x="671045" y="1106588"/>
+            <a:ext cx="6893799" cy="5164558"/>
+          </a:xfrm>
+        </p:spPr>
+        <p:txBody>
+          <a:bodyPr/>
+          <a:lstStyle/>
+          <a:p>
+            <a:pPr marL="457200" indent="-457200">
+              <a:lnSpc>
+                <a:spcPct val="200000"/>
+              </a:lnSpc>
+              <a:buAutoNum type="arabicPeriod"/>
+            </a:pPr>
+            <a:r>
+              <a:rPr lang="de-DE" sz="2400" dirty="0">
+                <a:ea typeface="+mn-lt"/>
+                <a:cs typeface="+mn-lt"/>
+              </a:rPr>
+              <a:t>Kontext</a:t>
+            </a:r>
+            <a:r>
+              <a:rPr lang="de-DE" sz="2400" dirty="0">
+                <a:solidFill>
+                  <a:srgbClr val="00998A"/>
+                </a:solidFill>
+              </a:rPr>
+              <a:t> &amp; Praxisproblem</a:t>
+            </a:r>
+            <a:endParaRPr lang="de-DE" sz="2400" dirty="0"/>
+          </a:p>
+          <a:p>
+            <a:pPr marL="457200" indent="-457200">
+              <a:lnSpc>
+                <a:spcPct val="200000"/>
+              </a:lnSpc>
+              <a:buAutoNum type="arabicPeriod"/>
+            </a:pPr>
+            <a:r>
+              <a:rPr lang="de-DE" sz="2400" dirty="0">
+                <a:ea typeface="+mn-lt"/>
+                <a:cs typeface="+mn-lt"/>
+              </a:rPr>
+              <a:t>Stand</a:t>
+            </a:r>
+            <a:r>
+              <a:rPr lang="de-DE" sz="2400" dirty="0">
+                <a:solidFill>
+                  <a:srgbClr val="00998A"/>
+                </a:solidFill>
+                <a:cs typeface="Arial"/>
+              </a:rPr>
+              <a:t> der Forschung &amp; Forschungslücke</a:t>
+            </a:r>
+            <a:endParaRPr lang="de-DE" sz="2400" dirty="0"/>
+          </a:p>
+          <a:p>
+            <a:pPr marL="457200" indent="-457200">
+              <a:lnSpc>
+                <a:spcPct val="200000"/>
+              </a:lnSpc>
+              <a:buAutoNum type="arabicPeriod"/>
+            </a:pPr>
+            <a:r>
+              <a:rPr lang="de-DE" sz="2400" dirty="0">
+                <a:ea typeface="+mn-lt"/>
+                <a:cs typeface="+mn-lt"/>
+              </a:rPr>
+              <a:t>Zielsetzung</a:t>
+            </a:r>
+            <a:r>
+              <a:rPr lang="de-DE" sz="2400" dirty="0">
+                <a:solidFill>
+                  <a:srgbClr val="00998A"/>
+                </a:solidFill>
+                <a:cs typeface="Arial"/>
+              </a:rPr>
+              <a:t> &amp; Forschungsfragen</a:t>
+            </a:r>
+            <a:endParaRPr lang="de-DE" sz="2400" dirty="0"/>
+          </a:p>
+          <a:p>
+            <a:pPr marL="457200" indent="-457200">
+              <a:lnSpc>
+                <a:spcPct val="200000"/>
+              </a:lnSpc>
+              <a:buAutoNum type="arabicPeriod"/>
+            </a:pPr>
+            <a:r>
+              <a:rPr lang="de-DE" sz="2400" dirty="0">
+                <a:solidFill>
+                  <a:srgbClr val="00998A"/>
+                </a:solidFill>
+                <a:cs typeface="Arial" panose="020B0604020202020204"/>
+              </a:rPr>
+              <a:t>Forschungsdesign &amp; Methodik</a:t>
+            </a:r>
+          </a:p>
+          <a:p>
+            <a:pPr marL="457200" indent="-457200">
+              <a:lnSpc>
+                <a:spcPct val="200000"/>
+              </a:lnSpc>
+              <a:buAutoNum type="arabicPeriod"/>
+            </a:pPr>
+            <a:r>
+              <a:rPr lang="de-DE" sz="2400" dirty="0">
+                <a:solidFill>
+                  <a:srgbClr val="00998A"/>
+                </a:solidFill>
+                <a:cs typeface="Arial" panose="020B0604020202020204"/>
+              </a:rPr>
+              <a:t>Theorie-Praxis-Transfer</a:t>
+            </a:r>
+            <a:endParaRPr lang="de-DE" sz="2400" dirty="0">
+              <a:cs typeface="Arial" panose="020B0604020202020204"/>
+            </a:endParaRPr>
+          </a:p>
+          <a:p>
+            <a:pPr marL="457200" indent="-457200">
+              <a:lnSpc>
+                <a:spcPct val="200000"/>
+              </a:lnSpc>
+              <a:buAutoNum type="arabicPeriod"/>
+            </a:pPr>
+            <a:endParaRPr lang="de-DE" dirty="0">
+              <a:cs typeface="Arial" panose="020B0604020202020204"/>
+            </a:endParaRPr>
+          </a:p>
+        </p:txBody>
+      </p:sp>
+      <p:sp>
+        <p:nvSpPr>
+          <p:cNvPr id="11" name="Ellipse 10">
+            <a:extLst>
+              <a:ext uri="{FF2B5EF4-FFF2-40B4-BE49-F238E27FC236}">
+                <a16:creationId xmlns:a16="http://schemas.microsoft.com/office/drawing/2014/main" id="{394910CD-B1F6-554F-02B9-17ACE133B9B1}"/>
+              </a:ext>
+            </a:extLst>
+          </p:cNvPr>
+          <p:cNvSpPr/>
+          <p:nvPr/>
+        </p:nvSpPr>
+        <p:spPr>
+          <a:xfrm>
+            <a:off x="6854181" y="4442346"/>
+            <a:ext cx="2023468" cy="2023468"/>
+          </a:xfrm>
+          <a:prstGeom prst="ellipse">
+            <a:avLst/>
+          </a:prstGeom>
+          <a:solidFill>
+            <a:schemeClr val="accent2"/>
+          </a:solidFill>
+          <a:ln w="19050">
+            <a:solidFill>
+              <a:schemeClr val="accent1">
+                <a:lumMod val="75000"/>
+              </a:schemeClr>
+            </a:solidFill>
+          </a:ln>
+          <a:effectLst/>
+        </p:spPr>
+        <p:style>
+          <a:lnRef idx="2">
+            <a:schemeClr val="accent1">
+              <a:shade val="50000"/>
+            </a:schemeClr>
+          </a:lnRef>
+          <a:fillRef idx="1">
+            <a:schemeClr val="accent1"/>
+          </a:fillRef>
+          <a:effectRef idx="0">
+            <a:schemeClr val="accent1"/>
+          </a:effectRef>
+          <a:fontRef idx="minor">
+            <a:schemeClr val="lt1"/>
+          </a:fontRef>
+        </p:style>
+        <p:txBody>
+          <a:bodyPr rot="0" spcFirstLastPara="0" vertOverflow="overflow" horzOverflow="overflow" vert="horz" wrap="square" lIns="36000" tIns="36000" rIns="36000" bIns="36000" numCol="1" spcCol="0" rtlCol="0" fromWordArt="0" anchor="t" anchorCtr="0" forceAA="0" compatLnSpc="1">
+            <a:prstTxWarp prst="textNoShape">
+              <a:avLst/>
+            </a:prstTxWarp>
+            <a:noAutofit/>
+          </a:bodyPr>
+          <a:lstStyle/>
+          <a:p>
+            <a:pPr algn="ctr"/>
+            <a:endParaRPr lang="de-DE" sz="1800" err="1">
+              <a:solidFill>
+                <a:schemeClr val="tx1"/>
+              </a:solidFill>
+            </a:endParaRPr>
+          </a:p>
+        </p:txBody>
+      </p:sp>
+      <p:sp>
+        <p:nvSpPr>
+          <p:cNvPr id="5" name="Fußzeilenplatzhalter 2">
+            <a:extLst>
+              <a:ext uri="{FF2B5EF4-FFF2-40B4-BE49-F238E27FC236}">
+                <a16:creationId xmlns:a16="http://schemas.microsoft.com/office/drawing/2014/main" id="{24D6C491-A4FB-2C07-A2FB-74C79C7D1483}"/>
+              </a:ext>
+            </a:extLst>
+          </p:cNvPr>
+          <p:cNvSpPr>
+            <a:spLocks noGrp="1"/>
+          </p:cNvSpPr>
+          <p:nvPr>
+            <p:ph type="ftr" sz="quarter" idx="11"/>
+          </p:nvPr>
+        </p:nvSpPr>
+        <p:spPr>
+          <a:xfrm>
+            <a:off x="1790700" y="6571896"/>
+            <a:ext cx="5562600" cy="283234"/>
+          </a:xfrm>
+        </p:spPr>
+        <p:txBody>
+          <a:bodyPr/>
+          <a:lstStyle/>
+          <a:p>
+            <a:pPr>
+              <a:defRPr/>
+            </a:pPr>
+            <a:r>
+              <a:rPr lang="de-DE" dirty="0"/>
+              <a:t>Inhaltsverzeichnis</a:t>
+            </a:r>
+          </a:p>
+          <a:p>
+            <a:pPr>
+              <a:defRPr/>
+            </a:pPr>
+            <a:endParaRPr lang="de-DE" dirty="0"/>
+          </a:p>
+        </p:txBody>
+      </p:sp>
+    </p:spTree>
+    <p:extLst>
+      <p:ext uri="{BB962C8B-B14F-4D97-AF65-F5344CB8AC3E}">
+        <p14:creationId xmlns:p14="http://schemas.microsoft.com/office/powerpoint/2010/main" val="2766859510"/>
+      </p:ext>
+    </p:extLst>
+  </p:cSld>
+  <p:clrMapOvr>
+    <a:masterClrMapping/>
+  </p:clrMapOvr>
+</p:sld>
+</file>
+
+<file path=ppt/slides/slide3.xml><?xml version="1.0" encoding="utf-8"?>
+<p:sld xmlns:a="http://schemas.openxmlformats.org/drawingml/2006/main" xmlns:r="http://schemas.openxmlformats.org/officeDocument/2006/relationships" xmlns:p="http://schemas.openxmlformats.org/presentationml/2006/main" show="0">
+  <p:cSld>
+    <p:spTree>
+      <p:nvGrpSpPr>
+        <p:cNvPr id="1" name="">
+          <a:extLst>
+            <a:ext uri="{FF2B5EF4-FFF2-40B4-BE49-F238E27FC236}">
+              <a16:creationId xmlns:a16="http://schemas.microsoft.com/office/drawing/2014/main" id="{81D8FFD5-BE74-3B9B-8FE7-9EC69274F54B}"/>
+            </a:ext>
+          </a:extLst>
+        </p:cNvPr>
+        <p:cNvGrpSpPr/>
+        <p:nvPr/>
+      </p:nvGrpSpPr>
+      <p:grpSpPr>
+        <a:xfrm>
+          <a:off x="0" y="0"/>
+          <a:ext cx="0" cy="0"/>
+          <a:chOff x="0" y="0"/>
+          <a:chExt cx="0" cy="0"/>
+        </a:xfrm>
+      </p:grpSpPr>
+      <p:sp>
+        <p:nvSpPr>
+          <p:cNvPr id="2" name="Foliennummernplatzhalter 1">
+            <a:extLst>
+              <a:ext uri="{FF2B5EF4-FFF2-40B4-BE49-F238E27FC236}">
+                <a16:creationId xmlns:a16="http://schemas.microsoft.com/office/drawing/2014/main" id="{420DD9A1-E7D2-A59F-E815-EF91BEB37FC9}"/>
+              </a:ext>
+            </a:extLst>
+          </p:cNvPr>
+          <p:cNvSpPr>
+            <a:spLocks noGrp="1"/>
+          </p:cNvSpPr>
+          <p:nvPr>
+            <p:ph type="sldNum" sz="quarter" idx="10"/>
+          </p:nvPr>
+        </p:nvSpPr>
+        <p:spPr/>
+        <p:txBody>
+          <a:bodyPr/>
+          <a:lstStyle/>
+          <a:p>
+            <a:pPr>
+              <a:defRPr/>
+            </a:pPr>
+            <a:fld id="{2A3A57D9-08E7-4A35-820C-6C5F68307974}" type="slidenum">
+              <a:rPr lang="de-DE" smtClean="0"/>
+              <a:pPr>
+                <a:defRPr/>
+              </a:pPr>
+              <a:t>3</a:t>
+            </a:fld>
+            <a:endParaRPr lang="de-DE"/>
+          </a:p>
+        </p:txBody>
+      </p:sp>
+      <p:sp>
+        <p:nvSpPr>
+          <p:cNvPr id="7" name="Textplatzhalter 6">
+            <a:extLst>
+              <a:ext uri="{FF2B5EF4-FFF2-40B4-BE49-F238E27FC236}">
+                <a16:creationId xmlns:a16="http://schemas.microsoft.com/office/drawing/2014/main" id="{98FD0AE8-C89E-2F23-9EF7-334DABB4D4A7}"/>
+              </a:ext>
+            </a:extLst>
+          </p:cNvPr>
+          <p:cNvSpPr>
+            <a:spLocks noGrp="1"/>
+          </p:cNvSpPr>
+          <p:nvPr>
+            <p:ph type="body" sz="quarter" idx="13"/>
+          </p:nvPr>
+        </p:nvSpPr>
+        <p:spPr/>
+        <p:txBody>
+          <a:bodyPr/>
+          <a:lstStyle/>
+          <a:p>
+            <a:r>
+              <a:rPr lang="de-DE" dirty="0"/>
+              <a:t>1. Kontext &amp; Praxisproblem</a:t>
+            </a:r>
+          </a:p>
+        </p:txBody>
+      </p:sp>
+      <p:sp>
+        <p:nvSpPr>
+          <p:cNvPr id="8" name="Inhaltsplatzhalter 4">
+            <a:extLst>
+              <a:ext uri="{FF2B5EF4-FFF2-40B4-BE49-F238E27FC236}">
+                <a16:creationId xmlns:a16="http://schemas.microsoft.com/office/drawing/2014/main" id="{43B34685-2104-7026-F8C7-C5B1C374EC64}"/>
+              </a:ext>
+            </a:extLst>
+          </p:cNvPr>
+          <p:cNvSpPr>
+            <a:spLocks noGrp="1"/>
+          </p:cNvSpPr>
+          <p:nvPr>
+            <p:ph idx="1"/>
+          </p:nvPr>
+        </p:nvSpPr>
+        <p:spPr>
+          <a:xfrm>
+            <a:off x="0" y="2603672"/>
+            <a:ext cx="9144000" cy="763549"/>
+          </a:xfrm>
+        </p:spPr>
+        <p:txBody>
+          <a:bodyPr/>
+          <a:lstStyle/>
+          <a:p>
+            <a:pPr algn="ctr"/>
+            <a:r>
+              <a:rPr lang="de-DE" sz="4000" dirty="0"/>
+              <a:t>1. Kontext &amp; Praxisproblem</a:t>
+            </a:r>
+            <a:endParaRPr lang="de-DE" dirty="0">
+              <a:cs typeface="Arial"/>
+            </a:endParaRPr>
+          </a:p>
+        </p:txBody>
+      </p:sp>
+      <p:sp>
+        <p:nvSpPr>
+          <p:cNvPr id="9" name="Datumsplatzhalter 3">
+            <a:extLst>
+              <a:ext uri="{FF2B5EF4-FFF2-40B4-BE49-F238E27FC236}">
+                <a16:creationId xmlns:a16="http://schemas.microsoft.com/office/drawing/2014/main" id="{407B73B4-5C30-3232-CF69-F16080E991FF}"/>
+              </a:ext>
+            </a:extLst>
+          </p:cNvPr>
+          <p:cNvSpPr>
+            <a:spLocks noGrp="1"/>
+          </p:cNvSpPr>
+          <p:nvPr>
+            <p:ph type="dt" sz="half" idx="12"/>
+          </p:nvPr>
+        </p:nvSpPr>
+        <p:spPr>
+          <a:xfrm>
+            <a:off x="543379" y="6575265"/>
+            <a:ext cx="1524000" cy="283234"/>
+          </a:xfrm>
+        </p:spPr>
+        <p:txBody>
+          <a:bodyPr/>
+          <a:lstStyle/>
+          <a:p>
+            <a:pPr>
+              <a:defRPr/>
+            </a:pPr>
+            <a:fld id="{9338910D-6BF9-4DAD-BD39-5E8F1176E68E}" type="datetime1">
+              <a:rPr lang="de-DE" smtClean="0"/>
+              <a:t>12.01.2026</a:t>
+            </a:fld>
+            <a:endParaRPr lang="de-DE" dirty="0"/>
+          </a:p>
+        </p:txBody>
+      </p:sp>
+      <p:sp>
+        <p:nvSpPr>
+          <p:cNvPr id="10" name="Ellipse 9">
+            <a:extLst>
+              <a:ext uri="{FF2B5EF4-FFF2-40B4-BE49-F238E27FC236}">
+                <a16:creationId xmlns:a16="http://schemas.microsoft.com/office/drawing/2014/main" id="{EE3FE48A-6E22-FC71-7C48-DF7ECBE573E3}"/>
+              </a:ext>
+            </a:extLst>
+          </p:cNvPr>
+          <p:cNvSpPr/>
+          <p:nvPr/>
+        </p:nvSpPr>
+        <p:spPr>
+          <a:xfrm>
+            <a:off x="6854181" y="4442346"/>
+            <a:ext cx="2023468" cy="2023468"/>
+          </a:xfrm>
+          <a:prstGeom prst="ellipse">
+            <a:avLst/>
+          </a:prstGeom>
+          <a:solidFill>
+            <a:schemeClr val="accent2"/>
+          </a:solidFill>
+          <a:ln w="19050">
+            <a:solidFill>
+              <a:schemeClr val="accent1">
+                <a:lumMod val="75000"/>
+              </a:schemeClr>
+            </a:solidFill>
+          </a:ln>
+          <a:effectLst/>
+        </p:spPr>
+        <p:style>
+          <a:lnRef idx="2">
+            <a:schemeClr val="accent1">
+              <a:shade val="50000"/>
+            </a:schemeClr>
+          </a:lnRef>
+          <a:fillRef idx="1">
+            <a:schemeClr val="accent1"/>
+          </a:fillRef>
+          <a:effectRef idx="0">
+            <a:schemeClr val="accent1"/>
+          </a:effectRef>
+          <a:fontRef idx="minor">
+            <a:schemeClr val="lt1"/>
+          </a:fontRef>
+        </p:style>
+        <p:txBody>
+          <a:bodyPr rot="0" spcFirstLastPara="0" vertOverflow="overflow" horzOverflow="overflow" vert="horz" wrap="square" lIns="36000" tIns="36000" rIns="36000" bIns="36000" numCol="1" spcCol="0" rtlCol="0" fromWordArt="0" anchor="t" anchorCtr="0" forceAA="0" compatLnSpc="1">
+            <a:prstTxWarp prst="textNoShape">
+              <a:avLst/>
+            </a:prstTxWarp>
+            <a:noAutofit/>
+          </a:bodyPr>
+          <a:lstStyle/>
+          <a:p>
+            <a:pPr algn="ctr"/>
+            <a:endParaRPr lang="de-DE" sz="1800" err="1">
+              <a:solidFill>
+                <a:schemeClr val="tx1"/>
+              </a:solidFill>
+            </a:endParaRPr>
+          </a:p>
+        </p:txBody>
+      </p:sp>
+      <p:sp>
+        <p:nvSpPr>
+          <p:cNvPr id="15" name="Fußzeilenplatzhalter 2">
+            <a:extLst>
+              <a:ext uri="{FF2B5EF4-FFF2-40B4-BE49-F238E27FC236}">
+                <a16:creationId xmlns:a16="http://schemas.microsoft.com/office/drawing/2014/main" id="{6B93BABB-6328-5658-F040-36C3CB655955}"/>
+              </a:ext>
+            </a:extLst>
+          </p:cNvPr>
+          <p:cNvSpPr>
+            <a:spLocks noGrp="1"/>
+          </p:cNvSpPr>
+          <p:nvPr>
+            <p:ph type="ftr" sz="quarter" idx="11"/>
+          </p:nvPr>
+        </p:nvSpPr>
+        <p:spPr>
+          <a:xfrm>
+            <a:off x="1790700" y="6571896"/>
+            <a:ext cx="5562600" cy="283234"/>
+          </a:xfrm>
+        </p:spPr>
+        <p:txBody>
+          <a:bodyPr/>
+          <a:lstStyle/>
+          <a:p>
+            <a:pPr>
+              <a:defRPr/>
+            </a:pPr>
+            <a:r>
+              <a:rPr lang="de-DE" dirty="0"/>
+              <a:t>1. Kontext &amp; Praxisproblem</a:t>
+            </a:r>
+          </a:p>
+          <a:p>
+            <a:pPr>
+              <a:defRPr/>
+            </a:pPr>
+            <a:endParaRPr lang="de-DE" dirty="0"/>
+          </a:p>
+        </p:txBody>
+      </p:sp>
+    </p:spTree>
+    <p:extLst>
+      <p:ext uri="{BB962C8B-B14F-4D97-AF65-F5344CB8AC3E}">
+        <p14:creationId xmlns:p14="http://schemas.microsoft.com/office/powerpoint/2010/main" val="3179665027"/>
+      </p:ext>
+    </p:extLst>
+  </p:cSld>
+  <p:clrMapOvr>
+    <a:masterClrMapping/>
+  </p:clrMapOvr>
+</p:sld>
+</file>
+
+<file path=ppt/slides/slide4.xml><?xml version="1.0" encoding="utf-8"?>
+<p:sld xmlns:a="http://schemas.openxmlformats.org/drawingml/2006/main" xmlns:r="http://schemas.openxmlformats.org/officeDocument/2006/relationships" xmlns:p="http://schemas.openxmlformats.org/presentationml/2006/main" show="0">
+  <p:cSld>
+    <p:spTree>
+      <p:nvGrpSpPr>
+        <p:cNvPr id="1" name="">
+          <a:extLst>
+            <a:ext uri="{FF2B5EF4-FFF2-40B4-BE49-F238E27FC236}">
+              <a16:creationId xmlns:a16="http://schemas.microsoft.com/office/drawing/2014/main" id="{7A873E32-7BD4-3948-571D-4F7345029868}"/>
+            </a:ext>
+          </a:extLst>
+        </p:cNvPr>
+        <p:cNvGrpSpPr/>
+        <p:nvPr/>
+      </p:nvGrpSpPr>
+      <p:grpSpPr>
+        <a:xfrm>
+          <a:off x="0" y="0"/>
+          <a:ext cx="0" cy="0"/>
+          <a:chOff x="0" y="0"/>
+          <a:chExt cx="0" cy="0"/>
+        </a:xfrm>
+      </p:grpSpPr>
+      <p:sp>
+        <p:nvSpPr>
+          <p:cNvPr id="31" name="Textfeld 30">
+            <a:extLst>
+              <a:ext uri="{FF2B5EF4-FFF2-40B4-BE49-F238E27FC236}">
+                <a16:creationId xmlns:a16="http://schemas.microsoft.com/office/drawing/2014/main" id="{C8DBC553-FAE7-592F-CEA5-B20341B8C4FE}"/>
+              </a:ext>
+            </a:extLst>
+          </p:cNvPr>
+          <p:cNvSpPr txBox="1"/>
+          <p:nvPr/>
+        </p:nvSpPr>
+        <p:spPr bwMode="auto">
+          <a:xfrm>
+            <a:off x="194705" y="4846344"/>
+            <a:ext cx="6659475" cy="1323439"/>
+          </a:xfrm>
+          <a:prstGeom prst="rect">
+            <a:avLst/>
+          </a:prstGeom>
+          <a:noFill/>
+          <a:ln w="12700">
+            <a:noFill/>
+          </a:ln>
+          <a:effectLst/>
+        </p:spPr>
+        <p:txBody>
+          <a:bodyPr wrap="square">
+            <a:spAutoFit/>
+          </a:bodyPr>
+          <a:lstStyle/>
+          <a:p>
+            <a:r>
+              <a:rPr lang="de-DE" sz="2000" i="0" dirty="0">
+                <a:effectLst/>
+                <a:latin typeface="+mj-lt"/>
+              </a:rPr>
+              <a:t>häufig geringere Bewerbungserfahrung</a:t>
+            </a:r>
+          </a:p>
+          <a:p>
+            <a:r>
+              <a:rPr lang="de-DE" sz="2000" b="0" i="0" dirty="0">
+                <a:effectLst/>
+                <a:latin typeface="+mj-lt"/>
+              </a:rPr>
+              <a:t>     höhere Unsicherheit</a:t>
+            </a:r>
+          </a:p>
+          <a:p>
+            <a:r>
+              <a:rPr lang="de-DE" sz="2000" b="0" i="0" dirty="0">
+                <a:effectLst/>
+                <a:latin typeface="+mj-lt"/>
+              </a:rPr>
+              <a:t>     Wahrnehmungen zu Fairness</a:t>
+            </a:r>
+            <a:r>
+              <a:rPr lang="de-DE" sz="2000" dirty="0">
+                <a:latin typeface="+mj-lt"/>
+              </a:rPr>
+              <a:t> und </a:t>
+            </a:r>
+            <a:r>
+              <a:rPr lang="de-DE" sz="2000" b="0" i="0" dirty="0">
+                <a:effectLst/>
+                <a:latin typeface="+mj-lt"/>
+              </a:rPr>
+              <a:t>Transparenz</a:t>
+            </a:r>
+            <a:br>
+              <a:rPr lang="de-DE" sz="2000" b="0" i="0" dirty="0">
+                <a:effectLst/>
+                <a:latin typeface="+mj-lt"/>
+              </a:rPr>
+            </a:br>
+            <a:r>
+              <a:rPr lang="de-DE" sz="2000" b="0" i="0" dirty="0">
+                <a:effectLst/>
+                <a:latin typeface="+mj-lt"/>
+              </a:rPr>
+              <a:t>     könnten </a:t>
+            </a:r>
+            <a:r>
+              <a:rPr lang="de-DE" sz="2000" b="1" i="0" dirty="0">
+                <a:solidFill>
+                  <a:srgbClr val="007368"/>
+                </a:solidFill>
+                <a:effectLst/>
+                <a:latin typeface="+mj-lt"/>
+              </a:rPr>
+              <a:t>stärker auf Akzeptanz</a:t>
+            </a:r>
+            <a:r>
+              <a:rPr lang="de-DE" sz="2000" b="1" dirty="0">
+                <a:solidFill>
+                  <a:srgbClr val="007368"/>
+                </a:solidFill>
+                <a:latin typeface="+mj-lt"/>
+              </a:rPr>
+              <a:t> </a:t>
+            </a:r>
+            <a:r>
+              <a:rPr lang="de-DE" sz="2000" b="0" i="0" dirty="0">
+                <a:effectLst/>
+                <a:latin typeface="+mj-lt"/>
+              </a:rPr>
+              <a:t>wirken</a:t>
+            </a:r>
+          </a:p>
+        </p:txBody>
+      </p:sp>
+      <p:sp>
+        <p:nvSpPr>
+          <p:cNvPr id="28" name="Rechteck 27">
+            <a:extLst>
+              <a:ext uri="{FF2B5EF4-FFF2-40B4-BE49-F238E27FC236}">
+                <a16:creationId xmlns:a16="http://schemas.microsoft.com/office/drawing/2014/main" id="{201B9073-1507-7BC9-E414-D8C0D1F7F92E}"/>
+              </a:ext>
+            </a:extLst>
+          </p:cNvPr>
+          <p:cNvSpPr/>
+          <p:nvPr/>
+        </p:nvSpPr>
+        <p:spPr>
+          <a:xfrm>
+            <a:off x="0" y="4290902"/>
+            <a:ext cx="5472751" cy="524075"/>
+          </a:xfrm>
+          <a:prstGeom prst="rect">
+            <a:avLst/>
+          </a:prstGeom>
+          <a:solidFill>
+            <a:srgbClr val="00998B"/>
+          </a:solidFill>
+          <a:ln w="19050">
+            <a:noFill/>
+          </a:ln>
+          <a:effectLst/>
+        </p:spPr>
+        <p:style>
+          <a:lnRef idx="2">
+            <a:schemeClr val="accent1">
+              <a:shade val="50000"/>
+            </a:schemeClr>
+          </a:lnRef>
+          <a:fillRef idx="1">
+            <a:schemeClr val="accent1"/>
+          </a:fillRef>
+          <a:effectRef idx="0">
+            <a:schemeClr val="accent1"/>
+          </a:effectRef>
+          <a:fontRef idx="minor">
+            <a:schemeClr val="lt1"/>
+          </a:fontRef>
+        </p:style>
+        <p:txBody>
+          <a:bodyPr rot="0" spcFirstLastPara="0" vertOverflow="overflow" horzOverflow="overflow" vert="horz" wrap="square" lIns="36000" tIns="36000" rIns="36000" bIns="36000" numCol="1" spcCol="0" rtlCol="0" fromWordArt="0" anchor="t" anchorCtr="0" forceAA="0" compatLnSpc="1">
+            <a:prstTxWarp prst="textNoShape">
+              <a:avLst/>
+            </a:prstTxWarp>
+            <a:noAutofit/>
+          </a:bodyPr>
+          <a:lstStyle/>
+          <a:p>
+            <a:pPr algn="ctr"/>
+            <a:endParaRPr lang="de-DE" sz="1800" dirty="0" err="1">
+              <a:solidFill>
+                <a:schemeClr val="tx1"/>
+              </a:solidFill>
+            </a:endParaRPr>
+          </a:p>
+        </p:txBody>
+      </p:sp>
+      <p:sp>
+        <p:nvSpPr>
+          <p:cNvPr id="13" name="Rechteck 12">
+            <a:extLst>
+              <a:ext uri="{FF2B5EF4-FFF2-40B4-BE49-F238E27FC236}">
+                <a16:creationId xmlns:a16="http://schemas.microsoft.com/office/drawing/2014/main" id="{92F3391A-E471-5D23-AB13-47582DEB2E11}"/>
+              </a:ext>
+            </a:extLst>
+          </p:cNvPr>
+          <p:cNvSpPr/>
+          <p:nvPr/>
+        </p:nvSpPr>
+        <p:spPr>
+          <a:xfrm>
+            <a:off x="1163471" y="1335529"/>
+            <a:ext cx="6817056" cy="1179872"/>
+          </a:xfrm>
+          <a:prstGeom prst="rect">
+            <a:avLst/>
+          </a:prstGeom>
+          <a:solidFill>
+            <a:schemeClr val="accent2"/>
+          </a:solidFill>
+          <a:ln w="19050">
+            <a:solidFill>
+              <a:schemeClr val="accent1">
+                <a:lumMod val="75000"/>
+              </a:schemeClr>
+            </a:solidFill>
+          </a:ln>
+          <a:effectLst/>
+        </p:spPr>
+        <p:style>
+          <a:lnRef idx="2">
+            <a:schemeClr val="accent1">
+              <a:shade val="50000"/>
+            </a:schemeClr>
+          </a:lnRef>
+          <a:fillRef idx="1">
+            <a:schemeClr val="accent1"/>
+          </a:fillRef>
+          <a:effectRef idx="0">
+            <a:schemeClr val="accent1"/>
+          </a:effectRef>
+          <a:fontRef idx="minor">
+            <a:schemeClr val="lt1"/>
+          </a:fontRef>
+        </p:style>
+        <p:txBody>
+          <a:bodyPr rot="0" spcFirstLastPara="0" vertOverflow="overflow" horzOverflow="overflow" vert="horz" wrap="square" lIns="36000" tIns="36000" rIns="36000" bIns="36000" numCol="1" spcCol="0" rtlCol="0" fromWordArt="0" anchor="t" anchorCtr="0" forceAA="0" compatLnSpc="1">
+            <a:prstTxWarp prst="textNoShape">
+              <a:avLst/>
+            </a:prstTxWarp>
+            <a:noAutofit/>
+          </a:bodyPr>
+          <a:lstStyle/>
+          <a:p>
+            <a:pPr algn="ctr"/>
+            <a:endParaRPr lang="de-DE" sz="1800" dirty="0" err="1">
+              <a:solidFill>
+                <a:schemeClr val="tx1"/>
+              </a:solidFill>
+            </a:endParaRPr>
+          </a:p>
+        </p:txBody>
+      </p:sp>
+      <p:sp>
+        <p:nvSpPr>
+          <p:cNvPr id="2" name="Foliennummernplatzhalter 1">
+            <a:extLst>
+              <a:ext uri="{FF2B5EF4-FFF2-40B4-BE49-F238E27FC236}">
+                <a16:creationId xmlns:a16="http://schemas.microsoft.com/office/drawing/2014/main" id="{E4258465-7761-0B73-8F4E-B73FF477E095}"/>
+              </a:ext>
+            </a:extLst>
+          </p:cNvPr>
+          <p:cNvSpPr>
+            <a:spLocks noGrp="1"/>
+          </p:cNvSpPr>
+          <p:nvPr>
+            <p:ph type="sldNum" sz="quarter" idx="10"/>
+          </p:nvPr>
+        </p:nvSpPr>
+        <p:spPr/>
+        <p:txBody>
+          <a:bodyPr/>
+          <a:lstStyle/>
+          <a:p>
+            <a:pPr>
+              <a:defRPr/>
+            </a:pPr>
+            <a:fld id="{2A3A57D9-08E7-4A35-820C-6C5F68307974}" type="slidenum">
+              <a:rPr lang="de-DE" smtClean="0"/>
+              <a:pPr>
+                <a:defRPr/>
+              </a:pPr>
+              <a:t>4</a:t>
+            </a:fld>
+            <a:endParaRPr lang="de-DE"/>
+          </a:p>
+        </p:txBody>
+      </p:sp>
+      <p:sp>
+        <p:nvSpPr>
+          <p:cNvPr id="6" name="Textplatzhalter 5">
+            <a:extLst>
+              <a:ext uri="{FF2B5EF4-FFF2-40B4-BE49-F238E27FC236}">
+                <a16:creationId xmlns:a16="http://schemas.microsoft.com/office/drawing/2014/main" id="{F11F9B33-E530-6118-7DF5-2DD0ABC3DAA7}"/>
+              </a:ext>
+            </a:extLst>
+          </p:cNvPr>
+          <p:cNvSpPr>
+            <a:spLocks noGrp="1"/>
+          </p:cNvSpPr>
+          <p:nvPr>
+            <p:ph type="body" sz="quarter" idx="13"/>
+          </p:nvPr>
+        </p:nvSpPr>
+        <p:spPr/>
+        <p:txBody>
+          <a:bodyPr/>
+          <a:lstStyle/>
+          <a:p>
+            <a:r>
+              <a:rPr lang="de-DE" dirty="0"/>
+              <a:t>Kontext</a:t>
+            </a:r>
+          </a:p>
+        </p:txBody>
+      </p:sp>
+      <p:sp>
+        <p:nvSpPr>
+          <p:cNvPr id="9" name="Textfeld 8">
+            <a:extLst>
+              <a:ext uri="{FF2B5EF4-FFF2-40B4-BE49-F238E27FC236}">
+                <a16:creationId xmlns:a16="http://schemas.microsoft.com/office/drawing/2014/main" id="{89729269-0B05-7C6A-ABF7-8FE6A2C55306}"/>
+              </a:ext>
+            </a:extLst>
+          </p:cNvPr>
+          <p:cNvSpPr txBox="1"/>
+          <p:nvPr/>
+        </p:nvSpPr>
+        <p:spPr bwMode="auto">
+          <a:xfrm>
+            <a:off x="6291943" y="3325505"/>
+            <a:ext cx="0" cy="0"/>
+          </a:xfrm>
+          <a:prstGeom prst="rect">
+            <a:avLst/>
+          </a:prstGeom>
+          <a:noFill/>
+          <a:ln w="12700">
+            <a:noFill/>
+          </a:ln>
+          <a:effectLst/>
+        </p:spPr>
+        <p:txBody>
+          <a:bodyPr vert="horz" wrap="none" lIns="36000" tIns="36000" rIns="36000" bIns="36000" numCol="1" rtlCol="0" anchor="t" anchorCtr="0" compatLnSpc="1">
+            <a:prstTxWarp prst="textNoShape">
+              <a:avLst/>
+            </a:prstTxWarp>
+            <a:noAutofit/>
+          </a:bodyPr>
+          <a:lstStyle/>
+          <a:p>
+            <a:pPr marL="0" marR="0" indent="0" defTabSz="914400" rtl="0" eaLnBrk="1" fontAlgn="base" latinLnBrk="0" hangingPunct="1">
+              <a:lnSpc>
+                <a:spcPct val="100000"/>
+              </a:lnSpc>
+              <a:spcBef>
+                <a:spcPts val="0"/>
+              </a:spcBef>
+              <a:spcAft>
+                <a:spcPts val="600"/>
+              </a:spcAft>
+              <a:buClr>
+                <a:srgbClr val="23A092"/>
+              </a:buClr>
+              <a:buSzPct val="80000"/>
+              <a:buFont typeface="Wingdings" pitchFamily="2" charset="2"/>
+              <a:buNone/>
+              <a:tabLst/>
+            </a:pPr>
+            <a:endParaRPr kumimoji="0" lang="de-DE" sz="1400" b="0" i="0" u="none" strike="noStrike" kern="0" cap="none" spc="0" normalizeH="0" baseline="0" noProof="0" err="1">
+              <a:ln>
+                <a:noFill/>
+              </a:ln>
+              <a:solidFill>
+                <a:schemeClr val="tx1"/>
+              </a:solidFill>
+              <a:effectLst/>
+              <a:uLnTx/>
+              <a:uFillTx/>
+              <a:latin typeface="+mn-lt"/>
+            </a:endParaRPr>
+          </a:p>
+        </p:txBody>
+      </p:sp>
+      <p:sp>
+        <p:nvSpPr>
+          <p:cNvPr id="3" name="Ellipse 2">
+            <a:extLst>
+              <a:ext uri="{FF2B5EF4-FFF2-40B4-BE49-F238E27FC236}">
+                <a16:creationId xmlns:a16="http://schemas.microsoft.com/office/drawing/2014/main" id="{48F1212A-2047-00E7-CFD3-5447763F2950}"/>
+              </a:ext>
+            </a:extLst>
+          </p:cNvPr>
+          <p:cNvSpPr/>
+          <p:nvPr/>
+        </p:nvSpPr>
+        <p:spPr>
+          <a:xfrm>
+            <a:off x="6854181" y="4442346"/>
+            <a:ext cx="2023468" cy="2023468"/>
+          </a:xfrm>
+          <a:prstGeom prst="ellipse">
+            <a:avLst/>
+          </a:prstGeom>
+          <a:solidFill>
+            <a:schemeClr val="accent2"/>
+          </a:solidFill>
+          <a:ln w="19050">
+            <a:solidFill>
+              <a:schemeClr val="accent1">
+                <a:lumMod val="75000"/>
+              </a:schemeClr>
+            </a:solidFill>
+          </a:ln>
+          <a:effectLst/>
+        </p:spPr>
+        <p:style>
+          <a:lnRef idx="2">
+            <a:schemeClr val="accent1">
+              <a:shade val="50000"/>
+            </a:schemeClr>
+          </a:lnRef>
+          <a:fillRef idx="1">
+            <a:schemeClr val="accent1"/>
+          </a:fillRef>
+          <a:effectRef idx="0">
+            <a:schemeClr val="accent1"/>
+          </a:effectRef>
+          <a:fontRef idx="minor">
+            <a:schemeClr val="lt1"/>
+          </a:fontRef>
+        </p:style>
+        <p:txBody>
+          <a:bodyPr rot="0" spcFirstLastPara="0" vertOverflow="overflow" horzOverflow="overflow" vert="horz" wrap="square" lIns="36000" tIns="36000" rIns="36000" bIns="36000" numCol="1" spcCol="0" rtlCol="0" fromWordArt="0" anchor="t" anchorCtr="0" forceAA="0" compatLnSpc="1">
+            <a:prstTxWarp prst="textNoShape">
+              <a:avLst/>
+            </a:prstTxWarp>
+            <a:noAutofit/>
+          </a:bodyPr>
+          <a:lstStyle/>
+          <a:p>
+            <a:pPr algn="ctr"/>
+            <a:endParaRPr lang="de-DE" sz="1800" err="1">
+              <a:solidFill>
+                <a:schemeClr val="tx1"/>
+              </a:solidFill>
+            </a:endParaRPr>
+          </a:p>
+        </p:txBody>
+      </p:sp>
+      <p:sp>
+        <p:nvSpPr>
+          <p:cNvPr id="5" name="Datumsplatzhalter 3">
+            <a:extLst>
+              <a:ext uri="{FF2B5EF4-FFF2-40B4-BE49-F238E27FC236}">
                 <a16:creationId xmlns:a16="http://schemas.microsoft.com/office/drawing/2014/main" id="{6D3BEADB-85FC-8D96-79CB-CC7FEDFF7147}"/>
               </a:ext>
             </a:extLst>
@@ -10711,7 +12589,7 @@
 </file>
 
 <file path=ppt/slides/slide5.xml><?xml version="1.0" encoding="utf-8"?>
-<p:sld xmlns:a="http://schemas.openxmlformats.org/drawingml/2006/main" xmlns:r="http://schemas.openxmlformats.org/officeDocument/2006/relationships" xmlns:p="http://schemas.openxmlformats.org/presentationml/2006/main">
+<p:sld xmlns:a="http://schemas.openxmlformats.org/drawingml/2006/main" xmlns:r="http://schemas.openxmlformats.org/officeDocument/2006/relationships" xmlns:p="http://schemas.openxmlformats.org/presentationml/2006/main" show="0">
   <p:cSld>
     <p:spTree>
       <p:nvGrpSpPr>
@@ -11746,7 +13624,7 @@
 </file>
 
 <file path=ppt/slides/slide6.xml><?xml version="1.0" encoding="utf-8"?>
-<p:sld xmlns:a="http://schemas.openxmlformats.org/drawingml/2006/main" xmlns:r="http://schemas.openxmlformats.org/officeDocument/2006/relationships" xmlns:p="http://schemas.openxmlformats.org/presentationml/2006/main">
+<p:sld xmlns:a="http://schemas.openxmlformats.org/drawingml/2006/main" xmlns:r="http://schemas.openxmlformats.org/officeDocument/2006/relationships" xmlns:p="http://schemas.openxmlformats.org/presentationml/2006/main" show="0">
   <p:cSld>
     <p:spTree>
       <p:nvGrpSpPr>
@@ -12405,7 +14283,7 @@
 </file>
 
 <file path=ppt/slides/slide7.xml><?xml version="1.0" encoding="utf-8"?>
-<p:sld xmlns:a="http://schemas.openxmlformats.org/drawingml/2006/main" xmlns:r="http://schemas.openxmlformats.org/officeDocument/2006/relationships" xmlns:p="http://schemas.openxmlformats.org/presentationml/2006/main">
+<p:sld xmlns:a="http://schemas.openxmlformats.org/drawingml/2006/main" xmlns:r="http://schemas.openxmlformats.org/officeDocument/2006/relationships" xmlns:p="http://schemas.openxmlformats.org/presentationml/2006/main" show="0">
   <p:cSld>
     <p:spTree>
       <p:nvGrpSpPr>
@@ -12674,7 +14552,7 @@
 </file>
 
 <file path=ppt/slides/slide8.xml><?xml version="1.0" encoding="utf-8"?>
-<p:sld xmlns:a="http://schemas.openxmlformats.org/drawingml/2006/main" xmlns:r="http://schemas.openxmlformats.org/officeDocument/2006/relationships" xmlns:p="http://schemas.openxmlformats.org/presentationml/2006/main">
+<p:sld xmlns:a="http://schemas.openxmlformats.org/drawingml/2006/main" xmlns:r="http://schemas.openxmlformats.org/officeDocument/2006/relationships" xmlns:p="http://schemas.openxmlformats.org/presentationml/2006/main" show="0">
   <p:cSld>
     <p:spTree>
       <p:nvGrpSpPr>
@@ -12943,7 +14821,7 @@
 </file>
 
 <file path=ppt/slides/slide9.xml><?xml version="1.0" encoding="utf-8"?>
-<p:sld xmlns:a="http://schemas.openxmlformats.org/drawingml/2006/main" xmlns:r="http://schemas.openxmlformats.org/officeDocument/2006/relationships" xmlns:p="http://schemas.openxmlformats.org/presentationml/2006/main">
+<p:sld xmlns:a="http://schemas.openxmlformats.org/drawingml/2006/main" xmlns:r="http://schemas.openxmlformats.org/officeDocument/2006/relationships" xmlns:p="http://schemas.openxmlformats.org/presentationml/2006/main" show="0">
   <p:cSld>
     <p:spTree>
       <p:nvGrpSpPr>
